--- a/Lecture_22_23-Designing-Closed-Loop-Systems/Designing-Full-State-Feedback.pptx
+++ b/Lecture_22_23-Designing-Closed-Loop-Systems/Designing-Full-State-Feedback.pptx
@@ -5,10 +5,10 @@
     <p:sldMasterId id="2147483648" r:id="rId1"/>
   </p:sldMasterIdLst>
   <p:notesMasterIdLst>
-    <p:notesMasterId r:id="rId15"/>
+    <p:notesMasterId r:id="rId16"/>
   </p:notesMasterIdLst>
   <p:handoutMasterIdLst>
-    <p:handoutMasterId r:id="rId16"/>
+    <p:handoutMasterId r:id="rId17"/>
   </p:handoutMasterIdLst>
   <p:sldIdLst>
     <p:sldId id="256" r:id="rId2"/>
@@ -24,6 +24,7 @@
     <p:sldId id="532" r:id="rId12"/>
     <p:sldId id="533" r:id="rId13"/>
     <p:sldId id="534" r:id="rId14"/>
+    <p:sldId id="535" r:id="rId15"/>
   </p:sldIdLst>
   <p:sldSz cx="9144000" cy="6858000" type="screen4x3"/>
   <p:notesSz cx="6858000" cy="9144000"/>
@@ -6014,8 +6015,8 @@
           </a:p>
         </p:txBody>
       </p:sp>
-      <mc:AlternateContent xmlns:mc="http://schemas.openxmlformats.org/markup-compatibility/2006" xmlns:a14="http://schemas.microsoft.com/office/drawing/2010/main">
-        <mc:Choice Requires="a14">
+      <mc:AlternateContent xmlns:mc="http://schemas.openxmlformats.org/markup-compatibility/2006">
+        <mc:Choice xmlns:a14="http://schemas.microsoft.com/office/drawing/2010/main" Requires="a14">
           <p:sp>
             <p:nvSpPr>
               <p:cNvPr id="12" name="TextBox 11">
@@ -6030,7 +6031,7 @@
             </p:nvSpPr>
             <p:spPr>
               <a:xfrm>
-                <a:off x="402969" y="1184695"/>
+                <a:off x="402969" y="1104793"/>
                 <a:ext cx="6714266" cy="339773"/>
               </a:xfrm>
               <a:prstGeom prst="rect">
@@ -6368,7 +6369,7 @@
             </p:txBody>
           </p:sp>
         </mc:Choice>
-        <mc:Fallback xmlns="">
+        <mc:Fallback>
           <p:sp>
             <p:nvSpPr>
               <p:cNvPr id="12" name="TextBox 11">
@@ -6385,7 +6386,7 @@
             </p:nvSpPr>
             <p:spPr>
               <a:xfrm>
-                <a:off x="402969" y="1184695"/>
+                <a:off x="402969" y="1104793"/>
                 <a:ext cx="6714266" cy="339773"/>
               </a:xfrm>
               <a:prstGeom prst="rect">
@@ -6394,933 +6395,7 @@
               <a:blipFill>
                 <a:blip r:embed="rId2"/>
                 <a:stretch>
-                  <a:fillRect t="-14286" b="-10714"/>
-                </a:stretch>
-              </a:blipFill>
-            </p:spPr>
-            <p:txBody>
-              <a:bodyPr/>
-              <a:lstStyle/>
-              <a:p>
-                <a:r>
-                  <a:rPr lang="en-US">
-                    <a:noFill/>
-                  </a:rPr>
-                  <a:t> </a:t>
-                </a:r>
-              </a:p>
-            </p:txBody>
-          </p:sp>
-        </mc:Fallback>
-      </mc:AlternateContent>
-      <mc:AlternateContent xmlns:mc="http://schemas.openxmlformats.org/markup-compatibility/2006" xmlns:a14="http://schemas.microsoft.com/office/drawing/2010/main">
-        <mc:Choice Requires="a14">
-          <p:sp>
-            <p:nvSpPr>
-              <p:cNvPr id="13" name="Rectangle 12">
-                <a:extLst>
-                  <a:ext uri="{FF2B5EF4-FFF2-40B4-BE49-F238E27FC236}">
-                    <a16:creationId xmlns:a16="http://schemas.microsoft.com/office/drawing/2014/main" id="{AD6A6B2A-8484-8040-981F-8F8B11CD2153}"/>
-                  </a:ext>
-                </a:extLst>
-              </p:cNvPr>
-              <p:cNvSpPr/>
-              <p:nvPr/>
-            </p:nvSpPr>
-            <p:spPr>
-              <a:xfrm>
-                <a:off x="448805" y="1609974"/>
-                <a:ext cx="5370829" cy="676083"/>
-              </a:xfrm>
-              <a:prstGeom prst="rect">
-                <a:avLst/>
-              </a:prstGeom>
-            </p:spPr>
-            <p:txBody>
-              <a:bodyPr wrap="none">
-                <a:spAutoFit/>
-              </a:bodyPr>
-              <a:lstStyle/>
-              <a:p>
-                <a14:m>
-                  <m:oMath xmlns:m="http://schemas.openxmlformats.org/officeDocument/2006/math">
-                    <m:r>
-                      <a:rPr lang="en-US" sz="2000" b="1" i="1" smtClean="0">
-                        <a:latin typeface="Cambria Math" panose="02040503050406030204" pitchFamily="18" charset="0"/>
-                      </a:rPr>
-                      <m:t>𝑨</m:t>
-                    </m:r>
-                    <m:r>
-                      <a:rPr lang="en-US" sz="2000" b="1" i="1" smtClean="0">
-                        <a:latin typeface="Cambria Math" panose="02040503050406030204" pitchFamily="18" charset="0"/>
-                      </a:rPr>
-                      <m:t>−</m:t>
-                    </m:r>
-                    <m:r>
-                      <a:rPr lang="en-US" sz="2000" b="1" i="1">
-                        <a:latin typeface="Cambria Math" panose="02040503050406030204" pitchFamily="18" charset="0"/>
-                      </a:rPr>
-                      <m:t>𝒃</m:t>
-                    </m:r>
-                    <m:sSub>
-                      <m:sSubPr>
-                        <m:ctrlPr>
-                          <a:rPr lang="en-US" sz="2000" b="1" i="1">
-                            <a:latin typeface="Cambria Math" panose="02040503050406030204" pitchFamily="18" charset="0"/>
-                          </a:rPr>
-                        </m:ctrlPr>
-                      </m:sSubPr>
-                      <m:e>
-                        <m:r>
-                          <a:rPr lang="en-US" sz="2000" b="1" i="1">
-                            <a:latin typeface="Cambria Math" panose="02040503050406030204" pitchFamily="18" charset="0"/>
-                          </a:rPr>
-                          <m:t>𝒌</m:t>
-                        </m:r>
-                      </m:e>
-                      <m:sub>
-                        <m:r>
-                          <a:rPr lang="en-US" sz="2000" b="1" i="1">
-                            <a:latin typeface="Cambria Math" panose="02040503050406030204" pitchFamily="18" charset="0"/>
-                          </a:rPr>
-                          <m:t>𝑷</m:t>
-                        </m:r>
-                      </m:sub>
-                    </m:sSub>
-                    <m:r>
-                      <a:rPr lang="en-US" sz="2000" b="0" i="1" smtClean="0">
-                        <a:latin typeface="Cambria Math" panose="02040503050406030204" pitchFamily="18" charset="0"/>
-                      </a:rPr>
-                      <m:t>=</m:t>
-                    </m:r>
-                    <m:d>
-                      <m:dPr>
-                        <m:begChr m:val="["/>
-                        <m:endChr m:val="]"/>
-                        <m:ctrlPr>
-                          <a:rPr lang="en-US" sz="2000" i="1">
-                            <a:latin typeface="Cambria Math" panose="02040503050406030204" pitchFamily="18" charset="0"/>
-                          </a:rPr>
-                        </m:ctrlPr>
-                      </m:dPr>
-                      <m:e>
-                        <m:m>
-                          <m:mPr>
-                            <m:mcs>
-                              <m:mc>
-                                <m:mcPr>
-                                  <m:count m:val="2"/>
-                                  <m:mcJc m:val="center"/>
-                                </m:mcPr>
-                              </m:mc>
-                            </m:mcs>
-                            <m:ctrlPr>
-                              <a:rPr lang="en-US" sz="2000" i="1">
-                                <a:latin typeface="Cambria Math" panose="02040503050406030204" pitchFamily="18" charset="0"/>
-                              </a:rPr>
-                            </m:ctrlPr>
-                          </m:mPr>
-                          <m:mr>
-                            <m:e>
-                              <m:r>
-                                <m:rPr>
-                                  <m:brk m:alnAt="7"/>
-                                </m:rPr>
-                                <a:rPr lang="en-US" sz="2000" i="1">
-                                  <a:latin typeface="Cambria Math" panose="02040503050406030204" pitchFamily="18" charset="0"/>
-                                </a:rPr>
-                                <m:t>−</m:t>
-                              </m:r>
-                              <m:sSub>
-                                <m:sSubPr>
-                                  <m:ctrlPr>
-                                    <a:rPr lang="en-US" sz="2000" i="1">
-                                      <a:latin typeface="Cambria Math" panose="02040503050406030204" pitchFamily="18" charset="0"/>
-                                    </a:rPr>
-                                  </m:ctrlPr>
-                                </m:sSubPr>
-                                <m:e>
-                                  <m:r>
-                                    <a:rPr lang="en-US" sz="2000" i="1">
-                                      <a:latin typeface="Cambria Math" panose="02040503050406030204" pitchFamily="18" charset="0"/>
-                                    </a:rPr>
-                                    <m:t>𝑘</m:t>
-                                  </m:r>
-                                </m:e>
-                                <m:sub>
-                                  <m:r>
-                                    <m:rPr>
-                                      <m:brk m:alnAt="7"/>
-                                    </m:rPr>
-                                    <a:rPr lang="en-US" sz="2000" i="1">
-                                      <a:latin typeface="Cambria Math" panose="02040503050406030204" pitchFamily="18" charset="0"/>
-                                    </a:rPr>
-                                    <m:t>1</m:t>
-                                  </m:r>
-                                </m:sub>
-                              </m:sSub>
-                            </m:e>
-                            <m:e>
-                              <m:sSub>
-                                <m:sSubPr>
-                                  <m:ctrlPr>
-                                    <a:rPr lang="en-US" sz="2000" i="1">
-                                      <a:latin typeface="Cambria Math" panose="02040503050406030204" pitchFamily="18" charset="0"/>
-                                    </a:rPr>
-                                  </m:ctrlPr>
-                                </m:sSubPr>
-                                <m:e>
-                                  <m:r>
-                                    <a:rPr lang="en-US" sz="2000" i="1">
-                                      <a:latin typeface="Cambria Math" panose="02040503050406030204" pitchFamily="18" charset="0"/>
-                                    </a:rPr>
-                                    <m:t>𝑘</m:t>
-                                  </m:r>
-                                </m:e>
-                                <m:sub>
-                                  <m:r>
-                                    <a:rPr lang="en-US" sz="2000" i="1">
-                                      <a:latin typeface="Cambria Math" panose="02040503050406030204" pitchFamily="18" charset="0"/>
-                                    </a:rPr>
-                                    <m:t>2</m:t>
-                                  </m:r>
-                                </m:sub>
-                              </m:sSub>
-                            </m:e>
-                          </m:mr>
-                          <m:mr>
-                            <m:e>
-                              <m:sSub>
-                                <m:sSubPr>
-                                  <m:ctrlPr>
-                                    <a:rPr lang="en-US" sz="2000" i="1">
-                                      <a:latin typeface="Cambria Math" panose="02040503050406030204" pitchFamily="18" charset="0"/>
-                                    </a:rPr>
-                                  </m:ctrlPr>
-                                </m:sSubPr>
-                                <m:e>
-                                  <m:r>
-                                    <a:rPr lang="en-US" sz="2000" i="1">
-                                      <a:latin typeface="Cambria Math" panose="02040503050406030204" pitchFamily="18" charset="0"/>
-                                    </a:rPr>
-                                    <m:t>𝑘</m:t>
-                                  </m:r>
-                                </m:e>
-                                <m:sub>
-                                  <m:r>
-                                    <a:rPr lang="en-US" sz="2000" i="1">
-                                      <a:latin typeface="Cambria Math" panose="02040503050406030204" pitchFamily="18" charset="0"/>
-                                    </a:rPr>
-                                    <m:t>1</m:t>
-                                  </m:r>
-                                </m:sub>
-                              </m:sSub>
-                            </m:e>
-                            <m:e>
-                              <m:r>
-                                <a:rPr lang="en-US" sz="2000" i="1">
-                                  <a:latin typeface="Cambria Math" panose="02040503050406030204" pitchFamily="18" charset="0"/>
-                                </a:rPr>
-                                <m:t>−</m:t>
-                              </m:r>
-                              <m:sSub>
-                                <m:sSubPr>
-                                  <m:ctrlPr>
-                                    <a:rPr lang="en-US" sz="2000" i="1">
-                                      <a:latin typeface="Cambria Math" panose="02040503050406030204" pitchFamily="18" charset="0"/>
-                                    </a:rPr>
-                                  </m:ctrlPr>
-                                </m:sSubPr>
-                                <m:e>
-                                  <m:r>
-                                    <a:rPr lang="en-US" sz="2000" i="1">
-                                      <a:latin typeface="Cambria Math" panose="02040503050406030204" pitchFamily="18" charset="0"/>
-                                    </a:rPr>
-                                    <m:t>𝑘</m:t>
-                                  </m:r>
-                                </m:e>
-                                <m:sub>
-                                  <m:r>
-                                    <a:rPr lang="en-US" sz="2000" i="1">
-                                      <a:latin typeface="Cambria Math" panose="02040503050406030204" pitchFamily="18" charset="0"/>
-                                    </a:rPr>
-                                    <m:t>2</m:t>
-                                  </m:r>
-                                </m:sub>
-                              </m:sSub>
-                              <m:r>
-                                <a:rPr lang="en-US" sz="2000" i="1">
-                                  <a:latin typeface="Cambria Math" panose="02040503050406030204" pitchFamily="18" charset="0"/>
-                                </a:rPr>
-                                <m:t>−</m:t>
-                              </m:r>
-                              <m:sSub>
-                                <m:sSubPr>
-                                  <m:ctrlPr>
-                                    <a:rPr lang="en-US" sz="2000" i="1">
-                                      <a:latin typeface="Cambria Math" panose="02040503050406030204" pitchFamily="18" charset="0"/>
-                                    </a:rPr>
-                                  </m:ctrlPr>
-                                </m:sSubPr>
-                                <m:e>
-                                  <m:r>
-                                    <a:rPr lang="en-US" sz="2000" i="1">
-                                      <a:latin typeface="Cambria Math" panose="02040503050406030204" pitchFamily="18" charset="0"/>
-                                    </a:rPr>
-                                    <m:t>𝑘</m:t>
-                                  </m:r>
-                                </m:e>
-                                <m:sub>
-                                  <m:r>
-                                    <a:rPr lang="en-US" sz="2000" i="1">
-                                      <a:latin typeface="Cambria Math" panose="02040503050406030204" pitchFamily="18" charset="0"/>
-                                    </a:rPr>
-                                    <m:t>3</m:t>
-                                  </m:r>
-                                </m:sub>
-                              </m:sSub>
-                            </m:e>
-                          </m:mr>
-                        </m:m>
-                      </m:e>
-                    </m:d>
-                    <m:r>
-                      <a:rPr lang="en-US" sz="2000" b="0" i="1" smtClean="0">
-                        <a:latin typeface="Cambria Math" panose="02040503050406030204" pitchFamily="18" charset="0"/>
-                      </a:rPr>
-                      <m:t>−</m:t>
-                    </m:r>
-                  </m:oMath>
-                </a14:m>
-                <a:r>
-                  <a:rPr lang="en-US" sz="2000" dirty="0"/>
-                  <a:t> </a:t>
-                </a:r>
-                <a14:m>
-                  <m:oMath xmlns:m="http://schemas.openxmlformats.org/officeDocument/2006/math">
-                    <m:d>
-                      <m:dPr>
-                        <m:begChr m:val="["/>
-                        <m:endChr m:val="]"/>
-                        <m:ctrlPr>
-                          <a:rPr lang="en-US" sz="2000" i="1">
-                            <a:latin typeface="Cambria Math" panose="02040503050406030204" pitchFamily="18" charset="0"/>
-                          </a:rPr>
-                        </m:ctrlPr>
-                      </m:dPr>
-                      <m:e>
-                        <m:m>
-                          <m:mPr>
-                            <m:mcs>
-                              <m:mc>
-                                <m:mcPr>
-                                  <m:count m:val="1"/>
-                                  <m:mcJc m:val="center"/>
-                                </m:mcPr>
-                              </m:mc>
-                            </m:mcs>
-                            <m:ctrlPr>
-                              <a:rPr lang="en-US" sz="2000" i="1">
-                                <a:latin typeface="Cambria Math" panose="02040503050406030204" pitchFamily="18" charset="0"/>
-                              </a:rPr>
-                            </m:ctrlPr>
-                          </m:mPr>
-                          <m:mr>
-                            <m:e>
-                              <m:sSub>
-                                <m:sSubPr>
-                                  <m:ctrlPr>
-                                    <a:rPr lang="en-US" sz="2000" i="1">
-                                      <a:latin typeface="Cambria Math" panose="02040503050406030204" pitchFamily="18" charset="0"/>
-                                    </a:rPr>
-                                  </m:ctrlPr>
-                                </m:sSubPr>
-                                <m:e>
-                                  <m:r>
-                                    <m:rPr>
-                                      <m:brk m:alnAt="7"/>
-                                    </m:rPr>
-                                    <a:rPr lang="en-US" sz="2000" i="1">
-                                      <a:latin typeface="Cambria Math" panose="02040503050406030204" pitchFamily="18" charset="0"/>
-                                    </a:rPr>
-                                    <m:t>𝑘</m:t>
-                                  </m:r>
-                                </m:e>
-                                <m:sub>
-                                  <m:r>
-                                    <m:rPr>
-                                      <m:brk m:alnAt="7"/>
-                                    </m:rPr>
-                                    <a:rPr lang="en-US" sz="2000" i="1">
-                                      <a:latin typeface="Cambria Math" panose="02040503050406030204" pitchFamily="18" charset="0"/>
-                                    </a:rPr>
-                                    <m:t>0</m:t>
-                                  </m:r>
-                                </m:sub>
-                              </m:sSub>
-                            </m:e>
-                          </m:mr>
-                          <m:mr>
-                            <m:e>
-                              <m:r>
-                                <a:rPr lang="en-US" sz="2000" i="1">
-                                  <a:latin typeface="Cambria Math" panose="02040503050406030204" pitchFamily="18" charset="0"/>
-                                </a:rPr>
-                                <m:t>0</m:t>
-                              </m:r>
-                            </m:e>
-                          </m:mr>
-                        </m:m>
-                      </m:e>
-                    </m:d>
-                    <m:d>
-                      <m:dPr>
-                        <m:begChr m:val="["/>
-                        <m:endChr m:val="]"/>
-                        <m:ctrlPr>
-                          <a:rPr lang="en-US" sz="2000" i="1" smtClean="0">
-                            <a:latin typeface="Cambria Math" panose="02040503050406030204" pitchFamily="18" charset="0"/>
-                          </a:rPr>
-                        </m:ctrlPr>
-                      </m:dPr>
-                      <m:e>
-                        <m:m>
-                          <m:mPr>
-                            <m:mcs>
-                              <m:mc>
-                                <m:mcPr>
-                                  <m:count m:val="2"/>
-                                  <m:mcJc m:val="center"/>
-                                </m:mcPr>
-                              </m:mc>
-                            </m:mcs>
-                            <m:ctrlPr>
-                              <a:rPr lang="en-US" sz="2000" i="1" smtClean="0">
-                                <a:latin typeface="Cambria Math" panose="02040503050406030204" pitchFamily="18" charset="0"/>
-                              </a:rPr>
-                            </m:ctrlPr>
-                          </m:mPr>
-                          <m:mr>
-                            <m:e>
-                              <m:sSub>
-                                <m:sSubPr>
-                                  <m:ctrlPr>
-                                    <a:rPr lang="en-US" sz="2000" b="0" i="1" smtClean="0">
-                                      <a:latin typeface="Cambria Math" panose="02040503050406030204" pitchFamily="18" charset="0"/>
-                                    </a:rPr>
-                                  </m:ctrlPr>
-                                </m:sSubPr>
-                                <m:e>
-                                  <m:r>
-                                    <m:rPr>
-                                      <m:brk m:alnAt="7"/>
-                                    </m:rPr>
-                                    <a:rPr lang="en-US" sz="2000" b="0" i="1" smtClean="0">
-                                      <a:latin typeface="Cambria Math" panose="02040503050406030204" pitchFamily="18" charset="0"/>
-                                    </a:rPr>
-                                    <m:t>𝑘</m:t>
-                                  </m:r>
-                                </m:e>
-                                <m:sub>
-                                  <m:r>
-                                    <m:rPr>
-                                      <m:brk m:alnAt="7"/>
-                                    </m:rPr>
-                                    <a:rPr lang="en-US" sz="2000" b="0" i="1" smtClean="0">
-                                      <a:latin typeface="Cambria Math" panose="02040503050406030204" pitchFamily="18" charset="0"/>
-                                    </a:rPr>
-                                    <m:t>𝑝</m:t>
-                                  </m:r>
-                                  <m:r>
-                                    <a:rPr lang="en-US" sz="2000" b="0" i="1" smtClean="0">
-                                      <a:latin typeface="Cambria Math" panose="02040503050406030204" pitchFamily="18" charset="0"/>
-                                    </a:rPr>
-                                    <m:t>1</m:t>
-                                  </m:r>
-                                </m:sub>
-                              </m:sSub>
-                            </m:e>
-                            <m:e>
-                              <m:sSub>
-                                <m:sSubPr>
-                                  <m:ctrlPr>
-                                    <a:rPr lang="en-US" sz="2000" b="0" i="1" smtClean="0">
-                                      <a:latin typeface="Cambria Math" panose="02040503050406030204" pitchFamily="18" charset="0"/>
-                                    </a:rPr>
-                                  </m:ctrlPr>
-                                </m:sSubPr>
-                                <m:e>
-                                  <m:r>
-                                    <a:rPr lang="en-US" sz="2000" b="0" i="1" smtClean="0">
-                                      <a:latin typeface="Cambria Math" panose="02040503050406030204" pitchFamily="18" charset="0"/>
-                                    </a:rPr>
-                                    <m:t>𝑘</m:t>
-                                  </m:r>
-                                </m:e>
-                                <m:sub>
-                                  <m:r>
-                                    <a:rPr lang="en-US" sz="2000" b="0" i="1" smtClean="0">
-                                      <a:latin typeface="Cambria Math" panose="02040503050406030204" pitchFamily="18" charset="0"/>
-                                    </a:rPr>
-                                    <m:t>𝑝</m:t>
-                                  </m:r>
-                                  <m:r>
-                                    <a:rPr lang="en-US" sz="2000" b="0" i="1" smtClean="0">
-                                      <a:latin typeface="Cambria Math" panose="02040503050406030204" pitchFamily="18" charset="0"/>
-                                    </a:rPr>
-                                    <m:t>2</m:t>
-                                  </m:r>
-                                </m:sub>
-                              </m:sSub>
-                            </m:e>
-                          </m:mr>
-                        </m:m>
-                      </m:e>
-                    </m:d>
-                  </m:oMath>
-                </a14:m>
-                <a:endParaRPr lang="en-US" sz="2000" dirty="0"/>
-              </a:p>
-            </p:txBody>
-          </p:sp>
-        </mc:Choice>
-        <mc:Fallback xmlns="">
-          <p:sp>
-            <p:nvSpPr>
-              <p:cNvPr id="13" name="Rectangle 12">
-                <a:extLst>
-                  <a:ext uri="{FF2B5EF4-FFF2-40B4-BE49-F238E27FC236}">
-                    <a16:creationId xmlns:a16="http://schemas.microsoft.com/office/drawing/2014/main" id="{AD6A6B2A-8484-8040-981F-8F8B11CD2153}"/>
-                  </a:ext>
-                </a:extLst>
-              </p:cNvPr>
-              <p:cNvSpPr>
-                <a:spLocks noRot="1" noChangeAspect="1" noMove="1" noResize="1" noEditPoints="1" noAdjustHandles="1" noChangeArrowheads="1" noChangeShapeType="1" noTextEdit="1"/>
-              </p:cNvSpPr>
-              <p:nvPr/>
-            </p:nvSpPr>
-            <p:spPr>
-              <a:xfrm>
-                <a:off x="448805" y="1609974"/>
-                <a:ext cx="5370829" cy="676083"/>
-              </a:xfrm>
-              <a:prstGeom prst="rect">
-                <a:avLst/>
-              </a:prstGeom>
-              <a:blipFill>
-                <a:blip r:embed="rId3"/>
-                <a:stretch>
-                  <a:fillRect b="-1852"/>
-                </a:stretch>
-              </a:blipFill>
-            </p:spPr>
-            <p:txBody>
-              <a:bodyPr/>
-              <a:lstStyle/>
-              <a:p>
-                <a:r>
-                  <a:rPr lang="en-US">
-                    <a:noFill/>
-                  </a:rPr>
-                  <a:t> </a:t>
-                </a:r>
-              </a:p>
-            </p:txBody>
-          </p:sp>
-        </mc:Fallback>
-      </mc:AlternateContent>
-      <mc:AlternateContent xmlns:mc="http://schemas.openxmlformats.org/markup-compatibility/2006" xmlns:a14="http://schemas.microsoft.com/office/drawing/2010/main">
-        <mc:Choice Requires="a14">
-          <p:sp>
-            <p:nvSpPr>
-              <p:cNvPr id="14" name="Rectangle 13">
-                <a:extLst>
-                  <a:ext uri="{FF2B5EF4-FFF2-40B4-BE49-F238E27FC236}">
-                    <a16:creationId xmlns:a16="http://schemas.microsoft.com/office/drawing/2014/main" id="{86D7F3B5-CB58-3043-8BB0-5DA1CD159A3E}"/>
-                  </a:ext>
-                </a:extLst>
-              </p:cNvPr>
-              <p:cNvSpPr/>
-              <p:nvPr/>
-            </p:nvSpPr>
-            <p:spPr>
-              <a:xfrm>
-                <a:off x="1448022" y="2484013"/>
-                <a:ext cx="3226461" cy="649730"/>
-              </a:xfrm>
-              <a:prstGeom prst="rect">
-                <a:avLst/>
-              </a:prstGeom>
-            </p:spPr>
-            <p:txBody>
-              <a:bodyPr wrap="none">
-                <a:spAutoFit/>
-              </a:bodyPr>
-              <a:lstStyle/>
-              <a:p>
-                <a:pPr/>
-                <a14:m>
-                  <m:oMathPara xmlns:m="http://schemas.openxmlformats.org/officeDocument/2006/math">
-                    <m:oMathParaPr>
-                      <m:jc m:val="centerGroup"/>
-                    </m:oMathParaPr>
-                    <m:oMath xmlns:m="http://schemas.openxmlformats.org/officeDocument/2006/math">
-                      <m:r>
-                        <a:rPr lang="en-US" i="1" smtClean="0">
-                          <a:latin typeface="Cambria Math" panose="02040503050406030204" pitchFamily="18" charset="0"/>
-                        </a:rPr>
-                        <m:t>=</m:t>
-                      </m:r>
-                      <m:d>
-                        <m:dPr>
-                          <m:begChr m:val="["/>
-                          <m:endChr m:val="]"/>
-                          <m:ctrlPr>
-                            <a:rPr lang="en-US" i="1">
-                              <a:latin typeface="Cambria Math" panose="02040503050406030204" pitchFamily="18" charset="0"/>
-                            </a:rPr>
-                          </m:ctrlPr>
-                        </m:dPr>
-                        <m:e>
-                          <m:m>
-                            <m:mPr>
-                              <m:mcs>
-                                <m:mc>
-                                  <m:mcPr>
-                                    <m:count m:val="2"/>
-                                    <m:mcJc m:val="center"/>
-                                  </m:mcPr>
-                                </m:mc>
-                              </m:mcs>
-                              <m:ctrlPr>
-                                <a:rPr lang="en-US" i="1">
-                                  <a:latin typeface="Cambria Math" panose="02040503050406030204" pitchFamily="18" charset="0"/>
-                                </a:rPr>
-                              </m:ctrlPr>
-                            </m:mPr>
-                            <m:mr>
-                              <m:e>
-                                <m:r>
-                                  <m:rPr>
-                                    <m:brk m:alnAt="7"/>
-                                  </m:rPr>
-                                  <a:rPr lang="en-US" i="1">
-                                    <a:latin typeface="Cambria Math" panose="02040503050406030204" pitchFamily="18" charset="0"/>
-                                  </a:rPr>
-                                  <m:t>−</m:t>
-                                </m:r>
-                                <m:sSub>
-                                  <m:sSubPr>
-                                    <m:ctrlPr>
-                                      <a:rPr lang="en-US" i="1">
-                                        <a:latin typeface="Cambria Math" panose="02040503050406030204" pitchFamily="18" charset="0"/>
-                                      </a:rPr>
-                                    </m:ctrlPr>
-                                  </m:sSubPr>
-                                  <m:e>
-                                    <m:r>
-                                      <a:rPr lang="en-US" i="1">
-                                        <a:latin typeface="Cambria Math" panose="02040503050406030204" pitchFamily="18" charset="0"/>
-                                      </a:rPr>
-                                      <m:t>𝑘</m:t>
-                                    </m:r>
-                                  </m:e>
-                                  <m:sub>
-                                    <m:r>
-                                      <m:rPr>
-                                        <m:brk m:alnAt="7"/>
-                                      </m:rPr>
-                                      <a:rPr lang="en-US" i="1">
-                                        <a:latin typeface="Cambria Math" panose="02040503050406030204" pitchFamily="18" charset="0"/>
-                                      </a:rPr>
-                                      <m:t>1</m:t>
-                                    </m:r>
-                                  </m:sub>
-                                </m:sSub>
-                                <m:r>
-                                  <a:rPr lang="en-US" b="0" i="1" smtClean="0">
-                                    <a:latin typeface="Cambria Math" panose="02040503050406030204" pitchFamily="18" charset="0"/>
-                                  </a:rPr>
-                                  <m:t>−</m:t>
-                                </m:r>
-                                <m:sSub>
-                                  <m:sSubPr>
-                                    <m:ctrlPr>
-                                      <a:rPr lang="en-US" b="0" i="1" smtClean="0">
-                                        <a:latin typeface="Cambria Math" panose="02040503050406030204" pitchFamily="18" charset="0"/>
-                                      </a:rPr>
-                                    </m:ctrlPr>
-                                  </m:sSubPr>
-                                  <m:e>
-                                    <m:r>
-                                      <a:rPr lang="en-US" b="0" i="1" smtClean="0">
-                                        <a:latin typeface="Cambria Math" panose="02040503050406030204" pitchFamily="18" charset="0"/>
-                                      </a:rPr>
-                                      <m:t>𝑘</m:t>
-                                    </m:r>
-                                  </m:e>
-                                  <m:sub>
-                                    <m:r>
-                                      <a:rPr lang="en-US" b="0" i="1" smtClean="0">
-                                        <a:latin typeface="Cambria Math" panose="02040503050406030204" pitchFamily="18" charset="0"/>
-                                      </a:rPr>
-                                      <m:t>𝑝</m:t>
-                                    </m:r>
-                                    <m:r>
-                                      <a:rPr lang="en-US" b="0" i="1" smtClean="0">
-                                        <a:latin typeface="Cambria Math" panose="02040503050406030204" pitchFamily="18" charset="0"/>
-                                      </a:rPr>
-                                      <m:t>1</m:t>
-                                    </m:r>
-                                  </m:sub>
-                                </m:sSub>
-                                <m:sSub>
-                                  <m:sSubPr>
-                                    <m:ctrlPr>
-                                      <a:rPr lang="en-US" i="1">
-                                        <a:latin typeface="Cambria Math" panose="02040503050406030204" pitchFamily="18" charset="0"/>
-                                      </a:rPr>
-                                    </m:ctrlPr>
-                                  </m:sSubPr>
-                                  <m:e>
-                                    <m:r>
-                                      <a:rPr lang="en-US" i="1">
-                                        <a:latin typeface="Cambria Math" panose="02040503050406030204" pitchFamily="18" charset="0"/>
-                                      </a:rPr>
-                                      <m:t>𝑘</m:t>
-                                    </m:r>
-                                  </m:e>
-                                  <m:sub>
-                                    <m:r>
-                                      <a:rPr lang="en-US" i="1">
-                                        <a:latin typeface="Cambria Math" panose="02040503050406030204" pitchFamily="18" charset="0"/>
-                                      </a:rPr>
-                                      <m:t>0</m:t>
-                                    </m:r>
-                                  </m:sub>
-                                </m:sSub>
-                              </m:e>
-                              <m:e>
-                                <m:sSub>
-                                  <m:sSubPr>
-                                    <m:ctrlPr>
-                                      <a:rPr lang="en-US" i="1">
-                                        <a:latin typeface="Cambria Math" panose="02040503050406030204" pitchFamily="18" charset="0"/>
-                                      </a:rPr>
-                                    </m:ctrlPr>
-                                  </m:sSubPr>
-                                  <m:e>
-                                    <m:r>
-                                      <a:rPr lang="en-US" i="1">
-                                        <a:latin typeface="Cambria Math" panose="02040503050406030204" pitchFamily="18" charset="0"/>
-                                      </a:rPr>
-                                      <m:t>𝑘</m:t>
-                                    </m:r>
-                                  </m:e>
-                                  <m:sub>
-                                    <m:r>
-                                      <a:rPr lang="en-US" i="1">
-                                        <a:latin typeface="Cambria Math" panose="02040503050406030204" pitchFamily="18" charset="0"/>
-                                      </a:rPr>
-                                      <m:t>2</m:t>
-                                    </m:r>
-                                  </m:sub>
-                                </m:sSub>
-                                <m:r>
-                                  <a:rPr lang="en-US" b="0" i="1" smtClean="0">
-                                    <a:latin typeface="Cambria Math" panose="02040503050406030204" pitchFamily="18" charset="0"/>
-                                  </a:rPr>
-                                  <m:t>−</m:t>
-                                </m:r>
-                                <m:sSub>
-                                  <m:sSubPr>
-                                    <m:ctrlPr>
-                                      <a:rPr lang="en-US" b="0" i="1" smtClean="0">
-                                        <a:latin typeface="Cambria Math" panose="02040503050406030204" pitchFamily="18" charset="0"/>
-                                      </a:rPr>
-                                    </m:ctrlPr>
-                                  </m:sSubPr>
-                                  <m:e>
-                                    <m:r>
-                                      <a:rPr lang="en-US" b="0" i="1" smtClean="0">
-                                        <a:latin typeface="Cambria Math" panose="02040503050406030204" pitchFamily="18" charset="0"/>
-                                      </a:rPr>
-                                      <m:t>𝑘</m:t>
-                                    </m:r>
-                                  </m:e>
-                                  <m:sub>
-                                    <m:r>
-                                      <a:rPr lang="en-US" b="0" i="1" smtClean="0">
-                                        <a:latin typeface="Cambria Math" panose="02040503050406030204" pitchFamily="18" charset="0"/>
-                                      </a:rPr>
-                                      <m:t>𝑝</m:t>
-                                    </m:r>
-                                    <m:r>
-                                      <a:rPr lang="en-US" b="0" i="1" smtClean="0">
-                                        <a:latin typeface="Cambria Math" panose="02040503050406030204" pitchFamily="18" charset="0"/>
-                                      </a:rPr>
-                                      <m:t>2</m:t>
-                                    </m:r>
-                                  </m:sub>
-                                </m:sSub>
-                                <m:sSub>
-                                  <m:sSubPr>
-                                    <m:ctrlPr>
-                                      <a:rPr lang="en-US" i="1">
-                                        <a:latin typeface="Cambria Math" panose="02040503050406030204" pitchFamily="18" charset="0"/>
-                                      </a:rPr>
-                                    </m:ctrlPr>
-                                  </m:sSubPr>
-                                  <m:e>
-                                    <m:r>
-                                      <a:rPr lang="en-US" i="1">
-                                        <a:latin typeface="Cambria Math" panose="02040503050406030204" pitchFamily="18" charset="0"/>
-                                      </a:rPr>
-                                      <m:t>𝑘</m:t>
-                                    </m:r>
-                                  </m:e>
-                                  <m:sub>
-                                    <m:r>
-                                      <a:rPr lang="en-US" i="1">
-                                        <a:latin typeface="Cambria Math" panose="02040503050406030204" pitchFamily="18" charset="0"/>
-                                      </a:rPr>
-                                      <m:t>0</m:t>
-                                    </m:r>
-                                  </m:sub>
-                                </m:sSub>
-                              </m:e>
-                            </m:mr>
-                            <m:mr>
-                              <m:e>
-                                <m:sSub>
-                                  <m:sSubPr>
-                                    <m:ctrlPr>
-                                      <a:rPr lang="en-US" i="1">
-                                        <a:latin typeface="Cambria Math" panose="02040503050406030204" pitchFamily="18" charset="0"/>
-                                      </a:rPr>
-                                    </m:ctrlPr>
-                                  </m:sSubPr>
-                                  <m:e>
-                                    <m:r>
-                                      <a:rPr lang="en-US" i="1">
-                                        <a:latin typeface="Cambria Math" panose="02040503050406030204" pitchFamily="18" charset="0"/>
-                                      </a:rPr>
-                                      <m:t>𝑘</m:t>
-                                    </m:r>
-                                  </m:e>
-                                  <m:sub>
-                                    <m:r>
-                                      <a:rPr lang="en-US" i="1">
-                                        <a:latin typeface="Cambria Math" panose="02040503050406030204" pitchFamily="18" charset="0"/>
-                                      </a:rPr>
-                                      <m:t>1</m:t>
-                                    </m:r>
-                                  </m:sub>
-                                </m:sSub>
-                              </m:e>
-                              <m:e>
-                                <m:r>
-                                  <a:rPr lang="en-US" i="1">
-                                    <a:latin typeface="Cambria Math" panose="02040503050406030204" pitchFamily="18" charset="0"/>
-                                  </a:rPr>
-                                  <m:t>−</m:t>
-                                </m:r>
-                                <m:sSub>
-                                  <m:sSubPr>
-                                    <m:ctrlPr>
-                                      <a:rPr lang="en-US" i="1">
-                                        <a:latin typeface="Cambria Math" panose="02040503050406030204" pitchFamily="18" charset="0"/>
-                                      </a:rPr>
-                                    </m:ctrlPr>
-                                  </m:sSubPr>
-                                  <m:e>
-                                    <m:r>
-                                      <a:rPr lang="en-US" i="1">
-                                        <a:latin typeface="Cambria Math" panose="02040503050406030204" pitchFamily="18" charset="0"/>
-                                      </a:rPr>
-                                      <m:t>𝑘</m:t>
-                                    </m:r>
-                                  </m:e>
-                                  <m:sub>
-                                    <m:r>
-                                      <a:rPr lang="en-US" i="1">
-                                        <a:latin typeface="Cambria Math" panose="02040503050406030204" pitchFamily="18" charset="0"/>
-                                      </a:rPr>
-                                      <m:t>2</m:t>
-                                    </m:r>
-                                  </m:sub>
-                                </m:sSub>
-                                <m:r>
-                                  <a:rPr lang="en-US" i="1">
-                                    <a:latin typeface="Cambria Math" panose="02040503050406030204" pitchFamily="18" charset="0"/>
-                                  </a:rPr>
-                                  <m:t>−</m:t>
-                                </m:r>
-                                <m:sSub>
-                                  <m:sSubPr>
-                                    <m:ctrlPr>
-                                      <a:rPr lang="en-US" i="1">
-                                        <a:latin typeface="Cambria Math" panose="02040503050406030204" pitchFamily="18" charset="0"/>
-                                      </a:rPr>
-                                    </m:ctrlPr>
-                                  </m:sSubPr>
-                                  <m:e>
-                                    <m:r>
-                                      <a:rPr lang="en-US" i="1">
-                                        <a:latin typeface="Cambria Math" panose="02040503050406030204" pitchFamily="18" charset="0"/>
-                                      </a:rPr>
-                                      <m:t>𝑘</m:t>
-                                    </m:r>
-                                  </m:e>
-                                  <m:sub>
-                                    <m:r>
-                                      <a:rPr lang="en-US" i="1">
-                                        <a:latin typeface="Cambria Math" panose="02040503050406030204" pitchFamily="18" charset="0"/>
-                                      </a:rPr>
-                                      <m:t>3</m:t>
-                                    </m:r>
-                                  </m:sub>
-                                </m:sSub>
-                              </m:e>
-                            </m:mr>
-                          </m:m>
-                        </m:e>
-                      </m:d>
-                    </m:oMath>
-                  </m:oMathPara>
-                </a14:m>
-                <a:endParaRPr lang="en-US" dirty="0"/>
-              </a:p>
-            </p:txBody>
-          </p:sp>
-        </mc:Choice>
-        <mc:Fallback xmlns="">
-          <p:sp>
-            <p:nvSpPr>
-              <p:cNvPr id="14" name="Rectangle 13">
-                <a:extLst>
-                  <a:ext uri="{FF2B5EF4-FFF2-40B4-BE49-F238E27FC236}">
-                    <a16:creationId xmlns:a16="http://schemas.microsoft.com/office/drawing/2014/main" id="{86D7F3B5-CB58-3043-8BB0-5DA1CD159A3E}"/>
-                  </a:ext>
-                </a:extLst>
-              </p:cNvPr>
-              <p:cNvSpPr>
-                <a:spLocks noRot="1" noChangeAspect="1" noMove="1" noResize="1" noEditPoints="1" noAdjustHandles="1" noChangeArrowheads="1" noChangeShapeType="1" noTextEdit="1"/>
-              </p:cNvSpPr>
-              <p:nvPr/>
-            </p:nvSpPr>
-            <p:spPr>
-              <a:xfrm>
-                <a:off x="1448022" y="2484013"/>
-                <a:ext cx="3226461" cy="649730"/>
-              </a:xfrm>
-              <a:prstGeom prst="rect">
-                <a:avLst/>
-              </a:prstGeom>
-              <a:blipFill>
-                <a:blip r:embed="rId4"/>
-                <a:stretch>
-                  <a:fillRect/>
+                  <a:fillRect t="-10714" b="-14286"/>
                 </a:stretch>
               </a:blipFill>
             </p:spPr>
@@ -7353,14 +6428,14 @@
         </p:nvGrpSpPr>
         <p:grpSpPr>
           <a:xfrm>
-            <a:off x="97494" y="3150064"/>
-            <a:ext cx="8992654" cy="789299"/>
-            <a:chOff x="97494" y="3150064"/>
-            <a:chExt cx="8992654" cy="789299"/>
+            <a:off x="97494" y="2688425"/>
+            <a:ext cx="8992654" cy="1215428"/>
+            <a:chOff x="97494" y="2608525"/>
+            <a:chExt cx="8992654" cy="1215428"/>
           </a:xfrm>
         </p:grpSpPr>
-        <mc:AlternateContent xmlns:mc="http://schemas.openxmlformats.org/markup-compatibility/2006" xmlns:a14="http://schemas.microsoft.com/office/drawing/2010/main">
-          <mc:Choice Requires="a14">
+        <mc:AlternateContent xmlns:mc="http://schemas.openxmlformats.org/markup-compatibility/2006">
+          <mc:Choice xmlns:a14="http://schemas.microsoft.com/office/drawing/2010/main" Requires="a14">
             <p:sp>
               <p:nvSpPr>
                 <p:cNvPr id="15" name="Rectangle 14">
@@ -7375,8 +6450,8 @@
               </p:nvSpPr>
               <p:spPr>
                 <a:xfrm>
-                  <a:off x="325514" y="3150064"/>
-                  <a:ext cx="2565318" cy="400110"/>
+                  <a:off x="325514" y="2608525"/>
+                  <a:ext cx="7071615" cy="711798"/>
                 </a:xfrm>
                 <a:prstGeom prst="rect">
                   <a:avLst/>
@@ -7495,6 +6570,366 @@
                           </a:rPr>
                           <m:t>=</m:t>
                         </m:r>
+                        <m:r>
+                          <m:rPr>
+                            <m:sty m:val="p"/>
+                          </m:rPr>
+                          <a:rPr lang="en-US" sz="2000" i="1">
+                            <a:latin typeface="Cambria Math" panose="02040503050406030204" pitchFamily="18" charset="0"/>
+                          </a:rPr>
+                          <m:t>d</m:t>
+                        </m:r>
+                        <m:r>
+                          <a:rPr lang="en-US" sz="2000" i="1">
+                            <a:latin typeface="Cambria Math" panose="02040503050406030204" pitchFamily="18" charset="0"/>
+                          </a:rPr>
+                          <m:t>𝑒𝑡</m:t>
+                        </m:r>
+                        <m:d>
+                          <m:dPr>
+                            <m:begChr m:val="["/>
+                            <m:endChr m:val="]"/>
+                            <m:ctrlPr>
+                              <a:rPr lang="en-US" sz="2000" i="1">
+                                <a:latin typeface="Cambria Math" panose="02040503050406030204" pitchFamily="18" charset="0"/>
+                              </a:rPr>
+                            </m:ctrlPr>
+                          </m:dPr>
+                          <m:e>
+                            <m:m>
+                              <m:mPr>
+                                <m:mcs>
+                                  <m:mc>
+                                    <m:mcPr>
+                                      <m:count m:val="2"/>
+                                      <m:mcJc m:val="center"/>
+                                    </m:mcPr>
+                                  </m:mc>
+                                </m:mcs>
+                                <m:ctrlPr>
+                                  <a:rPr lang="en-US" sz="2000" i="1">
+                                    <a:latin typeface="Cambria Math" panose="02040503050406030204" pitchFamily="18" charset="0"/>
+                                  </a:rPr>
+                                </m:ctrlPr>
+                              </m:mPr>
+                              <m:mr>
+                                <m:e>
+                                  <m:r>
+                                    <m:rPr>
+                                      <m:brk m:alnAt="7"/>
+                                    </m:rPr>
+                                    <a:rPr lang="en-US" sz="2000" i="1">
+                                      <a:latin typeface="Cambria Math" panose="02040503050406030204" pitchFamily="18" charset="0"/>
+                                    </a:rPr>
+                                    <m:t>−</m:t>
+                                  </m:r>
+                                  <m:sSub>
+                                    <m:sSubPr>
+                                      <m:ctrlPr>
+                                        <a:rPr lang="en-US" sz="2000" i="1">
+                                          <a:latin typeface="Cambria Math" panose="02040503050406030204" pitchFamily="18" charset="0"/>
+                                        </a:rPr>
+                                      </m:ctrlPr>
+                                    </m:sSubPr>
+                                    <m:e>
+                                      <m:r>
+                                        <a:rPr lang="en-US" sz="2000" i="1">
+                                          <a:latin typeface="Cambria Math" panose="02040503050406030204" pitchFamily="18" charset="0"/>
+                                        </a:rPr>
+                                        <m:t>𝑘</m:t>
+                                      </m:r>
+                                    </m:e>
+                                    <m:sub>
+                                      <m:r>
+                                        <m:rPr>
+                                          <m:brk m:alnAt="7"/>
+                                        </m:rPr>
+                                        <a:rPr lang="en-US" sz="2000" i="1">
+                                          <a:latin typeface="Cambria Math" panose="02040503050406030204" pitchFamily="18" charset="0"/>
+                                        </a:rPr>
+                                        <m:t>1</m:t>
+                                      </m:r>
+                                    </m:sub>
+                                  </m:sSub>
+                                  <m:r>
+                                    <a:rPr lang="en-US" sz="2000" i="1">
+                                      <a:latin typeface="Cambria Math" panose="02040503050406030204" pitchFamily="18" charset="0"/>
+                                    </a:rPr>
+                                    <m:t>−</m:t>
+                                  </m:r>
+                                  <m:sSub>
+                                    <m:sSubPr>
+                                      <m:ctrlPr>
+                                        <a:rPr lang="en-US" sz="2000" i="1">
+                                          <a:latin typeface="Cambria Math" panose="02040503050406030204" pitchFamily="18" charset="0"/>
+                                        </a:rPr>
+                                      </m:ctrlPr>
+                                    </m:sSubPr>
+                                    <m:e>
+                                      <m:r>
+                                        <a:rPr lang="en-US" sz="2000" i="1">
+                                          <a:latin typeface="Cambria Math" panose="02040503050406030204" pitchFamily="18" charset="0"/>
+                                        </a:rPr>
+                                        <m:t>𝑘</m:t>
+                                      </m:r>
+                                    </m:e>
+                                    <m:sub>
+                                      <m:r>
+                                        <a:rPr lang="en-US" sz="2000" i="1">
+                                          <a:latin typeface="Cambria Math" panose="02040503050406030204" pitchFamily="18" charset="0"/>
+                                        </a:rPr>
+                                        <m:t>𝑝</m:t>
+                                      </m:r>
+                                      <m:r>
+                                        <a:rPr lang="en-US" sz="2000" i="1">
+                                          <a:latin typeface="Cambria Math" panose="02040503050406030204" pitchFamily="18" charset="0"/>
+                                        </a:rPr>
+                                        <m:t>1</m:t>
+                                      </m:r>
+                                    </m:sub>
+                                  </m:sSub>
+                                  <m:sSub>
+                                    <m:sSubPr>
+                                      <m:ctrlPr>
+                                        <a:rPr lang="en-US" sz="2000" i="1">
+                                          <a:latin typeface="Cambria Math" panose="02040503050406030204" pitchFamily="18" charset="0"/>
+                                        </a:rPr>
+                                      </m:ctrlPr>
+                                    </m:sSubPr>
+                                    <m:e>
+                                      <m:r>
+                                        <a:rPr lang="en-US" sz="2000" i="1">
+                                          <a:latin typeface="Cambria Math" panose="02040503050406030204" pitchFamily="18" charset="0"/>
+                                        </a:rPr>
+                                        <m:t>𝑘</m:t>
+                                      </m:r>
+                                    </m:e>
+                                    <m:sub>
+                                      <m:r>
+                                        <a:rPr lang="en-US" sz="2000" i="1">
+                                          <a:latin typeface="Cambria Math" panose="02040503050406030204" pitchFamily="18" charset="0"/>
+                                        </a:rPr>
+                                        <m:t>0</m:t>
+                                      </m:r>
+                                    </m:sub>
+                                  </m:sSub>
+                                  <m:r>
+                                    <a:rPr lang="en-US" sz="2000" i="1">
+                                      <a:latin typeface="Cambria Math" panose="02040503050406030204" pitchFamily="18" charset="0"/>
+                                    </a:rPr>
+                                    <m:t>−</m:t>
+                                  </m:r>
+                                  <m:r>
+                                    <a:rPr lang="en-US" sz="2000" b="0" i="1" smtClean="0">
+                                      <a:latin typeface="Cambria Math" panose="02040503050406030204" pitchFamily="18" charset="0"/>
+                                    </a:rPr>
+                                    <m:t>𝜆</m:t>
+                                  </m:r>
+                                </m:e>
+                                <m:e>
+                                  <m:sSub>
+                                    <m:sSubPr>
+                                      <m:ctrlPr>
+                                        <a:rPr lang="en-US" sz="2000" i="1">
+                                          <a:latin typeface="Cambria Math" panose="02040503050406030204" pitchFamily="18" charset="0"/>
+                                        </a:rPr>
+                                      </m:ctrlPr>
+                                    </m:sSubPr>
+                                    <m:e>
+                                      <m:r>
+                                        <a:rPr lang="en-US" sz="2000" i="1">
+                                          <a:latin typeface="Cambria Math" panose="02040503050406030204" pitchFamily="18" charset="0"/>
+                                        </a:rPr>
+                                        <m:t>𝑘</m:t>
+                                      </m:r>
+                                    </m:e>
+                                    <m:sub>
+                                      <m:r>
+                                        <a:rPr lang="en-US" sz="2000" i="1">
+                                          <a:latin typeface="Cambria Math" panose="02040503050406030204" pitchFamily="18" charset="0"/>
+                                        </a:rPr>
+                                        <m:t>2</m:t>
+                                      </m:r>
+                                    </m:sub>
+                                  </m:sSub>
+                                  <m:r>
+                                    <a:rPr lang="en-US" sz="2000" i="1">
+                                      <a:latin typeface="Cambria Math" panose="02040503050406030204" pitchFamily="18" charset="0"/>
+                                    </a:rPr>
+                                    <m:t>−</m:t>
+                                  </m:r>
+                                  <m:sSub>
+                                    <m:sSubPr>
+                                      <m:ctrlPr>
+                                        <a:rPr lang="en-US" sz="2000" i="1">
+                                          <a:latin typeface="Cambria Math" panose="02040503050406030204" pitchFamily="18" charset="0"/>
+                                        </a:rPr>
+                                      </m:ctrlPr>
+                                    </m:sSubPr>
+                                    <m:e>
+                                      <m:r>
+                                        <a:rPr lang="en-US" sz="2000" i="1">
+                                          <a:latin typeface="Cambria Math" panose="02040503050406030204" pitchFamily="18" charset="0"/>
+                                        </a:rPr>
+                                        <m:t>𝑘</m:t>
+                                      </m:r>
+                                    </m:e>
+                                    <m:sub>
+                                      <m:r>
+                                        <a:rPr lang="en-US" sz="2000" i="1">
+                                          <a:latin typeface="Cambria Math" panose="02040503050406030204" pitchFamily="18" charset="0"/>
+                                        </a:rPr>
+                                        <m:t>𝑝</m:t>
+                                      </m:r>
+                                      <m:r>
+                                        <a:rPr lang="en-US" sz="2000" i="1">
+                                          <a:latin typeface="Cambria Math" panose="02040503050406030204" pitchFamily="18" charset="0"/>
+                                        </a:rPr>
+                                        <m:t>2</m:t>
+                                      </m:r>
+                                    </m:sub>
+                                  </m:sSub>
+                                  <m:sSub>
+                                    <m:sSubPr>
+                                      <m:ctrlPr>
+                                        <a:rPr lang="en-US" sz="2000" i="1">
+                                          <a:latin typeface="Cambria Math" panose="02040503050406030204" pitchFamily="18" charset="0"/>
+                                        </a:rPr>
+                                      </m:ctrlPr>
+                                    </m:sSubPr>
+                                    <m:e>
+                                      <m:r>
+                                        <a:rPr lang="en-US" sz="2000" i="1">
+                                          <a:latin typeface="Cambria Math" panose="02040503050406030204" pitchFamily="18" charset="0"/>
+                                        </a:rPr>
+                                        <m:t>𝑘</m:t>
+                                      </m:r>
+                                    </m:e>
+                                    <m:sub>
+                                      <m:r>
+                                        <a:rPr lang="en-US" sz="2000" i="1">
+                                          <a:latin typeface="Cambria Math" panose="02040503050406030204" pitchFamily="18" charset="0"/>
+                                        </a:rPr>
+                                        <m:t>0</m:t>
+                                      </m:r>
+                                    </m:sub>
+                                  </m:sSub>
+                                </m:e>
+                              </m:mr>
+                              <m:mr>
+                                <m:e>
+                                  <m:sSub>
+                                    <m:sSubPr>
+                                      <m:ctrlPr>
+                                        <a:rPr lang="en-US" sz="2000" i="1">
+                                          <a:latin typeface="Cambria Math" panose="02040503050406030204" pitchFamily="18" charset="0"/>
+                                        </a:rPr>
+                                      </m:ctrlPr>
+                                    </m:sSubPr>
+                                    <m:e>
+                                      <m:r>
+                                        <a:rPr lang="en-US" sz="2000" i="1">
+                                          <a:latin typeface="Cambria Math" panose="02040503050406030204" pitchFamily="18" charset="0"/>
+                                        </a:rPr>
+                                        <m:t>𝑘</m:t>
+                                      </m:r>
+                                    </m:e>
+                                    <m:sub>
+                                      <m:r>
+                                        <a:rPr lang="en-US" sz="2000" i="1">
+                                          <a:latin typeface="Cambria Math" panose="02040503050406030204" pitchFamily="18" charset="0"/>
+                                        </a:rPr>
+                                        <m:t>1</m:t>
+                                      </m:r>
+                                    </m:sub>
+                                  </m:sSub>
+                                </m:e>
+                                <m:e>
+                                  <m:r>
+                                    <a:rPr lang="en-US" sz="2000" i="1">
+                                      <a:latin typeface="Cambria Math" panose="02040503050406030204" pitchFamily="18" charset="0"/>
+                                    </a:rPr>
+                                    <m:t>−</m:t>
+                                  </m:r>
+                                  <m:sSub>
+                                    <m:sSubPr>
+                                      <m:ctrlPr>
+                                        <a:rPr lang="en-US" sz="2000" i="1">
+                                          <a:latin typeface="Cambria Math" panose="02040503050406030204" pitchFamily="18" charset="0"/>
+                                        </a:rPr>
+                                      </m:ctrlPr>
+                                    </m:sSubPr>
+                                    <m:e>
+                                      <m:r>
+                                        <a:rPr lang="en-US" sz="2000" i="1">
+                                          <a:latin typeface="Cambria Math" panose="02040503050406030204" pitchFamily="18" charset="0"/>
+                                        </a:rPr>
+                                        <m:t>𝑘</m:t>
+                                      </m:r>
+                                    </m:e>
+                                    <m:sub>
+                                      <m:r>
+                                        <a:rPr lang="en-US" sz="2000" i="1">
+                                          <a:latin typeface="Cambria Math" panose="02040503050406030204" pitchFamily="18" charset="0"/>
+                                        </a:rPr>
+                                        <m:t>2</m:t>
+                                      </m:r>
+                                    </m:sub>
+                                  </m:sSub>
+                                  <m:r>
+                                    <a:rPr lang="en-US" sz="2000" i="1">
+                                      <a:latin typeface="Cambria Math" panose="02040503050406030204" pitchFamily="18" charset="0"/>
+                                    </a:rPr>
+                                    <m:t>−</m:t>
+                                  </m:r>
+                                  <m:sSub>
+                                    <m:sSubPr>
+                                      <m:ctrlPr>
+                                        <a:rPr lang="en-US" sz="2000" i="1">
+                                          <a:latin typeface="Cambria Math" panose="02040503050406030204" pitchFamily="18" charset="0"/>
+                                        </a:rPr>
+                                      </m:ctrlPr>
+                                    </m:sSubPr>
+                                    <m:e>
+                                      <m:r>
+                                        <a:rPr lang="en-US" sz="2000" i="1">
+                                          <a:latin typeface="Cambria Math" panose="02040503050406030204" pitchFamily="18" charset="0"/>
+                                        </a:rPr>
+                                        <m:t>𝑘</m:t>
+                                      </m:r>
+                                    </m:e>
+                                    <m:sub>
+                                      <m:r>
+                                        <a:rPr lang="en-US" sz="2000" i="1">
+                                          <a:latin typeface="Cambria Math" panose="02040503050406030204" pitchFamily="18" charset="0"/>
+                                        </a:rPr>
+                                        <m:t>3</m:t>
+                                      </m:r>
+                                    </m:sub>
+                                  </m:sSub>
+                                  <m:r>
+                                    <a:rPr lang="en-US" sz="2000" i="1">
+                                      <a:latin typeface="Cambria Math" panose="02040503050406030204" pitchFamily="18" charset="0"/>
+                                    </a:rPr>
+                                    <m:t>−</m:t>
+                                  </m:r>
+                                  <m:r>
+                                    <a:rPr lang="en-US" sz="2000" b="0" i="1" smtClean="0">
+                                      <a:latin typeface="Cambria Math" panose="02040503050406030204" pitchFamily="18" charset="0"/>
+                                    </a:rPr>
+                                    <m:t>𝜆</m:t>
+                                  </m:r>
+                                </m:e>
+                              </m:mr>
+                            </m:m>
+                          </m:e>
+                        </m:d>
+                        <m:r>
+                          <a:rPr lang="en-US" sz="2000" b="0" i="1" smtClean="0">
+                            <a:latin typeface="Cambria Math" panose="02040503050406030204" pitchFamily="18" charset="0"/>
+                          </a:rPr>
+                          <m:t>=</m:t>
+                        </m:r>
                       </m:oMath>
                     </m:oMathPara>
                   </a14:m>
@@ -7503,7 +6938,7 @@
               </p:txBody>
             </p:sp>
           </mc:Choice>
-          <mc:Fallback xmlns="">
+          <mc:Fallback>
             <p:sp>
               <p:nvSpPr>
                 <p:cNvPr id="15" name="Rectangle 14">
@@ -7520,14 +6955,14 @@
               </p:nvSpPr>
               <p:spPr>
                 <a:xfrm>
-                  <a:off x="325514" y="3150064"/>
-                  <a:ext cx="2565318" cy="400110"/>
+                  <a:off x="325514" y="2608525"/>
+                  <a:ext cx="7071615" cy="711798"/>
                 </a:xfrm>
                 <a:prstGeom prst="rect">
                   <a:avLst/>
                 </a:prstGeom>
                 <a:blipFill>
-                  <a:blip r:embed="rId5"/>
+                  <a:blip r:embed="rId3"/>
                   <a:stretch>
                     <a:fillRect/>
                   </a:stretch>
@@ -7564,7 +6999,7 @@
               </p:nvSpPr>
               <p:spPr>
                 <a:xfrm>
-                  <a:off x="97494" y="3509373"/>
+                  <a:off x="97494" y="3393963"/>
                   <a:ext cx="8992654" cy="429990"/>
                 </a:xfrm>
                 <a:prstGeom prst="rect">
@@ -8177,14 +7612,14 @@
               </p:nvSpPr>
               <p:spPr>
                 <a:xfrm>
-                  <a:off x="97494" y="3509373"/>
+                  <a:off x="97494" y="3393963"/>
                   <a:ext cx="8992654" cy="429990"/>
                 </a:xfrm>
                 <a:prstGeom prst="rect">
                   <a:avLst/>
                 </a:prstGeom>
                 <a:blipFill>
-                  <a:blip r:embed="rId6"/>
+                  <a:blip r:embed="rId4"/>
                   <a:stretch>
                     <a:fillRect b="-5714"/>
                   </a:stretch>
@@ -8206,8 +7641,8 @@
           </mc:Fallback>
         </mc:AlternateContent>
       </p:grpSp>
-      <mc:AlternateContent xmlns:mc="http://schemas.openxmlformats.org/markup-compatibility/2006" xmlns:a14="http://schemas.microsoft.com/office/drawing/2010/main">
-        <mc:Choice Requires="a14">
+      <mc:AlternateContent xmlns:mc="http://schemas.openxmlformats.org/markup-compatibility/2006">
+        <mc:Choice xmlns:a14="http://schemas.microsoft.com/office/drawing/2010/main" Requires="a14">
           <p:sp>
             <p:nvSpPr>
               <p:cNvPr id="19" name="Rectangle 18">
@@ -8222,7 +7657,7 @@
             </p:nvSpPr>
             <p:spPr>
               <a:xfrm>
-                <a:off x="665729" y="4030442"/>
+                <a:off x="665729" y="3870644"/>
                 <a:ext cx="3181705" cy="423770"/>
               </a:xfrm>
               <a:prstGeom prst="rect">
@@ -8430,7 +7865,7 @@
             </p:txBody>
           </p:sp>
         </mc:Choice>
-        <mc:Fallback xmlns="">
+        <mc:Fallback>
           <p:sp>
             <p:nvSpPr>
               <p:cNvPr id="19" name="Rectangle 18">
@@ -8447,14 +7882,14 @@
             </p:nvSpPr>
             <p:spPr>
               <a:xfrm>
-                <a:off x="665729" y="4030442"/>
+                <a:off x="665729" y="3870644"/>
                 <a:ext cx="3181705" cy="423770"/>
               </a:xfrm>
               <a:prstGeom prst="rect">
                 <a:avLst/>
               </a:prstGeom>
               <a:blipFill>
-                <a:blip r:embed="rId7"/>
+                <a:blip r:embed="rId5"/>
                 <a:stretch>
                   <a:fillRect b="-8824"/>
                 </a:stretch>
@@ -8475,8 +7910,8 @@
           </p:sp>
         </mc:Fallback>
       </mc:AlternateContent>
-      <mc:AlternateContent xmlns:mc="http://schemas.openxmlformats.org/markup-compatibility/2006" xmlns:a14="http://schemas.microsoft.com/office/drawing/2010/main">
-        <mc:Choice Requires="a14">
+      <mc:AlternateContent xmlns:mc="http://schemas.openxmlformats.org/markup-compatibility/2006">
+        <mc:Choice xmlns:a14="http://schemas.microsoft.com/office/drawing/2010/main" Requires="a14">
           <p:sp>
             <p:nvSpPr>
               <p:cNvPr id="20" name="Rectangle 19">
@@ -8491,7 +7926,7 @@
             </p:nvSpPr>
             <p:spPr>
               <a:xfrm>
-                <a:off x="770994" y="4435331"/>
+                <a:off x="717727" y="4231145"/>
                 <a:ext cx="4442050" cy="423770"/>
               </a:xfrm>
               <a:prstGeom prst="rect">
@@ -8818,7 +8253,7 @@
             </p:txBody>
           </p:sp>
         </mc:Choice>
-        <mc:Fallback xmlns="">
+        <mc:Fallback>
           <p:sp>
             <p:nvSpPr>
               <p:cNvPr id="20" name="Rectangle 19">
@@ -8835,16 +8270,16 @@
             </p:nvSpPr>
             <p:spPr>
               <a:xfrm>
-                <a:off x="770994" y="4435331"/>
+                <a:off x="717727" y="4231145"/>
                 <a:ext cx="4442050" cy="423770"/>
               </a:xfrm>
               <a:prstGeom prst="rect">
                 <a:avLst/>
               </a:prstGeom>
               <a:blipFill>
-                <a:blip r:embed="rId8"/>
+                <a:blip r:embed="rId6"/>
                 <a:stretch>
-                  <a:fillRect b="-5882"/>
+                  <a:fillRect b="-8824"/>
                 </a:stretch>
               </a:blipFill>
             </p:spPr>
@@ -8865,10 +8300,10 @@
       </mc:AlternateContent>
       <p:grpSp>
         <p:nvGrpSpPr>
-          <p:cNvPr id="28" name="Group 27">
+          <p:cNvPr id="4" name="Group 3">
             <a:extLst>
               <a:ext uri="{FF2B5EF4-FFF2-40B4-BE49-F238E27FC236}">
-                <a16:creationId xmlns:a16="http://schemas.microsoft.com/office/drawing/2014/main" id="{3CE33EB4-D9C5-6541-B27B-E9FECB8E2458}"/>
+                <a16:creationId xmlns:a16="http://schemas.microsoft.com/office/drawing/2014/main" id="{CADFF7E2-ED6E-D643-B77C-167C31CD7953}"/>
               </a:ext>
             </a:extLst>
           </p:cNvPr>
@@ -8877,55 +8312,20 @@
         </p:nvGrpSpPr>
         <p:grpSpPr>
           <a:xfrm>
-            <a:off x="4323890" y="2014616"/>
-            <a:ext cx="1323439" cy="668458"/>
-            <a:chOff x="4323890" y="2014616"/>
-            <a:chExt cx="1323439" cy="668458"/>
+            <a:off x="448805" y="1563159"/>
+            <a:ext cx="8397123" cy="1022848"/>
+            <a:chOff x="448805" y="1518769"/>
+            <a:chExt cx="8397123" cy="1022848"/>
           </a:xfrm>
         </p:grpSpPr>
-        <p:sp>
-          <p:nvSpPr>
-            <p:cNvPr id="23" name="TextBox 22">
-              <a:extLst>
-                <a:ext uri="{FF2B5EF4-FFF2-40B4-BE49-F238E27FC236}">
-                  <a16:creationId xmlns:a16="http://schemas.microsoft.com/office/drawing/2014/main" id="{1100F8AB-6ACD-5E48-A8CB-FEBB250EF6C8}"/>
-                </a:ext>
-              </a:extLst>
-            </p:cNvPr>
-            <p:cNvSpPr txBox="1"/>
-            <p:nvPr/>
-          </p:nvSpPr>
-          <p:spPr>
-            <a:xfrm rot="16200000">
-              <a:off x="4721755" y="1616751"/>
-              <a:ext cx="527709" cy="1323439"/>
-            </a:xfrm>
-            <a:prstGeom prst="rect">
-              <a:avLst/>
-            </a:prstGeom>
-            <a:noFill/>
-          </p:spPr>
-          <p:txBody>
-            <a:bodyPr wrap="none" rtlCol="0">
-              <a:spAutoFit/>
-            </a:bodyPr>
-            <a:lstStyle/>
-            <a:p>
-              <a:r>
-                <a:rPr lang="en-US" sz="8000" dirty="0"/>
-                <a:t>{</a:t>
-              </a:r>
-            </a:p>
-          </p:txBody>
-        </p:sp>
-        <mc:AlternateContent xmlns:mc="http://schemas.openxmlformats.org/markup-compatibility/2006" xmlns:a14="http://schemas.microsoft.com/office/drawing/2010/main">
-          <mc:Choice Requires="a14">
+        <mc:AlternateContent xmlns:mc="http://schemas.openxmlformats.org/markup-compatibility/2006">
+          <mc:Choice xmlns:a14="http://schemas.microsoft.com/office/drawing/2010/main" Requires="a14">
             <p:sp>
               <p:nvSpPr>
-                <p:cNvPr id="24" name="Rectangle 23">
+                <p:cNvPr id="13" name="Rectangle 12">
                   <a:extLst>
                     <a:ext uri="{FF2B5EF4-FFF2-40B4-BE49-F238E27FC236}">
-                      <a16:creationId xmlns:a16="http://schemas.microsoft.com/office/drawing/2014/main" id="{D0B783CB-ABE3-9645-B6D4-A5E88E31656E}"/>
+                      <a16:creationId xmlns:a16="http://schemas.microsoft.com/office/drawing/2014/main" id="{AD6A6B2A-8484-8040-981F-8F8B11CD2153}"/>
                     </a:ext>
                   </a:extLst>
                 </p:cNvPr>
@@ -8934,8 +8334,524 @@
               </p:nvSpPr>
               <p:spPr>
                 <a:xfrm>
-                  <a:off x="4763790" y="2313742"/>
-                  <a:ext cx="514820" cy="369332"/>
+                  <a:off x="448805" y="1530072"/>
+                  <a:ext cx="5370829" cy="676083"/>
+                </a:xfrm>
+                <a:prstGeom prst="rect">
+                  <a:avLst/>
+                </a:prstGeom>
+              </p:spPr>
+              <p:txBody>
+                <a:bodyPr wrap="none">
+                  <a:spAutoFit/>
+                </a:bodyPr>
+                <a:lstStyle/>
+                <a:p>
+                  <a14:m>
+                    <m:oMath xmlns:m="http://schemas.openxmlformats.org/officeDocument/2006/math">
+                      <m:r>
+                        <a:rPr lang="en-US" sz="2000" b="1" i="1" smtClean="0">
+                          <a:latin typeface="Cambria Math" panose="02040503050406030204" pitchFamily="18" charset="0"/>
+                        </a:rPr>
+                        <m:t>𝑨</m:t>
+                      </m:r>
+                      <m:r>
+                        <a:rPr lang="en-US" sz="2000" b="1" i="1" smtClean="0">
+                          <a:latin typeface="Cambria Math" panose="02040503050406030204" pitchFamily="18" charset="0"/>
+                        </a:rPr>
+                        <m:t>−</m:t>
+                      </m:r>
+                      <m:r>
+                        <a:rPr lang="en-US" sz="2000" b="1" i="1">
+                          <a:latin typeface="Cambria Math" panose="02040503050406030204" pitchFamily="18" charset="0"/>
+                        </a:rPr>
+                        <m:t>𝒃</m:t>
+                      </m:r>
+                      <m:sSub>
+                        <m:sSubPr>
+                          <m:ctrlPr>
+                            <a:rPr lang="en-US" sz="2000" b="1" i="1">
+                              <a:latin typeface="Cambria Math" panose="02040503050406030204" pitchFamily="18" charset="0"/>
+                            </a:rPr>
+                          </m:ctrlPr>
+                        </m:sSubPr>
+                        <m:e>
+                          <m:r>
+                            <a:rPr lang="en-US" sz="2000" b="1" i="1">
+                              <a:latin typeface="Cambria Math" panose="02040503050406030204" pitchFamily="18" charset="0"/>
+                            </a:rPr>
+                            <m:t>𝒌</m:t>
+                          </m:r>
+                        </m:e>
+                        <m:sub>
+                          <m:r>
+                            <a:rPr lang="en-US" sz="2000" b="1" i="1">
+                              <a:latin typeface="Cambria Math" panose="02040503050406030204" pitchFamily="18" charset="0"/>
+                            </a:rPr>
+                            <m:t>𝑷</m:t>
+                          </m:r>
+                        </m:sub>
+                      </m:sSub>
+                      <m:r>
+                        <a:rPr lang="en-US" sz="2000" b="0" i="1" smtClean="0">
+                          <a:latin typeface="Cambria Math" panose="02040503050406030204" pitchFamily="18" charset="0"/>
+                        </a:rPr>
+                        <m:t>=</m:t>
+                      </m:r>
+                      <m:d>
+                        <m:dPr>
+                          <m:begChr m:val="["/>
+                          <m:endChr m:val="]"/>
+                          <m:ctrlPr>
+                            <a:rPr lang="en-US" sz="2000" i="1">
+                              <a:latin typeface="Cambria Math" panose="02040503050406030204" pitchFamily="18" charset="0"/>
+                            </a:rPr>
+                          </m:ctrlPr>
+                        </m:dPr>
+                        <m:e>
+                          <m:m>
+                            <m:mPr>
+                              <m:mcs>
+                                <m:mc>
+                                  <m:mcPr>
+                                    <m:count m:val="2"/>
+                                    <m:mcJc m:val="center"/>
+                                  </m:mcPr>
+                                </m:mc>
+                              </m:mcs>
+                              <m:ctrlPr>
+                                <a:rPr lang="en-US" sz="2000" i="1">
+                                  <a:latin typeface="Cambria Math" panose="02040503050406030204" pitchFamily="18" charset="0"/>
+                                </a:rPr>
+                              </m:ctrlPr>
+                            </m:mPr>
+                            <m:mr>
+                              <m:e>
+                                <m:r>
+                                  <m:rPr>
+                                    <m:brk m:alnAt="7"/>
+                                  </m:rPr>
+                                  <a:rPr lang="en-US" sz="2000" i="1">
+                                    <a:latin typeface="Cambria Math" panose="02040503050406030204" pitchFamily="18" charset="0"/>
+                                  </a:rPr>
+                                  <m:t>−</m:t>
+                                </m:r>
+                                <m:sSub>
+                                  <m:sSubPr>
+                                    <m:ctrlPr>
+                                      <a:rPr lang="en-US" sz="2000" i="1">
+                                        <a:latin typeface="Cambria Math" panose="02040503050406030204" pitchFamily="18" charset="0"/>
+                                      </a:rPr>
+                                    </m:ctrlPr>
+                                  </m:sSubPr>
+                                  <m:e>
+                                    <m:r>
+                                      <a:rPr lang="en-US" sz="2000" i="1">
+                                        <a:latin typeface="Cambria Math" panose="02040503050406030204" pitchFamily="18" charset="0"/>
+                                      </a:rPr>
+                                      <m:t>𝑘</m:t>
+                                    </m:r>
+                                  </m:e>
+                                  <m:sub>
+                                    <m:r>
+                                      <m:rPr>
+                                        <m:brk m:alnAt="7"/>
+                                      </m:rPr>
+                                      <a:rPr lang="en-US" sz="2000" i="1">
+                                        <a:latin typeface="Cambria Math" panose="02040503050406030204" pitchFamily="18" charset="0"/>
+                                      </a:rPr>
+                                      <m:t>1</m:t>
+                                    </m:r>
+                                  </m:sub>
+                                </m:sSub>
+                              </m:e>
+                              <m:e>
+                                <m:sSub>
+                                  <m:sSubPr>
+                                    <m:ctrlPr>
+                                      <a:rPr lang="en-US" sz="2000" i="1">
+                                        <a:latin typeface="Cambria Math" panose="02040503050406030204" pitchFamily="18" charset="0"/>
+                                      </a:rPr>
+                                    </m:ctrlPr>
+                                  </m:sSubPr>
+                                  <m:e>
+                                    <m:r>
+                                      <a:rPr lang="en-US" sz="2000" i="1">
+                                        <a:latin typeface="Cambria Math" panose="02040503050406030204" pitchFamily="18" charset="0"/>
+                                      </a:rPr>
+                                      <m:t>𝑘</m:t>
+                                    </m:r>
+                                  </m:e>
+                                  <m:sub>
+                                    <m:r>
+                                      <a:rPr lang="en-US" sz="2000" i="1">
+                                        <a:latin typeface="Cambria Math" panose="02040503050406030204" pitchFamily="18" charset="0"/>
+                                      </a:rPr>
+                                      <m:t>2</m:t>
+                                    </m:r>
+                                  </m:sub>
+                                </m:sSub>
+                              </m:e>
+                            </m:mr>
+                            <m:mr>
+                              <m:e>
+                                <m:sSub>
+                                  <m:sSubPr>
+                                    <m:ctrlPr>
+                                      <a:rPr lang="en-US" sz="2000" i="1">
+                                        <a:latin typeface="Cambria Math" panose="02040503050406030204" pitchFamily="18" charset="0"/>
+                                      </a:rPr>
+                                    </m:ctrlPr>
+                                  </m:sSubPr>
+                                  <m:e>
+                                    <m:r>
+                                      <a:rPr lang="en-US" sz="2000" i="1">
+                                        <a:latin typeface="Cambria Math" panose="02040503050406030204" pitchFamily="18" charset="0"/>
+                                      </a:rPr>
+                                      <m:t>𝑘</m:t>
+                                    </m:r>
+                                  </m:e>
+                                  <m:sub>
+                                    <m:r>
+                                      <a:rPr lang="en-US" sz="2000" i="1">
+                                        <a:latin typeface="Cambria Math" panose="02040503050406030204" pitchFamily="18" charset="0"/>
+                                      </a:rPr>
+                                      <m:t>1</m:t>
+                                    </m:r>
+                                  </m:sub>
+                                </m:sSub>
+                              </m:e>
+                              <m:e>
+                                <m:r>
+                                  <a:rPr lang="en-US" sz="2000" i="1">
+                                    <a:latin typeface="Cambria Math" panose="02040503050406030204" pitchFamily="18" charset="0"/>
+                                  </a:rPr>
+                                  <m:t>−</m:t>
+                                </m:r>
+                                <m:sSub>
+                                  <m:sSubPr>
+                                    <m:ctrlPr>
+                                      <a:rPr lang="en-US" sz="2000" i="1">
+                                        <a:latin typeface="Cambria Math" panose="02040503050406030204" pitchFamily="18" charset="0"/>
+                                      </a:rPr>
+                                    </m:ctrlPr>
+                                  </m:sSubPr>
+                                  <m:e>
+                                    <m:r>
+                                      <a:rPr lang="en-US" sz="2000" i="1">
+                                        <a:latin typeface="Cambria Math" panose="02040503050406030204" pitchFamily="18" charset="0"/>
+                                      </a:rPr>
+                                      <m:t>𝑘</m:t>
+                                    </m:r>
+                                  </m:e>
+                                  <m:sub>
+                                    <m:r>
+                                      <a:rPr lang="en-US" sz="2000" i="1">
+                                        <a:latin typeface="Cambria Math" panose="02040503050406030204" pitchFamily="18" charset="0"/>
+                                      </a:rPr>
+                                      <m:t>2</m:t>
+                                    </m:r>
+                                  </m:sub>
+                                </m:sSub>
+                                <m:r>
+                                  <a:rPr lang="en-US" sz="2000" i="1">
+                                    <a:latin typeface="Cambria Math" panose="02040503050406030204" pitchFamily="18" charset="0"/>
+                                  </a:rPr>
+                                  <m:t>−</m:t>
+                                </m:r>
+                                <m:sSub>
+                                  <m:sSubPr>
+                                    <m:ctrlPr>
+                                      <a:rPr lang="en-US" sz="2000" i="1">
+                                        <a:latin typeface="Cambria Math" panose="02040503050406030204" pitchFamily="18" charset="0"/>
+                                      </a:rPr>
+                                    </m:ctrlPr>
+                                  </m:sSubPr>
+                                  <m:e>
+                                    <m:r>
+                                      <a:rPr lang="en-US" sz="2000" i="1">
+                                        <a:latin typeface="Cambria Math" panose="02040503050406030204" pitchFamily="18" charset="0"/>
+                                      </a:rPr>
+                                      <m:t>𝑘</m:t>
+                                    </m:r>
+                                  </m:e>
+                                  <m:sub>
+                                    <m:r>
+                                      <a:rPr lang="en-US" sz="2000" i="1">
+                                        <a:latin typeface="Cambria Math" panose="02040503050406030204" pitchFamily="18" charset="0"/>
+                                      </a:rPr>
+                                      <m:t>3</m:t>
+                                    </m:r>
+                                  </m:sub>
+                                </m:sSub>
+                              </m:e>
+                            </m:mr>
+                          </m:m>
+                        </m:e>
+                      </m:d>
+                      <m:r>
+                        <a:rPr lang="en-US" sz="2000" b="0" i="1" smtClean="0">
+                          <a:latin typeface="Cambria Math" panose="02040503050406030204" pitchFamily="18" charset="0"/>
+                        </a:rPr>
+                        <m:t>−</m:t>
+                      </m:r>
+                    </m:oMath>
+                  </a14:m>
+                  <a:r>
+                    <a:rPr lang="en-US" sz="2000" dirty="0"/>
+                    <a:t> </a:t>
+                  </a:r>
+                  <a14:m>
+                    <m:oMath xmlns:m="http://schemas.openxmlformats.org/officeDocument/2006/math">
+                      <m:d>
+                        <m:dPr>
+                          <m:begChr m:val="["/>
+                          <m:endChr m:val="]"/>
+                          <m:ctrlPr>
+                            <a:rPr lang="en-US" sz="2000" i="1">
+                              <a:latin typeface="Cambria Math" panose="02040503050406030204" pitchFamily="18" charset="0"/>
+                            </a:rPr>
+                          </m:ctrlPr>
+                        </m:dPr>
+                        <m:e>
+                          <m:m>
+                            <m:mPr>
+                              <m:mcs>
+                                <m:mc>
+                                  <m:mcPr>
+                                    <m:count m:val="1"/>
+                                    <m:mcJc m:val="center"/>
+                                  </m:mcPr>
+                                </m:mc>
+                              </m:mcs>
+                              <m:ctrlPr>
+                                <a:rPr lang="en-US" sz="2000" i="1">
+                                  <a:latin typeface="Cambria Math" panose="02040503050406030204" pitchFamily="18" charset="0"/>
+                                </a:rPr>
+                              </m:ctrlPr>
+                            </m:mPr>
+                            <m:mr>
+                              <m:e>
+                                <m:sSub>
+                                  <m:sSubPr>
+                                    <m:ctrlPr>
+                                      <a:rPr lang="en-US" sz="2000" i="1">
+                                        <a:latin typeface="Cambria Math" panose="02040503050406030204" pitchFamily="18" charset="0"/>
+                                      </a:rPr>
+                                    </m:ctrlPr>
+                                  </m:sSubPr>
+                                  <m:e>
+                                    <m:r>
+                                      <m:rPr>
+                                        <m:brk m:alnAt="7"/>
+                                      </m:rPr>
+                                      <a:rPr lang="en-US" sz="2000" i="1">
+                                        <a:latin typeface="Cambria Math" panose="02040503050406030204" pitchFamily="18" charset="0"/>
+                                      </a:rPr>
+                                      <m:t>𝑘</m:t>
+                                    </m:r>
+                                  </m:e>
+                                  <m:sub>
+                                    <m:r>
+                                      <m:rPr>
+                                        <m:brk m:alnAt="7"/>
+                                      </m:rPr>
+                                      <a:rPr lang="en-US" sz="2000" i="1">
+                                        <a:latin typeface="Cambria Math" panose="02040503050406030204" pitchFamily="18" charset="0"/>
+                                      </a:rPr>
+                                      <m:t>0</m:t>
+                                    </m:r>
+                                  </m:sub>
+                                </m:sSub>
+                              </m:e>
+                            </m:mr>
+                            <m:mr>
+                              <m:e>
+                                <m:r>
+                                  <a:rPr lang="en-US" sz="2000" i="1">
+                                    <a:latin typeface="Cambria Math" panose="02040503050406030204" pitchFamily="18" charset="0"/>
+                                  </a:rPr>
+                                  <m:t>0</m:t>
+                                </m:r>
+                              </m:e>
+                            </m:mr>
+                          </m:m>
+                        </m:e>
+                      </m:d>
+                      <m:d>
+                        <m:dPr>
+                          <m:begChr m:val="["/>
+                          <m:endChr m:val="]"/>
+                          <m:ctrlPr>
+                            <a:rPr lang="en-US" sz="2000" i="1" smtClean="0">
+                              <a:latin typeface="Cambria Math" panose="02040503050406030204" pitchFamily="18" charset="0"/>
+                            </a:rPr>
+                          </m:ctrlPr>
+                        </m:dPr>
+                        <m:e>
+                          <m:m>
+                            <m:mPr>
+                              <m:mcs>
+                                <m:mc>
+                                  <m:mcPr>
+                                    <m:count m:val="2"/>
+                                    <m:mcJc m:val="center"/>
+                                  </m:mcPr>
+                                </m:mc>
+                              </m:mcs>
+                              <m:ctrlPr>
+                                <a:rPr lang="en-US" sz="2000" i="1" smtClean="0">
+                                  <a:latin typeface="Cambria Math" panose="02040503050406030204" pitchFamily="18" charset="0"/>
+                                </a:rPr>
+                              </m:ctrlPr>
+                            </m:mPr>
+                            <m:mr>
+                              <m:e>
+                                <m:sSub>
+                                  <m:sSubPr>
+                                    <m:ctrlPr>
+                                      <a:rPr lang="en-US" sz="2000" b="0" i="1" smtClean="0">
+                                        <a:latin typeface="Cambria Math" panose="02040503050406030204" pitchFamily="18" charset="0"/>
+                                      </a:rPr>
+                                    </m:ctrlPr>
+                                  </m:sSubPr>
+                                  <m:e>
+                                    <m:r>
+                                      <m:rPr>
+                                        <m:brk m:alnAt="7"/>
+                                      </m:rPr>
+                                      <a:rPr lang="en-US" sz="2000" b="0" i="1" smtClean="0">
+                                        <a:latin typeface="Cambria Math" panose="02040503050406030204" pitchFamily="18" charset="0"/>
+                                      </a:rPr>
+                                      <m:t>𝑘</m:t>
+                                    </m:r>
+                                  </m:e>
+                                  <m:sub>
+                                    <m:r>
+                                      <m:rPr>
+                                        <m:brk m:alnAt="7"/>
+                                      </m:rPr>
+                                      <a:rPr lang="en-US" sz="2000" b="0" i="1" smtClean="0">
+                                        <a:latin typeface="Cambria Math" panose="02040503050406030204" pitchFamily="18" charset="0"/>
+                                      </a:rPr>
+                                      <m:t>𝑝</m:t>
+                                    </m:r>
+                                    <m:r>
+                                      <a:rPr lang="en-US" sz="2000" b="0" i="1" smtClean="0">
+                                        <a:latin typeface="Cambria Math" panose="02040503050406030204" pitchFamily="18" charset="0"/>
+                                      </a:rPr>
+                                      <m:t>1</m:t>
+                                    </m:r>
+                                  </m:sub>
+                                </m:sSub>
+                              </m:e>
+                              <m:e>
+                                <m:sSub>
+                                  <m:sSubPr>
+                                    <m:ctrlPr>
+                                      <a:rPr lang="en-US" sz="2000" b="0" i="1" smtClean="0">
+                                        <a:latin typeface="Cambria Math" panose="02040503050406030204" pitchFamily="18" charset="0"/>
+                                      </a:rPr>
+                                    </m:ctrlPr>
+                                  </m:sSubPr>
+                                  <m:e>
+                                    <m:r>
+                                      <a:rPr lang="en-US" sz="2000" b="0" i="1" smtClean="0">
+                                        <a:latin typeface="Cambria Math" panose="02040503050406030204" pitchFamily="18" charset="0"/>
+                                      </a:rPr>
+                                      <m:t>𝑘</m:t>
+                                    </m:r>
+                                  </m:e>
+                                  <m:sub>
+                                    <m:r>
+                                      <a:rPr lang="en-US" sz="2000" b="0" i="1" smtClean="0">
+                                        <a:latin typeface="Cambria Math" panose="02040503050406030204" pitchFamily="18" charset="0"/>
+                                      </a:rPr>
+                                      <m:t>𝑝</m:t>
+                                    </m:r>
+                                    <m:r>
+                                      <a:rPr lang="en-US" sz="2000" b="0" i="1" smtClean="0">
+                                        <a:latin typeface="Cambria Math" panose="02040503050406030204" pitchFamily="18" charset="0"/>
+                                      </a:rPr>
+                                      <m:t>2</m:t>
+                                    </m:r>
+                                  </m:sub>
+                                </m:sSub>
+                              </m:e>
+                            </m:mr>
+                          </m:m>
+                        </m:e>
+                      </m:d>
+                    </m:oMath>
+                  </a14:m>
+                  <a:endParaRPr lang="en-US" sz="2000" dirty="0"/>
+                </a:p>
+              </p:txBody>
+            </p:sp>
+          </mc:Choice>
+          <mc:Fallback>
+            <p:sp>
+              <p:nvSpPr>
+                <p:cNvPr id="13" name="Rectangle 12">
+                  <a:extLst>
+                    <a:ext uri="{FF2B5EF4-FFF2-40B4-BE49-F238E27FC236}">
+                      <a16:creationId xmlns:a16="http://schemas.microsoft.com/office/drawing/2014/main" id="{AD6A6B2A-8484-8040-981F-8F8B11CD2153}"/>
+                    </a:ext>
+                  </a:extLst>
+                </p:cNvPr>
+                <p:cNvSpPr>
+                  <a:spLocks noRot="1" noChangeAspect="1" noMove="1" noResize="1" noEditPoints="1" noAdjustHandles="1" noChangeArrowheads="1" noChangeShapeType="1" noTextEdit="1"/>
+                </p:cNvSpPr>
+                <p:nvPr/>
+              </p:nvSpPr>
+              <p:spPr>
+                <a:xfrm>
+                  <a:off x="448805" y="1530072"/>
+                  <a:ext cx="5370829" cy="676083"/>
+                </a:xfrm>
+                <a:prstGeom prst="rect">
+                  <a:avLst/>
+                </a:prstGeom>
+                <a:blipFill>
+                  <a:blip r:embed="rId7"/>
+                  <a:stretch>
+                    <a:fillRect b="-1818"/>
+                  </a:stretch>
+                </a:blipFill>
+              </p:spPr>
+              <p:txBody>
+                <a:bodyPr/>
+                <a:lstStyle/>
+                <a:p>
+                  <a:r>
+                    <a:rPr lang="en-US">
+                      <a:noFill/>
+                    </a:rPr>
+                    <a:t> </a:t>
+                  </a:r>
+                </a:p>
+              </p:txBody>
+            </p:sp>
+          </mc:Fallback>
+        </mc:AlternateContent>
+        <mc:AlternateContent xmlns:mc="http://schemas.openxmlformats.org/markup-compatibility/2006">
+          <mc:Choice xmlns:a14="http://schemas.microsoft.com/office/drawing/2010/main" Requires="a14">
+            <p:sp>
+              <p:nvSpPr>
+                <p:cNvPr id="14" name="Rectangle 13">
+                  <a:extLst>
+                    <a:ext uri="{FF2B5EF4-FFF2-40B4-BE49-F238E27FC236}">
+                      <a16:creationId xmlns:a16="http://schemas.microsoft.com/office/drawing/2014/main" id="{86D7F3B5-CB58-3043-8BB0-5DA1CD159A3E}"/>
+                    </a:ext>
+                  </a:extLst>
+                </p:cNvPr>
+                <p:cNvSpPr/>
+                <p:nvPr/>
+              </p:nvSpPr>
+              <p:spPr>
+                <a:xfrm>
+                  <a:off x="5619467" y="1518769"/>
+                  <a:ext cx="3226461" cy="649730"/>
                 </a:xfrm>
                 <a:prstGeom prst="rect">
                   <a:avLst/>
@@ -8954,31 +8870,327 @@
                         <m:jc m:val="centerGroup"/>
                       </m:oMathParaPr>
                       <m:oMath xmlns:m="http://schemas.openxmlformats.org/officeDocument/2006/math">
-                        <m:sSub>
-                          <m:sSubPr>
+                        <m:r>
+                          <a:rPr lang="en-US" i="1" smtClean="0">
+                            <a:latin typeface="Cambria Math" panose="02040503050406030204" pitchFamily="18" charset="0"/>
+                          </a:rPr>
+                          <m:t>=</m:t>
+                        </m:r>
+                        <m:d>
+                          <m:dPr>
+                            <m:begChr m:val="["/>
+                            <m:endChr m:val="]"/>
                             <m:ctrlPr>
-                              <a:rPr lang="en-US" b="1" i="1">
+                              <a:rPr lang="en-US" i="1">
                                 <a:latin typeface="Cambria Math" panose="02040503050406030204" pitchFamily="18" charset="0"/>
                               </a:rPr>
                             </m:ctrlPr>
-                          </m:sSubPr>
+                          </m:dPr>
                           <m:e>
-                            <m:r>
-                              <a:rPr lang="en-US" b="1" i="1">
-                                <a:latin typeface="Cambria Math" panose="02040503050406030204" pitchFamily="18" charset="0"/>
-                              </a:rPr>
-                              <m:t>𝒌</m:t>
-                            </m:r>
+                            <m:m>
+                              <m:mPr>
+                                <m:mcs>
+                                  <m:mc>
+                                    <m:mcPr>
+                                      <m:count m:val="2"/>
+                                      <m:mcJc m:val="center"/>
+                                    </m:mcPr>
+                                  </m:mc>
+                                </m:mcs>
+                                <m:ctrlPr>
+                                  <a:rPr lang="en-US" i="1">
+                                    <a:latin typeface="Cambria Math" panose="02040503050406030204" pitchFamily="18" charset="0"/>
+                                  </a:rPr>
+                                </m:ctrlPr>
+                              </m:mPr>
+                              <m:mr>
+                                <m:e>
+                                  <m:r>
+                                    <m:rPr>
+                                      <m:brk m:alnAt="7"/>
+                                    </m:rPr>
+                                    <a:rPr lang="en-US" i="1">
+                                      <a:latin typeface="Cambria Math" panose="02040503050406030204" pitchFamily="18" charset="0"/>
+                                    </a:rPr>
+                                    <m:t>−</m:t>
+                                  </m:r>
+                                  <m:sSub>
+                                    <m:sSubPr>
+                                      <m:ctrlPr>
+                                        <a:rPr lang="en-US" i="1">
+                                          <a:latin typeface="Cambria Math" panose="02040503050406030204" pitchFamily="18" charset="0"/>
+                                        </a:rPr>
+                                      </m:ctrlPr>
+                                    </m:sSubPr>
+                                    <m:e>
+                                      <m:r>
+                                        <a:rPr lang="en-US" i="1">
+                                          <a:latin typeface="Cambria Math" panose="02040503050406030204" pitchFamily="18" charset="0"/>
+                                        </a:rPr>
+                                        <m:t>𝑘</m:t>
+                                      </m:r>
+                                    </m:e>
+                                    <m:sub>
+                                      <m:r>
+                                        <m:rPr>
+                                          <m:brk m:alnAt="7"/>
+                                        </m:rPr>
+                                        <a:rPr lang="en-US" i="1">
+                                          <a:latin typeface="Cambria Math" panose="02040503050406030204" pitchFamily="18" charset="0"/>
+                                        </a:rPr>
+                                        <m:t>1</m:t>
+                                      </m:r>
+                                    </m:sub>
+                                  </m:sSub>
+                                  <m:r>
+                                    <a:rPr lang="en-US" b="0" i="1" smtClean="0">
+                                      <a:latin typeface="Cambria Math" panose="02040503050406030204" pitchFamily="18" charset="0"/>
+                                    </a:rPr>
+                                    <m:t>−</m:t>
+                                  </m:r>
+                                  <m:sSub>
+                                    <m:sSubPr>
+                                      <m:ctrlPr>
+                                        <a:rPr lang="en-US" b="0" i="1" smtClean="0">
+                                          <a:latin typeface="Cambria Math" panose="02040503050406030204" pitchFamily="18" charset="0"/>
+                                        </a:rPr>
+                                      </m:ctrlPr>
+                                    </m:sSubPr>
+                                    <m:e>
+                                      <m:r>
+                                        <a:rPr lang="en-US" b="0" i="1" smtClean="0">
+                                          <a:latin typeface="Cambria Math" panose="02040503050406030204" pitchFamily="18" charset="0"/>
+                                        </a:rPr>
+                                        <m:t>𝑘</m:t>
+                                      </m:r>
+                                    </m:e>
+                                    <m:sub>
+                                      <m:r>
+                                        <a:rPr lang="en-US" b="0" i="1" smtClean="0">
+                                          <a:latin typeface="Cambria Math" panose="02040503050406030204" pitchFamily="18" charset="0"/>
+                                        </a:rPr>
+                                        <m:t>𝑝</m:t>
+                                      </m:r>
+                                      <m:r>
+                                        <a:rPr lang="en-US" b="0" i="1" smtClean="0">
+                                          <a:latin typeface="Cambria Math" panose="02040503050406030204" pitchFamily="18" charset="0"/>
+                                        </a:rPr>
+                                        <m:t>1</m:t>
+                                      </m:r>
+                                    </m:sub>
+                                  </m:sSub>
+                                  <m:sSub>
+                                    <m:sSubPr>
+                                      <m:ctrlPr>
+                                        <a:rPr lang="en-US" i="1">
+                                          <a:latin typeface="Cambria Math" panose="02040503050406030204" pitchFamily="18" charset="0"/>
+                                        </a:rPr>
+                                      </m:ctrlPr>
+                                    </m:sSubPr>
+                                    <m:e>
+                                      <m:r>
+                                        <a:rPr lang="en-US" i="1">
+                                          <a:latin typeface="Cambria Math" panose="02040503050406030204" pitchFamily="18" charset="0"/>
+                                        </a:rPr>
+                                        <m:t>𝑘</m:t>
+                                      </m:r>
+                                    </m:e>
+                                    <m:sub>
+                                      <m:r>
+                                        <a:rPr lang="en-US" i="1">
+                                          <a:latin typeface="Cambria Math" panose="02040503050406030204" pitchFamily="18" charset="0"/>
+                                        </a:rPr>
+                                        <m:t>0</m:t>
+                                      </m:r>
+                                    </m:sub>
+                                  </m:sSub>
+                                </m:e>
+                                <m:e>
+                                  <m:sSub>
+                                    <m:sSubPr>
+                                      <m:ctrlPr>
+                                        <a:rPr lang="en-US" i="1">
+                                          <a:latin typeface="Cambria Math" panose="02040503050406030204" pitchFamily="18" charset="0"/>
+                                        </a:rPr>
+                                      </m:ctrlPr>
+                                    </m:sSubPr>
+                                    <m:e>
+                                      <m:r>
+                                        <a:rPr lang="en-US" i="1">
+                                          <a:latin typeface="Cambria Math" panose="02040503050406030204" pitchFamily="18" charset="0"/>
+                                        </a:rPr>
+                                        <m:t>𝑘</m:t>
+                                      </m:r>
+                                    </m:e>
+                                    <m:sub>
+                                      <m:r>
+                                        <a:rPr lang="en-US" i="1">
+                                          <a:latin typeface="Cambria Math" panose="02040503050406030204" pitchFamily="18" charset="0"/>
+                                        </a:rPr>
+                                        <m:t>2</m:t>
+                                      </m:r>
+                                    </m:sub>
+                                  </m:sSub>
+                                  <m:r>
+                                    <a:rPr lang="en-US" b="0" i="1" smtClean="0">
+                                      <a:latin typeface="Cambria Math" panose="02040503050406030204" pitchFamily="18" charset="0"/>
+                                    </a:rPr>
+                                    <m:t>−</m:t>
+                                  </m:r>
+                                  <m:sSub>
+                                    <m:sSubPr>
+                                      <m:ctrlPr>
+                                        <a:rPr lang="en-US" b="0" i="1" smtClean="0">
+                                          <a:latin typeface="Cambria Math" panose="02040503050406030204" pitchFamily="18" charset="0"/>
+                                        </a:rPr>
+                                      </m:ctrlPr>
+                                    </m:sSubPr>
+                                    <m:e>
+                                      <m:r>
+                                        <a:rPr lang="en-US" b="0" i="1" smtClean="0">
+                                          <a:latin typeface="Cambria Math" panose="02040503050406030204" pitchFamily="18" charset="0"/>
+                                        </a:rPr>
+                                        <m:t>𝑘</m:t>
+                                      </m:r>
+                                    </m:e>
+                                    <m:sub>
+                                      <m:r>
+                                        <a:rPr lang="en-US" b="0" i="1" smtClean="0">
+                                          <a:latin typeface="Cambria Math" panose="02040503050406030204" pitchFamily="18" charset="0"/>
+                                        </a:rPr>
+                                        <m:t>𝑝</m:t>
+                                      </m:r>
+                                      <m:r>
+                                        <a:rPr lang="en-US" b="0" i="1" smtClean="0">
+                                          <a:latin typeface="Cambria Math" panose="02040503050406030204" pitchFamily="18" charset="0"/>
+                                        </a:rPr>
+                                        <m:t>2</m:t>
+                                      </m:r>
+                                    </m:sub>
+                                  </m:sSub>
+                                  <m:sSub>
+                                    <m:sSubPr>
+                                      <m:ctrlPr>
+                                        <a:rPr lang="en-US" i="1">
+                                          <a:latin typeface="Cambria Math" panose="02040503050406030204" pitchFamily="18" charset="0"/>
+                                        </a:rPr>
+                                      </m:ctrlPr>
+                                    </m:sSubPr>
+                                    <m:e>
+                                      <m:r>
+                                        <a:rPr lang="en-US" i="1">
+                                          <a:latin typeface="Cambria Math" panose="02040503050406030204" pitchFamily="18" charset="0"/>
+                                        </a:rPr>
+                                        <m:t>𝑘</m:t>
+                                      </m:r>
+                                    </m:e>
+                                    <m:sub>
+                                      <m:r>
+                                        <a:rPr lang="en-US" i="1">
+                                          <a:latin typeface="Cambria Math" panose="02040503050406030204" pitchFamily="18" charset="0"/>
+                                        </a:rPr>
+                                        <m:t>0</m:t>
+                                      </m:r>
+                                    </m:sub>
+                                  </m:sSub>
+                                </m:e>
+                              </m:mr>
+                              <m:mr>
+                                <m:e>
+                                  <m:sSub>
+                                    <m:sSubPr>
+                                      <m:ctrlPr>
+                                        <a:rPr lang="en-US" i="1">
+                                          <a:latin typeface="Cambria Math" panose="02040503050406030204" pitchFamily="18" charset="0"/>
+                                        </a:rPr>
+                                      </m:ctrlPr>
+                                    </m:sSubPr>
+                                    <m:e>
+                                      <m:r>
+                                        <a:rPr lang="en-US" i="1">
+                                          <a:latin typeface="Cambria Math" panose="02040503050406030204" pitchFamily="18" charset="0"/>
+                                        </a:rPr>
+                                        <m:t>𝑘</m:t>
+                                      </m:r>
+                                    </m:e>
+                                    <m:sub>
+                                      <m:r>
+                                        <a:rPr lang="en-US" i="1">
+                                          <a:latin typeface="Cambria Math" panose="02040503050406030204" pitchFamily="18" charset="0"/>
+                                        </a:rPr>
+                                        <m:t>1</m:t>
+                                      </m:r>
+                                    </m:sub>
+                                  </m:sSub>
+                                </m:e>
+                                <m:e>
+                                  <m:r>
+                                    <a:rPr lang="en-US" i="1">
+                                      <a:latin typeface="Cambria Math" panose="02040503050406030204" pitchFamily="18" charset="0"/>
+                                    </a:rPr>
+                                    <m:t>−</m:t>
+                                  </m:r>
+                                  <m:sSub>
+                                    <m:sSubPr>
+                                      <m:ctrlPr>
+                                        <a:rPr lang="en-US" i="1">
+                                          <a:latin typeface="Cambria Math" panose="02040503050406030204" pitchFamily="18" charset="0"/>
+                                        </a:rPr>
+                                      </m:ctrlPr>
+                                    </m:sSubPr>
+                                    <m:e>
+                                      <m:r>
+                                        <a:rPr lang="en-US" i="1">
+                                          <a:latin typeface="Cambria Math" panose="02040503050406030204" pitchFamily="18" charset="0"/>
+                                        </a:rPr>
+                                        <m:t>𝑘</m:t>
+                                      </m:r>
+                                    </m:e>
+                                    <m:sub>
+                                      <m:r>
+                                        <a:rPr lang="en-US" i="1">
+                                          <a:latin typeface="Cambria Math" panose="02040503050406030204" pitchFamily="18" charset="0"/>
+                                        </a:rPr>
+                                        <m:t>2</m:t>
+                                      </m:r>
+                                    </m:sub>
+                                  </m:sSub>
+                                  <m:r>
+                                    <a:rPr lang="en-US" i="1">
+                                      <a:latin typeface="Cambria Math" panose="02040503050406030204" pitchFamily="18" charset="0"/>
+                                    </a:rPr>
+                                    <m:t>−</m:t>
+                                  </m:r>
+                                  <m:sSub>
+                                    <m:sSubPr>
+                                      <m:ctrlPr>
+                                        <a:rPr lang="en-US" i="1">
+                                          <a:latin typeface="Cambria Math" panose="02040503050406030204" pitchFamily="18" charset="0"/>
+                                        </a:rPr>
+                                      </m:ctrlPr>
+                                    </m:sSubPr>
+                                    <m:e>
+                                      <m:r>
+                                        <a:rPr lang="en-US" i="1">
+                                          <a:latin typeface="Cambria Math" panose="02040503050406030204" pitchFamily="18" charset="0"/>
+                                        </a:rPr>
+                                        <m:t>𝑘</m:t>
+                                      </m:r>
+                                    </m:e>
+                                    <m:sub>
+                                      <m:r>
+                                        <a:rPr lang="en-US" i="1">
+                                          <a:latin typeface="Cambria Math" panose="02040503050406030204" pitchFamily="18" charset="0"/>
+                                        </a:rPr>
+                                        <m:t>3</m:t>
+                                      </m:r>
+                                    </m:sub>
+                                  </m:sSub>
+                                </m:e>
+                              </m:mr>
+                            </m:m>
                           </m:e>
-                          <m:sub>
-                            <m:r>
-                              <a:rPr lang="en-US" b="1" i="1">
-                                <a:latin typeface="Cambria Math" panose="02040503050406030204" pitchFamily="18" charset="0"/>
-                              </a:rPr>
-                              <m:t>𝑷</m:t>
-                            </m:r>
-                          </m:sub>
-                        </m:sSub>
+                        </m:d>
                       </m:oMath>
                     </m:oMathPara>
                   </a14:m>
@@ -8987,13 +9199,13 @@
               </p:txBody>
             </p:sp>
           </mc:Choice>
-          <mc:Fallback xmlns="">
+          <mc:Fallback>
             <p:sp>
               <p:nvSpPr>
-                <p:cNvPr id="24" name="Rectangle 23">
+                <p:cNvPr id="14" name="Rectangle 13">
                   <a:extLst>
                     <a:ext uri="{FF2B5EF4-FFF2-40B4-BE49-F238E27FC236}">
-                      <a16:creationId xmlns:a16="http://schemas.microsoft.com/office/drawing/2014/main" id="{D0B783CB-ABE3-9645-B6D4-A5E88E31656E}"/>
+                      <a16:creationId xmlns:a16="http://schemas.microsoft.com/office/drawing/2014/main" id="{86D7F3B5-CB58-3043-8BB0-5DA1CD159A3E}"/>
                     </a:ext>
                   </a:extLst>
                 </p:cNvPr>
@@ -9004,14 +9216,14 @@
               </p:nvSpPr>
               <p:spPr>
                 <a:xfrm>
-                  <a:off x="4763790" y="2313742"/>
-                  <a:ext cx="514820" cy="369332"/>
+                  <a:off x="5619467" y="1518769"/>
+                  <a:ext cx="3226461" cy="649730"/>
                 </a:xfrm>
                 <a:prstGeom prst="rect">
                   <a:avLst/>
                 </a:prstGeom>
                 <a:blipFill>
-                  <a:blip r:embed="rId9"/>
+                  <a:blip r:embed="rId8"/>
                   <a:stretch>
                     <a:fillRect/>
                   </a:stretch>
@@ -9032,6 +9244,176 @@
             </p:sp>
           </mc:Fallback>
         </mc:AlternateContent>
+        <p:grpSp>
+          <p:nvGrpSpPr>
+            <p:cNvPr id="28" name="Group 27">
+              <a:extLst>
+                <a:ext uri="{FF2B5EF4-FFF2-40B4-BE49-F238E27FC236}">
+                  <a16:creationId xmlns:a16="http://schemas.microsoft.com/office/drawing/2014/main" id="{3CE33EB4-D9C5-6541-B27B-E9FECB8E2458}"/>
+                </a:ext>
+              </a:extLst>
+            </p:cNvPr>
+            <p:cNvGrpSpPr/>
+            <p:nvPr/>
+          </p:nvGrpSpPr>
+          <p:grpSpPr>
+            <a:xfrm>
+              <a:off x="4323890" y="1934714"/>
+              <a:ext cx="1323439" cy="606903"/>
+              <a:chOff x="4323890" y="2014616"/>
+              <a:chExt cx="1323439" cy="606903"/>
+            </a:xfrm>
+          </p:grpSpPr>
+          <p:sp>
+            <p:nvSpPr>
+              <p:cNvPr id="23" name="TextBox 22">
+                <a:extLst>
+                  <a:ext uri="{FF2B5EF4-FFF2-40B4-BE49-F238E27FC236}">
+                    <a16:creationId xmlns:a16="http://schemas.microsoft.com/office/drawing/2014/main" id="{1100F8AB-6ACD-5E48-A8CB-FEBB250EF6C8}"/>
+                  </a:ext>
+                </a:extLst>
+              </p:cNvPr>
+              <p:cNvSpPr txBox="1"/>
+              <p:nvPr/>
+            </p:nvSpPr>
+            <p:spPr>
+              <a:xfrm rot="16200000">
+                <a:off x="4721755" y="1616751"/>
+                <a:ext cx="527709" cy="1323439"/>
+              </a:xfrm>
+              <a:prstGeom prst="rect">
+                <a:avLst/>
+              </a:prstGeom>
+              <a:noFill/>
+            </p:spPr>
+            <p:txBody>
+              <a:bodyPr wrap="none" rtlCol="0">
+                <a:spAutoFit/>
+              </a:bodyPr>
+              <a:lstStyle/>
+              <a:p>
+                <a:r>
+                  <a:rPr lang="en-US" sz="8000" dirty="0"/>
+                  <a:t>{</a:t>
+                </a:r>
+              </a:p>
+            </p:txBody>
+          </p:sp>
+          <mc:AlternateContent xmlns:mc="http://schemas.openxmlformats.org/markup-compatibility/2006">
+            <mc:Choice xmlns:a14="http://schemas.microsoft.com/office/drawing/2010/main" Requires="a14">
+              <p:sp>
+                <p:nvSpPr>
+                  <p:cNvPr id="24" name="Rectangle 23">
+                    <a:extLst>
+                      <a:ext uri="{FF2B5EF4-FFF2-40B4-BE49-F238E27FC236}">
+                        <a16:creationId xmlns:a16="http://schemas.microsoft.com/office/drawing/2014/main" id="{D0B783CB-ABE3-9645-B6D4-A5E88E31656E}"/>
+                      </a:ext>
+                    </a:extLst>
+                  </p:cNvPr>
+                  <p:cNvSpPr/>
+                  <p:nvPr/>
+                </p:nvSpPr>
+                <p:spPr>
+                  <a:xfrm>
+                    <a:off x="4763790" y="2313742"/>
+                    <a:ext cx="442172" cy="307777"/>
+                  </a:xfrm>
+                  <a:prstGeom prst="rect">
+                    <a:avLst/>
+                  </a:prstGeom>
+                </p:spPr>
+                <p:txBody>
+                  <a:bodyPr wrap="none">
+                    <a:spAutoFit/>
+                  </a:bodyPr>
+                  <a:lstStyle/>
+                  <a:p>
+                    <a:pPr/>
+                    <a14:m>
+                      <m:oMathPara xmlns:m="http://schemas.openxmlformats.org/officeDocument/2006/math">
+                        <m:oMathParaPr>
+                          <m:jc m:val="centerGroup"/>
+                        </m:oMathParaPr>
+                        <m:oMath xmlns:m="http://schemas.openxmlformats.org/officeDocument/2006/math">
+                          <m:sSub>
+                            <m:sSubPr>
+                              <m:ctrlPr>
+                                <a:rPr lang="en-US" sz="1400" b="1" i="1">
+                                  <a:latin typeface="Cambria Math" panose="02040503050406030204" pitchFamily="18" charset="0"/>
+                                </a:rPr>
+                              </m:ctrlPr>
+                            </m:sSubPr>
+                            <m:e>
+                              <m:r>
+                                <a:rPr lang="en-US" sz="1400" b="1" i="1">
+                                  <a:latin typeface="Cambria Math" panose="02040503050406030204" pitchFamily="18" charset="0"/>
+                                </a:rPr>
+                                <m:t>𝒌</m:t>
+                              </m:r>
+                            </m:e>
+                            <m:sub>
+                              <m:r>
+                                <a:rPr lang="en-US" sz="1400" b="1" i="1">
+                                  <a:latin typeface="Cambria Math" panose="02040503050406030204" pitchFamily="18" charset="0"/>
+                                </a:rPr>
+                                <m:t>𝑷</m:t>
+                              </m:r>
+                            </m:sub>
+                          </m:sSub>
+                        </m:oMath>
+                      </m:oMathPara>
+                    </a14:m>
+                    <a:endParaRPr lang="en-US" dirty="0"/>
+                  </a:p>
+                </p:txBody>
+              </p:sp>
+            </mc:Choice>
+            <mc:Fallback>
+              <p:sp>
+                <p:nvSpPr>
+                  <p:cNvPr id="24" name="Rectangle 23">
+                    <a:extLst>
+                      <a:ext uri="{FF2B5EF4-FFF2-40B4-BE49-F238E27FC236}">
+                        <a16:creationId xmlns:a16="http://schemas.microsoft.com/office/drawing/2014/main" id="{D0B783CB-ABE3-9645-B6D4-A5E88E31656E}"/>
+                      </a:ext>
+                    </a:extLst>
+                  </p:cNvPr>
+                  <p:cNvSpPr>
+                    <a:spLocks noRot="1" noChangeAspect="1" noMove="1" noResize="1" noEditPoints="1" noAdjustHandles="1" noChangeArrowheads="1" noChangeShapeType="1" noTextEdit="1"/>
+                  </p:cNvSpPr>
+                  <p:nvPr/>
+                </p:nvSpPr>
+                <p:spPr>
+                  <a:xfrm>
+                    <a:off x="4763790" y="2313742"/>
+                    <a:ext cx="442172" cy="307777"/>
+                  </a:xfrm>
+                  <a:prstGeom prst="rect">
+                    <a:avLst/>
+                  </a:prstGeom>
+                  <a:blipFill>
+                    <a:blip r:embed="rId9"/>
+                    <a:stretch>
+                      <a:fillRect/>
+                    </a:stretch>
+                  </a:blipFill>
+                </p:spPr>
+                <p:txBody>
+                  <a:bodyPr/>
+                  <a:lstStyle/>
+                  <a:p>
+                    <a:r>
+                      <a:rPr lang="en-US">
+                        <a:noFill/>
+                      </a:rPr>
+                      <a:t> </a:t>
+                    </a:r>
+                  </a:p>
+                </p:txBody>
+              </p:sp>
+            </mc:Fallback>
+          </mc:AlternateContent>
+        </p:grpSp>
       </p:grpSp>
       <p:grpSp>
         <p:nvGrpSpPr>
@@ -9658,7 +10040,7 @@
         </p:nvSpPr>
         <p:spPr>
           <a:xfrm>
-            <a:off x="457200" y="5942031"/>
+            <a:off x="457200" y="5631310"/>
             <a:ext cx="891519" cy="539720"/>
           </a:xfrm>
           <a:prstGeom prst="rect">
@@ -9713,7 +10095,7 @@
         </p:nvGrpSpPr>
         <p:grpSpPr>
           <a:xfrm>
-            <a:off x="262725" y="5201688"/>
+            <a:off x="262725" y="4890967"/>
             <a:ext cx="6642011" cy="1150779"/>
             <a:chOff x="262725" y="4664358"/>
             <a:chExt cx="6642011" cy="1150779"/>
@@ -10626,7 +11008,7 @@
                             </p:stCondLst>
                             <p:childTnLst>
                               <p:par>
-                                <p:cTn id="9" presetID="1" presetClass="entr" presetSubtype="0" fill="hold" grpId="0" nodeType="clickEffect">
+                                <p:cTn id="9" presetID="1" presetClass="entr" presetSubtype="0" fill="hold" nodeType="clickEffect">
                                   <p:stCondLst>
                                     <p:cond delay="0"/>
                                   </p:stCondLst>
@@ -10639,7 +11021,7 @@
                                           </p:stCondLst>
                                         </p:cTn>
                                         <p:tgtEl>
-                                          <p:spTgt spid="13"/>
+                                          <p:spTgt spid="4"/>
                                         </p:tgtEl>
                                         <p:attrNameLst>
                                           <p:attrName>style.visibility</p:attrName>
@@ -10684,7 +11066,7 @@
                                           </p:stCondLst>
                                         </p:cTn>
                                         <p:tgtEl>
-                                          <p:spTgt spid="28"/>
+                                          <p:spTgt spid="29"/>
                                         </p:tgtEl>
                                         <p:attrNameLst>
                                           <p:attrName>style.visibility</p:attrName>
@@ -10716,7 +11098,7 @@
                             </p:stCondLst>
                             <p:childTnLst>
                               <p:par>
-                                <p:cTn id="17" presetID="1" presetClass="entr" presetSubtype="0" fill="hold" grpId="0" nodeType="clickEffect">
+                                <p:cTn id="17" presetID="1" presetClass="entr" presetSubtype="0" fill="hold" nodeType="clickEffect">
                                   <p:stCondLst>
                                     <p:cond delay="0"/>
                                   </p:stCondLst>
@@ -10729,7 +11111,7 @@
                                           </p:stCondLst>
                                         </p:cTn>
                                         <p:tgtEl>
-                                          <p:spTgt spid="14"/>
+                                          <p:spTgt spid="29"/>
                                         </p:tgtEl>
                                         <p:attrNameLst>
                                           <p:attrName>style.visibility</p:attrName>
@@ -10761,7 +11143,7 @@
                             </p:stCondLst>
                             <p:childTnLst>
                               <p:par>
-                                <p:cTn id="21" presetID="1" presetClass="entr" presetSubtype="0" fill="hold" nodeType="clickEffect">
+                                <p:cTn id="21" presetID="1" presetClass="entr" presetSubtype="0" fill="hold" grpId="0" nodeType="clickEffect">
                                   <p:stCondLst>
                                     <p:cond delay="0"/>
                                   </p:stCondLst>
@@ -10774,7 +11156,7 @@
                                           </p:stCondLst>
                                         </p:cTn>
                                         <p:tgtEl>
-                                          <p:spTgt spid="29"/>
+                                          <p:spTgt spid="19"/>
                                         </p:tgtEl>
                                         <p:attrNameLst>
                                           <p:attrName>style.visibility</p:attrName>
@@ -10819,33 +11201,6 @@
                                           </p:stCondLst>
                                         </p:cTn>
                                         <p:tgtEl>
-                                          <p:spTgt spid="19"/>
-                                        </p:tgtEl>
-                                        <p:attrNameLst>
-                                          <p:attrName>style.visibility</p:attrName>
-                                        </p:attrNameLst>
-                                      </p:cBhvr>
-                                      <p:to>
-                                        <p:strVal val="visible"/>
-                                      </p:to>
-                                    </p:set>
-                                  </p:childTnLst>
-                                </p:cTn>
-                              </p:par>
-                              <p:par>
-                                <p:cTn id="27" presetID="1" presetClass="entr" presetSubtype="0" fill="hold" grpId="0" nodeType="withEffect">
-                                  <p:stCondLst>
-                                    <p:cond delay="0"/>
-                                  </p:stCondLst>
-                                  <p:childTnLst>
-                                    <p:set>
-                                      <p:cBhvr>
-                                        <p:cTn id="28" dur="1" fill="hold">
-                                          <p:stCondLst>
-                                            <p:cond delay="0"/>
-                                          </p:stCondLst>
-                                        </p:cTn>
-                                        <p:tgtEl>
                                           <p:spTgt spid="20"/>
                                         </p:tgtEl>
                                         <p:attrNameLst>
@@ -10866,26 +11221,26 @@
                     </p:cTn>
                   </p:par>
                   <p:par>
-                    <p:cTn id="29" fill="hold">
+                    <p:cTn id="27" fill="hold">
                       <p:stCondLst>
                         <p:cond delay="indefinite"/>
                       </p:stCondLst>
                       <p:childTnLst>
                         <p:par>
-                          <p:cTn id="30" fill="hold">
+                          <p:cTn id="28" fill="hold">
                             <p:stCondLst>
                               <p:cond delay="0"/>
                             </p:stCondLst>
                             <p:childTnLst>
                               <p:par>
-                                <p:cTn id="31" presetID="1" presetClass="entr" presetSubtype="0" fill="hold" nodeType="clickEffect">
+                                <p:cTn id="29" presetID="1" presetClass="entr" presetSubtype="0" fill="hold" nodeType="clickEffect">
                                   <p:stCondLst>
                                     <p:cond delay="0"/>
                                   </p:stCondLst>
                                   <p:childTnLst>
                                     <p:set>
                                       <p:cBhvr>
-                                        <p:cTn id="32" dur="1" fill="hold">
+                                        <p:cTn id="30" dur="1" fill="hold">
                                           <p:stCondLst>
                                             <p:cond delay="0"/>
                                           </p:stCondLst>
@@ -10933,8 +11288,6 @@
     </p:tnLst>
     <p:bldLst>
       <p:bldP spid="12" grpId="0"/>
-      <p:bldP spid="13" grpId="0"/>
-      <p:bldP spid="14" grpId="0"/>
       <p:bldP spid="19" grpId="0"/>
       <p:bldP spid="20" grpId="0"/>
     </p:bldLst>
@@ -18835,8 +19188,8 @@
             <a:chExt cx="3556486" cy="828440"/>
           </a:xfrm>
         </p:grpSpPr>
-        <mc:AlternateContent xmlns:mc="http://schemas.openxmlformats.org/markup-compatibility/2006">
-          <mc:Choice xmlns:a14="http://schemas.microsoft.com/office/drawing/2010/main" Requires="a14">
+        <mc:AlternateContent xmlns:mc="http://schemas.openxmlformats.org/markup-compatibility/2006" xmlns:a14="http://schemas.microsoft.com/office/drawing/2010/main">
+          <mc:Choice Requires="a14">
             <p:sp>
               <p:nvSpPr>
                 <p:cNvPr id="40" name="Rectangle 39">
@@ -19033,7 +19386,7 @@
               </p:txBody>
             </p:sp>
           </mc:Choice>
-          <mc:Fallback>
+          <mc:Fallback xmlns="">
             <p:sp>
               <p:nvSpPr>
                 <p:cNvPr id="40" name="Rectangle 39">
@@ -19078,8 +19431,8 @@
             </p:sp>
           </mc:Fallback>
         </mc:AlternateContent>
-        <mc:AlternateContent xmlns:mc="http://schemas.openxmlformats.org/markup-compatibility/2006">
-          <mc:Choice xmlns:a14="http://schemas.microsoft.com/office/drawing/2010/main" Requires="a14">
+        <mc:AlternateContent xmlns:mc="http://schemas.openxmlformats.org/markup-compatibility/2006" xmlns:a14="http://schemas.microsoft.com/office/drawing/2010/main">
+          <mc:Choice Requires="a14">
             <p:sp>
               <p:nvSpPr>
                 <p:cNvPr id="41" name="Rectangle 40">
@@ -19175,7 +19528,7 @@
               </p:txBody>
             </p:sp>
           </mc:Choice>
-          <mc:Fallback>
+          <mc:Fallback xmlns="">
             <p:sp>
               <p:nvSpPr>
                 <p:cNvPr id="41" name="Rectangle 40">
@@ -19221,8 +19574,8 @@
           </mc:Fallback>
         </mc:AlternateContent>
       </p:grpSp>
-      <mc:AlternateContent xmlns:mc="http://schemas.openxmlformats.org/markup-compatibility/2006">
-        <mc:Choice xmlns:a14="http://schemas.microsoft.com/office/drawing/2010/main" Requires="a14">
+      <mc:AlternateContent xmlns:mc="http://schemas.openxmlformats.org/markup-compatibility/2006" xmlns:a14="http://schemas.microsoft.com/office/drawing/2010/main">
+        <mc:Choice Requires="a14">
           <p:sp>
             <p:nvSpPr>
               <p:cNvPr id="42" name="Rectangle 41">
@@ -19369,7 +19722,7 @@
             </p:txBody>
           </p:sp>
         </mc:Choice>
-        <mc:Fallback>
+        <mc:Fallback xmlns="">
           <p:sp>
             <p:nvSpPr>
               <p:cNvPr id="42" name="Rectangle 41">
@@ -19414,8 +19767,8 @@
           </p:sp>
         </mc:Fallback>
       </mc:AlternateContent>
-      <mc:AlternateContent xmlns:mc="http://schemas.openxmlformats.org/markup-compatibility/2006">
-        <mc:Choice xmlns:a14="http://schemas.microsoft.com/office/drawing/2010/main" Requires="a14">
+      <mc:AlternateContent xmlns:mc="http://schemas.openxmlformats.org/markup-compatibility/2006" xmlns:a14="http://schemas.microsoft.com/office/drawing/2010/main">
+        <mc:Choice Requires="a14">
           <p:sp>
             <p:nvSpPr>
               <p:cNvPr id="43" name="Rectangle 42">
@@ -19601,7 +19954,7 @@
             </p:txBody>
           </p:sp>
         </mc:Choice>
-        <mc:Fallback>
+        <mc:Fallback xmlns="">
           <p:sp>
             <p:nvSpPr>
               <p:cNvPr id="43" name="Rectangle 42">
@@ -19646,8 +19999,8 @@
           </p:sp>
         </mc:Fallback>
       </mc:AlternateContent>
-      <mc:AlternateContent xmlns:mc="http://schemas.openxmlformats.org/markup-compatibility/2006">
-        <mc:Choice xmlns:a14="http://schemas.microsoft.com/office/drawing/2010/main" Requires="a14">
+      <mc:AlternateContent xmlns:mc="http://schemas.openxmlformats.org/markup-compatibility/2006" xmlns:a14="http://schemas.microsoft.com/office/drawing/2010/main">
+        <mc:Choice Requires="a14">
           <p:sp>
             <p:nvSpPr>
               <p:cNvPr id="44" name="Rectangle 43">
@@ -19840,7 +20193,7 @@
             </p:txBody>
           </p:sp>
         </mc:Choice>
-        <mc:Fallback>
+        <mc:Fallback xmlns="">
           <p:sp>
             <p:nvSpPr>
               <p:cNvPr id="44" name="Rectangle 43">
@@ -19885,8 +20238,8 @@
           </p:sp>
         </mc:Fallback>
       </mc:AlternateContent>
-      <mc:AlternateContent xmlns:mc="http://schemas.openxmlformats.org/markup-compatibility/2006">
-        <mc:Choice xmlns:a14="http://schemas.microsoft.com/office/drawing/2010/main" Requires="a14">
+      <mc:AlternateContent xmlns:mc="http://schemas.openxmlformats.org/markup-compatibility/2006" xmlns:a14="http://schemas.microsoft.com/office/drawing/2010/main">
+        <mc:Choice Requires="a14">
           <p:sp>
             <p:nvSpPr>
               <p:cNvPr id="45" name="Rectangle 44">
@@ -20075,7 +20428,7 @@
             </p:txBody>
           </p:sp>
         </mc:Choice>
-        <mc:Fallback>
+        <mc:Fallback xmlns="">
           <p:sp>
             <p:nvSpPr>
               <p:cNvPr id="45" name="Rectangle 44">
@@ -20155,8 +20508,8 @@
           </a:p>
         </p:txBody>
       </p:sp>
-      <mc:AlternateContent xmlns:mc="http://schemas.openxmlformats.org/markup-compatibility/2006">
-        <mc:Choice xmlns:a14="http://schemas.microsoft.com/office/drawing/2010/main" Requires="a14">
+      <mc:AlternateContent xmlns:mc="http://schemas.openxmlformats.org/markup-compatibility/2006" xmlns:a14="http://schemas.microsoft.com/office/drawing/2010/main">
+        <mc:Choice Requires="a14">
           <p:sp>
             <p:nvSpPr>
               <p:cNvPr id="47" name="Rectangle 46">
@@ -20217,7 +20570,7 @@
             </p:txBody>
           </p:sp>
         </mc:Choice>
-        <mc:Fallback>
+        <mc:Fallback xmlns="">
           <p:sp>
             <p:nvSpPr>
               <p:cNvPr id="47" name="Rectangle 46">
@@ -20262,8 +20615,8 @@
           </p:sp>
         </mc:Fallback>
       </mc:AlternateContent>
-      <mc:AlternateContent xmlns:mc="http://schemas.openxmlformats.org/markup-compatibility/2006">
-        <mc:Choice xmlns:a14="http://schemas.microsoft.com/office/drawing/2010/main" Requires="a14">
+      <mc:AlternateContent xmlns:mc="http://schemas.openxmlformats.org/markup-compatibility/2006" xmlns:a14="http://schemas.microsoft.com/office/drawing/2010/main">
+        <mc:Choice Requires="a14">
           <p:sp>
             <p:nvSpPr>
               <p:cNvPr id="48" name="Rectangle 47">
@@ -20318,7 +20671,7 @@
             </p:txBody>
           </p:sp>
         </mc:Choice>
-        <mc:Fallback>
+        <mc:Fallback xmlns="">
           <p:sp>
             <p:nvSpPr>
               <p:cNvPr id="48" name="Rectangle 47">
@@ -20363,8 +20716,8 @@
           </p:sp>
         </mc:Fallback>
       </mc:AlternateContent>
-      <mc:AlternateContent xmlns:mc="http://schemas.openxmlformats.org/markup-compatibility/2006">
-        <mc:Choice xmlns:a14="http://schemas.microsoft.com/office/drawing/2010/main" Requires="a14">
+      <mc:AlternateContent xmlns:mc="http://schemas.openxmlformats.org/markup-compatibility/2006" xmlns:a14="http://schemas.microsoft.com/office/drawing/2010/main">
+        <mc:Choice Requires="a14">
           <p:sp>
             <p:nvSpPr>
               <p:cNvPr id="49" name="Rectangle 48">
@@ -20392,7 +20745,6 @@
               </a:bodyPr>
               <a:lstStyle/>
               <a:p>
-                <a:pPr/>
                 <a:r>
                   <a:rPr lang="en-US" sz="1400" dirty="0"/>
                   <a:t>1</a:t>
@@ -20418,7 +20770,7 @@
             </p:txBody>
           </p:sp>
         </mc:Choice>
-        <mc:Fallback>
+        <mc:Fallback xmlns="">
           <p:sp>
             <p:nvSpPr>
               <p:cNvPr id="49" name="Rectangle 48">
@@ -20463,8 +20815,8 @@
           </p:sp>
         </mc:Fallback>
       </mc:AlternateContent>
-      <mc:AlternateContent xmlns:mc="http://schemas.openxmlformats.org/markup-compatibility/2006">
-        <mc:Choice xmlns:a14="http://schemas.microsoft.com/office/drawing/2010/main" Requires="a14">
+      <mc:AlternateContent xmlns:mc="http://schemas.openxmlformats.org/markup-compatibility/2006" xmlns:a14="http://schemas.microsoft.com/office/drawing/2010/main">
+        <mc:Choice Requires="a14">
           <p:sp>
             <p:nvSpPr>
               <p:cNvPr id="50" name="Rectangle 49">
@@ -20492,7 +20844,6 @@
               </a:bodyPr>
               <a:lstStyle/>
               <a:p>
-                <a:pPr/>
                 <a:r>
                   <a:rPr lang="en-US" sz="1400" dirty="0"/>
                   <a:t>1</a:t>
@@ -20518,7 +20869,7 @@
             </p:txBody>
           </p:sp>
         </mc:Choice>
-        <mc:Fallback>
+        <mc:Fallback xmlns="">
           <p:sp>
             <p:nvSpPr>
               <p:cNvPr id="50" name="Rectangle 49">
@@ -20563,8 +20914,8 @@
           </p:sp>
         </mc:Fallback>
       </mc:AlternateContent>
-      <mc:AlternateContent xmlns:mc="http://schemas.openxmlformats.org/markup-compatibility/2006">
-        <mc:Choice xmlns:a14="http://schemas.microsoft.com/office/drawing/2010/main" Requires="a14">
+      <mc:AlternateContent xmlns:mc="http://schemas.openxmlformats.org/markup-compatibility/2006" xmlns:a14="http://schemas.microsoft.com/office/drawing/2010/main">
+        <mc:Choice Requires="a14">
           <p:sp>
             <p:nvSpPr>
               <p:cNvPr id="51" name="Rectangle 50">
@@ -20729,7 +21080,7 @@
             </p:txBody>
           </p:sp>
         </mc:Choice>
-        <mc:Fallback>
+        <mc:Fallback xmlns="">
           <p:sp>
             <p:nvSpPr>
               <p:cNvPr id="51" name="Rectangle 50">
@@ -20774,8 +21125,8 @@
           </p:sp>
         </mc:Fallback>
       </mc:AlternateContent>
-      <mc:AlternateContent xmlns:mc="http://schemas.openxmlformats.org/markup-compatibility/2006">
-        <mc:Choice xmlns:a14="http://schemas.microsoft.com/office/drawing/2010/main" Requires="a14">
+      <mc:AlternateContent xmlns:mc="http://schemas.openxmlformats.org/markup-compatibility/2006" xmlns:a14="http://schemas.microsoft.com/office/drawing/2010/main">
+        <mc:Choice Requires="a14">
           <p:sp>
             <p:nvSpPr>
               <p:cNvPr id="54" name="Rectangle 53">
@@ -21013,13 +21364,12 @@
                 <a:endParaRPr lang="en-US" sz="2000" b="0" i="1" dirty="0"/>
               </a:p>
               <a:p>
-                <a:pPr/>
                 <a:endParaRPr lang="en-US" sz="2000" i="1" dirty="0"/>
               </a:p>
             </p:txBody>
           </p:sp>
         </mc:Choice>
-        <mc:Fallback>
+        <mc:Fallback xmlns="">
           <p:sp>
             <p:nvSpPr>
               <p:cNvPr id="54" name="Rectangle 53">
@@ -21601,6 +21951,2804 @@
       <p:bldP spid="50" grpId="0"/>
       <p:bldP spid="51" grpId="0"/>
       <p:bldP spid="54" grpId="0"/>
+    </p:bldLst>
+  </p:timing>
+</p:sld>
+</file>
+
+<file path=ppt/slides/slide14.xml><?xml version="1.0" encoding="utf-8"?>
+<p:sld xmlns:a="http://schemas.openxmlformats.org/drawingml/2006/main" xmlns:r="http://schemas.openxmlformats.org/officeDocument/2006/relationships" xmlns:p="http://schemas.openxmlformats.org/presentationml/2006/main">
+  <p:cSld>
+    <p:spTree>
+      <p:nvGrpSpPr>
+        <p:cNvPr id="1" name=""/>
+        <p:cNvGrpSpPr/>
+        <p:nvPr/>
+      </p:nvGrpSpPr>
+      <p:grpSpPr>
+        <a:xfrm>
+          <a:off x="0" y="0"/>
+          <a:ext cx="0" cy="0"/>
+          <a:chOff x="0" y="0"/>
+          <a:chExt cx="0" cy="0"/>
+        </a:xfrm>
+      </p:grpSpPr>
+      <p:sp>
+        <p:nvSpPr>
+          <p:cNvPr id="2" name="Title 1">
+            <a:extLst>
+              <a:ext uri="{FF2B5EF4-FFF2-40B4-BE49-F238E27FC236}">
+                <a16:creationId xmlns:a16="http://schemas.microsoft.com/office/drawing/2014/main" id="{A8D87052-5A8B-2145-98BB-8C49B3A4C5F8}"/>
+              </a:ext>
+            </a:extLst>
+          </p:cNvPr>
+          <p:cNvSpPr>
+            <a:spLocks noGrp="1"/>
+          </p:cNvSpPr>
+          <p:nvPr>
+            <p:ph type="title"/>
+          </p:nvPr>
+        </p:nvSpPr>
+        <p:spPr>
+          <a:xfrm>
+            <a:off x="93215" y="228600"/>
+            <a:ext cx="5686148" cy="838200"/>
+          </a:xfrm>
+        </p:spPr>
+        <p:txBody>
+          <a:bodyPr/>
+          <a:lstStyle/>
+          <a:p>
+            <a:r>
+              <a:rPr lang="en-US" dirty="0"/>
+              <a:t>DC Gain in Running Example</a:t>
+            </a:r>
+          </a:p>
+        </p:txBody>
+      </p:sp>
+      <p:sp>
+        <p:nvSpPr>
+          <p:cNvPr id="3" name="Slide Number Placeholder 2">
+            <a:extLst>
+              <a:ext uri="{FF2B5EF4-FFF2-40B4-BE49-F238E27FC236}">
+                <a16:creationId xmlns:a16="http://schemas.microsoft.com/office/drawing/2014/main" id="{A9045290-1859-9B49-94E3-20F8EA27A308}"/>
+              </a:ext>
+            </a:extLst>
+          </p:cNvPr>
+          <p:cNvSpPr>
+            <a:spLocks noGrp="1"/>
+          </p:cNvSpPr>
+          <p:nvPr>
+            <p:ph type="sldNum" sz="quarter" idx="11"/>
+          </p:nvPr>
+        </p:nvSpPr>
+        <p:spPr/>
+        <p:txBody>
+          <a:bodyPr/>
+          <a:lstStyle/>
+          <a:p>
+            <a:pPr>
+              <a:defRPr/>
+            </a:pPr>
+            <a:fld id="{2E4304A7-0FB2-4094-BC1E-DB17183AD0C1}" type="slidenum">
+              <a:rPr lang="en-US" altLang="x-none" smtClean="0"/>
+              <a:pPr>
+                <a:defRPr/>
+              </a:pPr>
+              <a:t>14</a:t>
+            </a:fld>
+            <a:endParaRPr lang="en-US" altLang="x-none"/>
+          </a:p>
+        </p:txBody>
+      </p:sp>
+      <mc:AlternateContent xmlns:mc="http://schemas.openxmlformats.org/markup-compatibility/2006">
+        <mc:Choice xmlns:a14="http://schemas.microsoft.com/office/drawing/2010/main" Requires="a14">
+          <p:sp>
+            <p:nvSpPr>
+              <p:cNvPr id="4" name="Rectangle 3">
+                <a:extLst>
+                  <a:ext uri="{FF2B5EF4-FFF2-40B4-BE49-F238E27FC236}">
+                    <a16:creationId xmlns:a16="http://schemas.microsoft.com/office/drawing/2014/main" id="{6CB0B482-3CA3-7444-ABAD-8DAD563A3C74}"/>
+                  </a:ext>
+                </a:extLst>
+              </p:cNvPr>
+              <p:cNvSpPr/>
+              <p:nvPr/>
+            </p:nvSpPr>
+            <p:spPr>
+              <a:xfrm>
+                <a:off x="580780" y="995871"/>
+                <a:ext cx="6295506" cy="676083"/>
+              </a:xfrm>
+              <a:prstGeom prst="rect">
+                <a:avLst/>
+              </a:prstGeom>
+            </p:spPr>
+            <p:txBody>
+              <a:bodyPr wrap="none">
+                <a:spAutoFit/>
+              </a:bodyPr>
+              <a:lstStyle/>
+              <a:p>
+                <a14:m>
+                  <m:oMath xmlns:m="http://schemas.openxmlformats.org/officeDocument/2006/math">
+                    <m:r>
+                      <a:rPr lang="en-US" sz="2000" b="1" i="1" smtClean="0">
+                        <a:latin typeface="Cambria Math" panose="02040503050406030204" pitchFamily="18" charset="0"/>
+                      </a:rPr>
+                      <m:t>−</m:t>
+                    </m:r>
+                    <m:r>
+                      <a:rPr lang="en-US" sz="2000" b="1" i="1" smtClean="0">
+                        <a:latin typeface="Cambria Math" panose="02040503050406030204" pitchFamily="18" charset="0"/>
+                      </a:rPr>
+                      <m:t>𝑨</m:t>
+                    </m:r>
+                    <m:r>
+                      <a:rPr lang="en-US" sz="2000" b="1" i="1">
+                        <a:latin typeface="Cambria Math" panose="02040503050406030204" pitchFamily="18" charset="0"/>
+                      </a:rPr>
+                      <m:t>+</m:t>
+                    </m:r>
+                    <m:r>
+                      <a:rPr lang="en-US" sz="2000" b="1" i="1">
+                        <a:latin typeface="Cambria Math" panose="02040503050406030204" pitchFamily="18" charset="0"/>
+                      </a:rPr>
+                      <m:t>𝒃</m:t>
+                    </m:r>
+                    <m:sSub>
+                      <m:sSubPr>
+                        <m:ctrlPr>
+                          <a:rPr lang="en-US" sz="2000" b="1" i="1">
+                            <a:latin typeface="Cambria Math" panose="02040503050406030204" pitchFamily="18" charset="0"/>
+                          </a:rPr>
+                        </m:ctrlPr>
+                      </m:sSubPr>
+                      <m:e>
+                        <m:r>
+                          <a:rPr lang="en-US" sz="2000" b="1" i="1">
+                            <a:latin typeface="Cambria Math" panose="02040503050406030204" pitchFamily="18" charset="0"/>
+                          </a:rPr>
+                          <m:t>𝒌</m:t>
+                        </m:r>
+                      </m:e>
+                      <m:sub>
+                        <m:r>
+                          <a:rPr lang="en-US" sz="2000" b="1" i="1">
+                            <a:latin typeface="Cambria Math" panose="02040503050406030204" pitchFamily="18" charset="0"/>
+                          </a:rPr>
+                          <m:t>𝑷</m:t>
+                        </m:r>
+                      </m:sub>
+                    </m:sSub>
+                    <m:r>
+                      <a:rPr lang="en-US" sz="2000" b="0" i="1" smtClean="0">
+                        <a:latin typeface="Cambria Math" panose="02040503050406030204" pitchFamily="18" charset="0"/>
+                      </a:rPr>
+                      <m:t>=</m:t>
+                    </m:r>
+                    <m:d>
+                      <m:dPr>
+                        <m:begChr m:val="["/>
+                        <m:endChr m:val="]"/>
+                        <m:ctrlPr>
+                          <a:rPr lang="en-US" sz="2000" i="1">
+                            <a:latin typeface="Cambria Math" panose="02040503050406030204" pitchFamily="18" charset="0"/>
+                          </a:rPr>
+                        </m:ctrlPr>
+                      </m:dPr>
+                      <m:e>
+                        <m:m>
+                          <m:mPr>
+                            <m:mcs>
+                              <m:mc>
+                                <m:mcPr>
+                                  <m:count m:val="2"/>
+                                  <m:mcJc m:val="center"/>
+                                </m:mcPr>
+                              </m:mc>
+                            </m:mcs>
+                            <m:ctrlPr>
+                              <a:rPr lang="en-US" sz="2000" i="1">
+                                <a:latin typeface="Cambria Math" panose="02040503050406030204" pitchFamily="18" charset="0"/>
+                              </a:rPr>
+                            </m:ctrlPr>
+                          </m:mPr>
+                          <m:mr>
+                            <m:e>
+                              <m:sSub>
+                                <m:sSubPr>
+                                  <m:ctrlPr>
+                                    <a:rPr lang="en-US" sz="2000" i="1">
+                                      <a:latin typeface="Cambria Math" panose="02040503050406030204" pitchFamily="18" charset="0"/>
+                                    </a:rPr>
+                                  </m:ctrlPr>
+                                </m:sSubPr>
+                                <m:e>
+                                  <m:r>
+                                    <a:rPr lang="en-US" sz="2000" i="1">
+                                      <a:latin typeface="Cambria Math" panose="02040503050406030204" pitchFamily="18" charset="0"/>
+                                    </a:rPr>
+                                    <m:t>𝑘</m:t>
+                                  </m:r>
+                                </m:e>
+                                <m:sub>
+                                  <m:r>
+                                    <m:rPr>
+                                      <m:brk m:alnAt="7"/>
+                                    </m:rPr>
+                                    <a:rPr lang="en-US" sz="2000" i="1">
+                                      <a:latin typeface="Cambria Math" panose="02040503050406030204" pitchFamily="18" charset="0"/>
+                                    </a:rPr>
+                                    <m:t>1</m:t>
+                                  </m:r>
+                                </m:sub>
+                              </m:sSub>
+                            </m:e>
+                            <m:e>
+                              <m:r>
+                                <a:rPr lang="en-US" sz="2000" b="0" i="1" smtClean="0">
+                                  <a:latin typeface="Cambria Math" panose="02040503050406030204" pitchFamily="18" charset="0"/>
+                                </a:rPr>
+                                <m:t>−</m:t>
+                              </m:r>
+                              <m:sSub>
+                                <m:sSubPr>
+                                  <m:ctrlPr>
+                                    <a:rPr lang="en-US" sz="2000" i="1">
+                                      <a:latin typeface="Cambria Math" panose="02040503050406030204" pitchFamily="18" charset="0"/>
+                                    </a:rPr>
+                                  </m:ctrlPr>
+                                </m:sSubPr>
+                                <m:e>
+                                  <m:r>
+                                    <a:rPr lang="en-US" sz="2000" i="1">
+                                      <a:latin typeface="Cambria Math" panose="02040503050406030204" pitchFamily="18" charset="0"/>
+                                    </a:rPr>
+                                    <m:t>𝑘</m:t>
+                                  </m:r>
+                                </m:e>
+                                <m:sub>
+                                  <m:r>
+                                    <a:rPr lang="en-US" sz="2000" i="1">
+                                      <a:latin typeface="Cambria Math" panose="02040503050406030204" pitchFamily="18" charset="0"/>
+                                    </a:rPr>
+                                    <m:t>2</m:t>
+                                  </m:r>
+                                </m:sub>
+                              </m:sSub>
+                            </m:e>
+                          </m:mr>
+                          <m:mr>
+                            <m:e>
+                              <m:sSub>
+                                <m:sSubPr>
+                                  <m:ctrlPr>
+                                    <a:rPr lang="en-US" sz="2000" i="1">
+                                      <a:latin typeface="Cambria Math" panose="02040503050406030204" pitchFamily="18" charset="0"/>
+                                    </a:rPr>
+                                  </m:ctrlPr>
+                                </m:sSubPr>
+                                <m:e>
+                                  <m:r>
+                                    <a:rPr lang="en-US" sz="2000" b="0" i="1" smtClean="0">
+                                      <a:latin typeface="Cambria Math" panose="02040503050406030204" pitchFamily="18" charset="0"/>
+                                    </a:rPr>
+                                    <m:t>−</m:t>
+                                  </m:r>
+                                  <m:r>
+                                    <a:rPr lang="en-US" sz="2000" i="1">
+                                      <a:latin typeface="Cambria Math" panose="02040503050406030204" pitchFamily="18" charset="0"/>
+                                    </a:rPr>
+                                    <m:t>𝑘</m:t>
+                                  </m:r>
+                                </m:e>
+                                <m:sub>
+                                  <m:r>
+                                    <a:rPr lang="en-US" sz="2000" i="1">
+                                      <a:latin typeface="Cambria Math" panose="02040503050406030204" pitchFamily="18" charset="0"/>
+                                    </a:rPr>
+                                    <m:t>1</m:t>
+                                  </m:r>
+                                </m:sub>
+                              </m:sSub>
+                            </m:e>
+                            <m:e>
+                              <m:sSub>
+                                <m:sSubPr>
+                                  <m:ctrlPr>
+                                    <a:rPr lang="en-US" sz="2000" i="1">
+                                      <a:latin typeface="Cambria Math" panose="02040503050406030204" pitchFamily="18" charset="0"/>
+                                    </a:rPr>
+                                  </m:ctrlPr>
+                                </m:sSubPr>
+                                <m:e>
+                                  <m:r>
+                                    <a:rPr lang="en-US" sz="2000" i="1">
+                                      <a:latin typeface="Cambria Math" panose="02040503050406030204" pitchFamily="18" charset="0"/>
+                                    </a:rPr>
+                                    <m:t>𝑘</m:t>
+                                  </m:r>
+                                </m:e>
+                                <m:sub>
+                                  <m:r>
+                                    <a:rPr lang="en-US" sz="2000" i="1">
+                                      <a:latin typeface="Cambria Math" panose="02040503050406030204" pitchFamily="18" charset="0"/>
+                                    </a:rPr>
+                                    <m:t>2</m:t>
+                                  </m:r>
+                                </m:sub>
+                              </m:sSub>
+                              <m:r>
+                                <a:rPr lang="en-US" sz="2000" b="0" i="1" smtClean="0">
+                                  <a:latin typeface="Cambria Math" panose="02040503050406030204" pitchFamily="18" charset="0"/>
+                                </a:rPr>
+                                <m:t>+</m:t>
+                              </m:r>
+                              <m:sSub>
+                                <m:sSubPr>
+                                  <m:ctrlPr>
+                                    <a:rPr lang="en-US" sz="2000" i="1">
+                                      <a:latin typeface="Cambria Math" panose="02040503050406030204" pitchFamily="18" charset="0"/>
+                                    </a:rPr>
+                                  </m:ctrlPr>
+                                </m:sSubPr>
+                                <m:e>
+                                  <m:r>
+                                    <a:rPr lang="en-US" sz="2000" i="1">
+                                      <a:latin typeface="Cambria Math" panose="02040503050406030204" pitchFamily="18" charset="0"/>
+                                    </a:rPr>
+                                    <m:t>𝑘</m:t>
+                                  </m:r>
+                                </m:e>
+                                <m:sub>
+                                  <m:r>
+                                    <a:rPr lang="en-US" sz="2000" i="1">
+                                      <a:latin typeface="Cambria Math" panose="02040503050406030204" pitchFamily="18" charset="0"/>
+                                    </a:rPr>
+                                    <m:t>3</m:t>
+                                  </m:r>
+                                </m:sub>
+                              </m:sSub>
+                            </m:e>
+                          </m:mr>
+                        </m:m>
+                      </m:e>
+                    </m:d>
+                    <m:r>
+                      <a:rPr lang="en-US" sz="2000" b="0" i="1" smtClean="0">
+                        <a:latin typeface="Cambria Math" panose="02040503050406030204" pitchFamily="18" charset="0"/>
+                      </a:rPr>
+                      <m:t>+</m:t>
+                    </m:r>
+                  </m:oMath>
+                </a14:m>
+                <a:r>
+                  <a:rPr lang="en-US" sz="2000" dirty="0"/>
+                  <a:t> </a:t>
+                </a:r>
+                <a14:m>
+                  <m:oMath xmlns:m="http://schemas.openxmlformats.org/officeDocument/2006/math">
+                    <m:d>
+                      <m:dPr>
+                        <m:begChr m:val="["/>
+                        <m:endChr m:val="]"/>
+                        <m:ctrlPr>
+                          <a:rPr lang="en-US" sz="2000" i="1">
+                            <a:latin typeface="Cambria Math" panose="02040503050406030204" pitchFamily="18" charset="0"/>
+                          </a:rPr>
+                        </m:ctrlPr>
+                      </m:dPr>
+                      <m:e>
+                        <m:m>
+                          <m:mPr>
+                            <m:mcs>
+                              <m:mc>
+                                <m:mcPr>
+                                  <m:count m:val="1"/>
+                                  <m:mcJc m:val="center"/>
+                                </m:mcPr>
+                              </m:mc>
+                            </m:mcs>
+                            <m:ctrlPr>
+                              <a:rPr lang="en-US" sz="2000" i="1">
+                                <a:latin typeface="Cambria Math" panose="02040503050406030204" pitchFamily="18" charset="0"/>
+                              </a:rPr>
+                            </m:ctrlPr>
+                          </m:mPr>
+                          <m:mr>
+                            <m:e>
+                              <m:sSub>
+                                <m:sSubPr>
+                                  <m:ctrlPr>
+                                    <a:rPr lang="en-US" sz="2000" i="1">
+                                      <a:latin typeface="Cambria Math" panose="02040503050406030204" pitchFamily="18" charset="0"/>
+                                    </a:rPr>
+                                  </m:ctrlPr>
+                                </m:sSubPr>
+                                <m:e>
+                                  <m:r>
+                                    <m:rPr>
+                                      <m:brk m:alnAt="7"/>
+                                    </m:rPr>
+                                    <a:rPr lang="en-US" sz="2000" i="1">
+                                      <a:latin typeface="Cambria Math" panose="02040503050406030204" pitchFamily="18" charset="0"/>
+                                    </a:rPr>
+                                    <m:t>𝑘</m:t>
+                                  </m:r>
+                                </m:e>
+                                <m:sub>
+                                  <m:r>
+                                    <m:rPr>
+                                      <m:brk m:alnAt="7"/>
+                                    </m:rPr>
+                                    <a:rPr lang="en-US" sz="2000" i="1">
+                                      <a:latin typeface="Cambria Math" panose="02040503050406030204" pitchFamily="18" charset="0"/>
+                                    </a:rPr>
+                                    <m:t>0</m:t>
+                                  </m:r>
+                                </m:sub>
+                              </m:sSub>
+                            </m:e>
+                          </m:mr>
+                          <m:mr>
+                            <m:e>
+                              <m:r>
+                                <a:rPr lang="en-US" sz="2000" i="1">
+                                  <a:latin typeface="Cambria Math" panose="02040503050406030204" pitchFamily="18" charset="0"/>
+                                </a:rPr>
+                                <m:t>0</m:t>
+                              </m:r>
+                            </m:e>
+                          </m:mr>
+                        </m:m>
+                      </m:e>
+                    </m:d>
+                    <m:d>
+                      <m:dPr>
+                        <m:begChr m:val="["/>
+                        <m:endChr m:val="]"/>
+                        <m:ctrlPr>
+                          <a:rPr lang="en-US" sz="2000" i="1" smtClean="0">
+                            <a:latin typeface="Cambria Math" panose="02040503050406030204" pitchFamily="18" charset="0"/>
+                          </a:rPr>
+                        </m:ctrlPr>
+                      </m:dPr>
+                      <m:e>
+                        <m:m>
+                          <m:mPr>
+                            <m:mcs>
+                              <m:mc>
+                                <m:mcPr>
+                                  <m:count m:val="2"/>
+                                  <m:mcJc m:val="center"/>
+                                </m:mcPr>
+                              </m:mc>
+                            </m:mcs>
+                            <m:ctrlPr>
+                              <a:rPr lang="en-US" sz="2000" i="1" smtClean="0">
+                                <a:latin typeface="Cambria Math" panose="02040503050406030204" pitchFamily="18" charset="0"/>
+                              </a:rPr>
+                            </m:ctrlPr>
+                          </m:mPr>
+                          <m:mr>
+                            <m:e>
+                              <m:sSub>
+                                <m:sSubPr>
+                                  <m:ctrlPr>
+                                    <a:rPr lang="en-US" sz="2000" b="0" i="1" smtClean="0">
+                                      <a:latin typeface="Cambria Math" panose="02040503050406030204" pitchFamily="18" charset="0"/>
+                                    </a:rPr>
+                                  </m:ctrlPr>
+                                </m:sSubPr>
+                                <m:e>
+                                  <m:r>
+                                    <m:rPr>
+                                      <m:brk m:alnAt="7"/>
+                                    </m:rPr>
+                                    <a:rPr lang="en-US" sz="2000" b="0" i="1" smtClean="0">
+                                      <a:latin typeface="Cambria Math" panose="02040503050406030204" pitchFamily="18" charset="0"/>
+                                    </a:rPr>
+                                    <m:t>𝑘</m:t>
+                                  </m:r>
+                                </m:e>
+                                <m:sub>
+                                  <m:r>
+                                    <m:rPr>
+                                      <m:brk m:alnAt="7"/>
+                                    </m:rPr>
+                                    <a:rPr lang="en-US" sz="2000" b="0" i="1" smtClean="0">
+                                      <a:latin typeface="Cambria Math" panose="02040503050406030204" pitchFamily="18" charset="0"/>
+                                    </a:rPr>
+                                    <m:t>𝑝</m:t>
+                                  </m:r>
+                                  <m:r>
+                                    <a:rPr lang="en-US" sz="2000" b="0" i="1" smtClean="0">
+                                      <a:latin typeface="Cambria Math" panose="02040503050406030204" pitchFamily="18" charset="0"/>
+                                    </a:rPr>
+                                    <m:t>1</m:t>
+                                  </m:r>
+                                </m:sub>
+                              </m:sSub>
+                            </m:e>
+                            <m:e>
+                              <m:sSub>
+                                <m:sSubPr>
+                                  <m:ctrlPr>
+                                    <a:rPr lang="en-US" sz="2000" b="0" i="1" smtClean="0">
+                                      <a:latin typeface="Cambria Math" panose="02040503050406030204" pitchFamily="18" charset="0"/>
+                                    </a:rPr>
+                                  </m:ctrlPr>
+                                </m:sSubPr>
+                                <m:e>
+                                  <m:r>
+                                    <a:rPr lang="en-US" sz="2000" b="0" i="1" smtClean="0">
+                                      <a:latin typeface="Cambria Math" panose="02040503050406030204" pitchFamily="18" charset="0"/>
+                                    </a:rPr>
+                                    <m:t>𝑘</m:t>
+                                  </m:r>
+                                </m:e>
+                                <m:sub>
+                                  <m:r>
+                                    <a:rPr lang="en-US" sz="2000" b="0" i="1" smtClean="0">
+                                      <a:latin typeface="Cambria Math" panose="02040503050406030204" pitchFamily="18" charset="0"/>
+                                    </a:rPr>
+                                    <m:t>𝑝</m:t>
+                                  </m:r>
+                                  <m:r>
+                                    <a:rPr lang="en-US" sz="2000" b="0" i="1" smtClean="0">
+                                      <a:latin typeface="Cambria Math" panose="02040503050406030204" pitchFamily="18" charset="0"/>
+                                    </a:rPr>
+                                    <m:t>2</m:t>
+                                  </m:r>
+                                </m:sub>
+                              </m:sSub>
+                            </m:e>
+                          </m:mr>
+                        </m:m>
+                      </m:e>
+                    </m:d>
+                    <m:r>
+                      <a:rPr lang="en-US" sz="2000" b="0" i="1" smtClean="0">
+                        <a:latin typeface="Cambria Math" panose="02040503050406030204" pitchFamily="18" charset="0"/>
+                      </a:rPr>
+                      <m:t>+</m:t>
+                    </m:r>
+                    <m:d>
+                      <m:dPr>
+                        <m:begChr m:val="["/>
+                        <m:endChr m:val="]"/>
+                        <m:ctrlPr>
+                          <a:rPr lang="en-US" sz="2000" i="1">
+                            <a:latin typeface="Cambria Math" panose="02040503050406030204" pitchFamily="18" charset="0"/>
+                          </a:rPr>
+                        </m:ctrlPr>
+                      </m:dPr>
+                      <m:e>
+                        <m:m>
+                          <m:mPr>
+                            <m:mcs>
+                              <m:mc>
+                                <m:mcPr>
+                                  <m:count m:val="1"/>
+                                  <m:mcJc m:val="center"/>
+                                </m:mcPr>
+                              </m:mc>
+                            </m:mcs>
+                            <m:ctrlPr>
+                              <a:rPr lang="en-US" sz="2000" i="1">
+                                <a:latin typeface="Cambria Math" panose="02040503050406030204" pitchFamily="18" charset="0"/>
+                              </a:rPr>
+                            </m:ctrlPr>
+                          </m:mPr>
+                          <m:mr>
+                            <m:e>
+                              <m:sSub>
+                                <m:sSubPr>
+                                  <m:ctrlPr>
+                                    <a:rPr lang="en-US" sz="2000" i="1">
+                                      <a:latin typeface="Cambria Math" panose="02040503050406030204" pitchFamily="18" charset="0"/>
+                                    </a:rPr>
+                                  </m:ctrlPr>
+                                </m:sSubPr>
+                                <m:e>
+                                  <m:r>
+                                    <m:rPr>
+                                      <m:brk m:alnAt="7"/>
+                                    </m:rPr>
+                                    <a:rPr lang="en-US" sz="2000" i="1">
+                                      <a:latin typeface="Cambria Math" panose="02040503050406030204" pitchFamily="18" charset="0"/>
+                                    </a:rPr>
+                                    <m:t>𝑘</m:t>
+                                  </m:r>
+                                </m:e>
+                                <m:sub>
+                                  <m:r>
+                                    <m:rPr>
+                                      <m:brk m:alnAt="7"/>
+                                    </m:rPr>
+                                    <a:rPr lang="en-US" sz="2000" i="1">
+                                      <a:latin typeface="Cambria Math" panose="02040503050406030204" pitchFamily="18" charset="0"/>
+                                    </a:rPr>
+                                    <m:t>0</m:t>
+                                  </m:r>
+                                </m:sub>
+                              </m:sSub>
+                            </m:e>
+                          </m:mr>
+                          <m:mr>
+                            <m:e>
+                              <m:r>
+                                <a:rPr lang="en-US" sz="2000" i="1">
+                                  <a:latin typeface="Cambria Math" panose="02040503050406030204" pitchFamily="18" charset="0"/>
+                                </a:rPr>
+                                <m:t>0</m:t>
+                              </m:r>
+                            </m:e>
+                          </m:mr>
+                        </m:m>
+                      </m:e>
+                    </m:d>
+                    <m:r>
+                      <a:rPr lang="en-US" sz="2000" b="0" i="1" smtClean="0">
+                        <a:latin typeface="Cambria Math" panose="02040503050406030204" pitchFamily="18" charset="0"/>
+                      </a:rPr>
+                      <m:t>𝑟</m:t>
+                    </m:r>
+                  </m:oMath>
+                </a14:m>
+                <a:endParaRPr lang="en-US" sz="2000" dirty="0"/>
+              </a:p>
+            </p:txBody>
+          </p:sp>
+        </mc:Choice>
+        <mc:Fallback>
+          <p:sp>
+            <p:nvSpPr>
+              <p:cNvPr id="4" name="Rectangle 3">
+                <a:extLst>
+                  <a:ext uri="{FF2B5EF4-FFF2-40B4-BE49-F238E27FC236}">
+                    <a16:creationId xmlns:a16="http://schemas.microsoft.com/office/drawing/2014/main" id="{6CB0B482-3CA3-7444-ABAD-8DAD563A3C74}"/>
+                  </a:ext>
+                </a:extLst>
+              </p:cNvPr>
+              <p:cNvSpPr>
+                <a:spLocks noRot="1" noChangeAspect="1" noMove="1" noResize="1" noEditPoints="1" noAdjustHandles="1" noChangeArrowheads="1" noChangeShapeType="1" noTextEdit="1"/>
+              </p:cNvSpPr>
+              <p:nvPr/>
+            </p:nvSpPr>
+            <p:spPr>
+              <a:xfrm>
+                <a:off x="580780" y="995871"/>
+                <a:ext cx="6295506" cy="676083"/>
+              </a:xfrm>
+              <a:prstGeom prst="rect">
+                <a:avLst/>
+              </a:prstGeom>
+              <a:blipFill>
+                <a:blip r:embed="rId2"/>
+                <a:stretch>
+                  <a:fillRect b="-1852"/>
+                </a:stretch>
+              </a:blipFill>
+            </p:spPr>
+            <p:txBody>
+              <a:bodyPr/>
+              <a:lstStyle/>
+              <a:p>
+                <a:r>
+                  <a:rPr lang="en-US">
+                    <a:noFill/>
+                  </a:rPr>
+                  <a:t> </a:t>
+                </a:r>
+              </a:p>
+            </p:txBody>
+          </p:sp>
+        </mc:Fallback>
+      </mc:AlternateContent>
+      <mc:AlternateContent xmlns:mc="http://schemas.openxmlformats.org/markup-compatibility/2006">
+        <mc:Choice xmlns:a14="http://schemas.microsoft.com/office/drawing/2010/main" Requires="a14">
+          <p:sp>
+            <p:nvSpPr>
+              <p:cNvPr id="5" name="Rectangle 4">
+                <a:extLst>
+                  <a:ext uri="{FF2B5EF4-FFF2-40B4-BE49-F238E27FC236}">
+                    <a16:creationId xmlns:a16="http://schemas.microsoft.com/office/drawing/2014/main" id="{3BE6CAD8-73A7-9842-9F77-63B0D61CD3F1}"/>
+                  </a:ext>
+                </a:extLst>
+              </p:cNvPr>
+              <p:cNvSpPr/>
+              <p:nvPr/>
+            </p:nvSpPr>
+            <p:spPr>
+              <a:xfrm>
+                <a:off x="5760847" y="372230"/>
+                <a:ext cx="3244670" cy="400110"/>
+              </a:xfrm>
+              <a:prstGeom prst="rect">
+                <a:avLst/>
+              </a:prstGeom>
+            </p:spPr>
+            <p:txBody>
+              <a:bodyPr wrap="none">
+                <a:spAutoFit/>
+              </a:bodyPr>
+              <a:lstStyle/>
+              <a:p>
+                <a:pPr/>
+                <a14:m>
+                  <m:oMathPara xmlns:m="http://schemas.openxmlformats.org/officeDocument/2006/math">
+                    <m:oMathParaPr>
+                      <m:jc m:val="centerGroup"/>
+                    </m:oMathParaPr>
+                    <m:oMath xmlns:m="http://schemas.openxmlformats.org/officeDocument/2006/math">
+                      <m:sSub>
+                        <m:sSubPr>
+                          <m:ctrlPr>
+                            <a:rPr lang="en-US" sz="2000" b="0" i="1" smtClean="0">
+                              <a:latin typeface="Cambria Math" panose="02040503050406030204" pitchFamily="18" charset="0"/>
+                            </a:rPr>
+                          </m:ctrlPr>
+                        </m:sSubPr>
+                        <m:e>
+                          <m:r>
+                            <a:rPr lang="en-US" sz="2000" b="0" i="1" smtClean="0">
+                              <a:latin typeface="Cambria Math" panose="02040503050406030204" pitchFamily="18" charset="0"/>
+                            </a:rPr>
+                            <m:t>𝐻</m:t>
+                          </m:r>
+                        </m:e>
+                        <m:sub>
+                          <m:r>
+                            <a:rPr lang="en-US" sz="2000" b="0" i="1" smtClean="0">
+                              <a:latin typeface="Cambria Math" panose="02040503050406030204" pitchFamily="18" charset="0"/>
+                            </a:rPr>
+                            <m:t>𝑅𝑌</m:t>
+                          </m:r>
+                        </m:sub>
+                      </m:sSub>
+                      <m:r>
+                        <a:rPr lang="en-US" sz="2000" b="0" i="1" smtClean="0">
+                          <a:latin typeface="Cambria Math" panose="02040503050406030204" pitchFamily="18" charset="0"/>
+                        </a:rPr>
+                        <m:t>(0)=</m:t>
+                      </m:r>
+                      <m:sSup>
+                        <m:sSupPr>
+                          <m:ctrlPr>
+                            <a:rPr lang="en-US" sz="2000" i="1">
+                              <a:latin typeface="Cambria Math" panose="02040503050406030204" pitchFamily="18" charset="0"/>
+                            </a:rPr>
+                          </m:ctrlPr>
+                        </m:sSupPr>
+                        <m:e>
+                          <m:r>
+                            <a:rPr lang="en-US" sz="2000" b="1" i="1">
+                              <a:latin typeface="Cambria Math" panose="02040503050406030204" pitchFamily="18" charset="0"/>
+                            </a:rPr>
+                            <m:t>𝒄</m:t>
+                          </m:r>
+                          <m:d>
+                            <m:dPr>
+                              <m:ctrlPr>
+                                <a:rPr lang="en-US" sz="2000" i="1">
+                                  <a:latin typeface="Cambria Math" panose="02040503050406030204" pitchFamily="18" charset="0"/>
+                                </a:rPr>
+                              </m:ctrlPr>
+                            </m:dPr>
+                            <m:e>
+                              <m:r>
+                                <a:rPr lang="en-US" sz="2000" b="1" i="1">
+                                  <a:latin typeface="Cambria Math" panose="02040503050406030204" pitchFamily="18" charset="0"/>
+                                </a:rPr>
+                                <m:t>−</m:t>
+                              </m:r>
+                              <m:r>
+                                <a:rPr lang="en-US" sz="2000" b="1" i="1">
+                                  <a:latin typeface="Cambria Math" panose="02040503050406030204" pitchFamily="18" charset="0"/>
+                                </a:rPr>
+                                <m:t>𝑨</m:t>
+                              </m:r>
+                              <m:r>
+                                <a:rPr lang="en-US" sz="2000" b="1" i="1">
+                                  <a:latin typeface="Cambria Math" panose="02040503050406030204" pitchFamily="18" charset="0"/>
+                                </a:rPr>
+                                <m:t>+</m:t>
+                              </m:r>
+                              <m:r>
+                                <a:rPr lang="en-US" sz="2000" b="1" i="1">
+                                  <a:latin typeface="Cambria Math" panose="02040503050406030204" pitchFamily="18" charset="0"/>
+                                </a:rPr>
+                                <m:t>𝒃</m:t>
+                              </m:r>
+                              <m:sSub>
+                                <m:sSubPr>
+                                  <m:ctrlPr>
+                                    <a:rPr lang="en-US" sz="2000" b="1" i="1">
+                                      <a:latin typeface="Cambria Math" panose="02040503050406030204" pitchFamily="18" charset="0"/>
+                                    </a:rPr>
+                                  </m:ctrlPr>
+                                </m:sSubPr>
+                                <m:e>
+                                  <m:r>
+                                    <a:rPr lang="en-US" sz="2000" b="1" i="1">
+                                      <a:latin typeface="Cambria Math" panose="02040503050406030204" pitchFamily="18" charset="0"/>
+                                    </a:rPr>
+                                    <m:t>𝒌</m:t>
+                                  </m:r>
+                                </m:e>
+                                <m:sub>
+                                  <m:r>
+                                    <a:rPr lang="en-US" sz="2000" b="1" i="1">
+                                      <a:latin typeface="Cambria Math" panose="02040503050406030204" pitchFamily="18" charset="0"/>
+                                    </a:rPr>
+                                    <m:t>𝑷</m:t>
+                                  </m:r>
+                                </m:sub>
+                              </m:sSub>
+                            </m:e>
+                          </m:d>
+                        </m:e>
+                        <m:sup>
+                          <m:r>
+                            <a:rPr lang="en-US" sz="2000" i="1">
+                              <a:latin typeface="Cambria Math" panose="02040503050406030204" pitchFamily="18" charset="0"/>
+                            </a:rPr>
+                            <m:t>−1</m:t>
+                          </m:r>
+                        </m:sup>
+                      </m:sSup>
+                      <m:r>
+                        <a:rPr lang="en-US" sz="2000" b="1" i="1">
+                          <a:latin typeface="Cambria Math" panose="02040503050406030204" pitchFamily="18" charset="0"/>
+                        </a:rPr>
+                        <m:t>𝒃</m:t>
+                      </m:r>
+                    </m:oMath>
+                  </m:oMathPara>
+                </a14:m>
+                <a:endParaRPr lang="en-US" sz="2000" i="1" dirty="0"/>
+              </a:p>
+            </p:txBody>
+          </p:sp>
+        </mc:Choice>
+        <mc:Fallback>
+          <p:sp>
+            <p:nvSpPr>
+              <p:cNvPr id="5" name="Rectangle 4">
+                <a:extLst>
+                  <a:ext uri="{FF2B5EF4-FFF2-40B4-BE49-F238E27FC236}">
+                    <a16:creationId xmlns:a16="http://schemas.microsoft.com/office/drawing/2014/main" id="{3BE6CAD8-73A7-9842-9F77-63B0D61CD3F1}"/>
+                  </a:ext>
+                </a:extLst>
+              </p:cNvPr>
+              <p:cNvSpPr>
+                <a:spLocks noRot="1" noChangeAspect="1" noMove="1" noResize="1" noEditPoints="1" noAdjustHandles="1" noChangeArrowheads="1" noChangeShapeType="1" noTextEdit="1"/>
+              </p:cNvSpPr>
+              <p:nvPr/>
+            </p:nvSpPr>
+            <p:spPr>
+              <a:xfrm>
+                <a:off x="5760847" y="372230"/>
+                <a:ext cx="3244670" cy="400110"/>
+              </a:xfrm>
+              <a:prstGeom prst="rect">
+                <a:avLst/>
+              </a:prstGeom>
+              <a:blipFill>
+                <a:blip r:embed="rId3"/>
+                <a:stretch>
+                  <a:fillRect b="-15625"/>
+                </a:stretch>
+              </a:blipFill>
+            </p:spPr>
+            <p:txBody>
+              <a:bodyPr/>
+              <a:lstStyle/>
+              <a:p>
+                <a:r>
+                  <a:rPr lang="en-US">
+                    <a:noFill/>
+                  </a:rPr>
+                  <a:t> </a:t>
+                </a:r>
+              </a:p>
+            </p:txBody>
+          </p:sp>
+        </mc:Fallback>
+      </mc:AlternateContent>
+      <mc:AlternateContent xmlns:mc="http://schemas.openxmlformats.org/markup-compatibility/2006">
+        <mc:Choice xmlns:a14="http://schemas.microsoft.com/office/drawing/2010/main" Requires="a14">
+          <p:sp>
+            <p:nvSpPr>
+              <p:cNvPr id="6" name="TextBox 5">
+                <a:extLst>
+                  <a:ext uri="{FF2B5EF4-FFF2-40B4-BE49-F238E27FC236}">
+                    <a16:creationId xmlns:a16="http://schemas.microsoft.com/office/drawing/2014/main" id="{F389DC4E-5241-134A-85F3-16902EBB620B}"/>
+                  </a:ext>
+                </a:extLst>
+              </p:cNvPr>
+              <p:cNvSpPr txBox="1"/>
+              <p:nvPr/>
+            </p:nvSpPr>
+            <p:spPr>
+              <a:xfrm>
+                <a:off x="710213" y="1895485"/>
+                <a:ext cx="1056187" cy="307777"/>
+              </a:xfrm>
+              <a:prstGeom prst="rect">
+                <a:avLst/>
+              </a:prstGeom>
+              <a:noFill/>
+            </p:spPr>
+            <p:txBody>
+              <a:bodyPr wrap="none" lIns="0" tIns="0" rIns="0" bIns="0" rtlCol="0">
+                <a:spAutoFit/>
+              </a:bodyPr>
+              <a:lstStyle/>
+              <a:p>
+                <a14:m>
+                  <m:oMathPara xmlns:m="http://schemas.openxmlformats.org/officeDocument/2006/math">
+                    <m:oMathParaPr>
+                      <m:jc m:val="centerGroup"/>
+                    </m:oMathParaPr>
+                    <m:oMath xmlns:m="http://schemas.openxmlformats.org/officeDocument/2006/math">
+                      <m:r>
+                        <a:rPr lang="en-US" sz="2000" b="1" i="1" smtClean="0">
+                          <a:latin typeface="Cambria Math" panose="02040503050406030204" pitchFamily="18" charset="0"/>
+                        </a:rPr>
+                        <m:t>𝒄</m:t>
+                      </m:r>
+                      <m:r>
+                        <a:rPr lang="en-US" sz="2000" b="0" i="1" smtClean="0">
+                          <a:latin typeface="Cambria Math" panose="02040503050406030204" pitchFamily="18" charset="0"/>
+                        </a:rPr>
+                        <m:t>=[0 1]</m:t>
+                      </m:r>
+                    </m:oMath>
+                  </m:oMathPara>
+                </a14:m>
+                <a:endParaRPr lang="en-US" sz="2000" dirty="0"/>
+              </a:p>
+            </p:txBody>
+          </p:sp>
+        </mc:Choice>
+        <mc:Fallback>
+          <p:sp>
+            <p:nvSpPr>
+              <p:cNvPr id="6" name="TextBox 5">
+                <a:extLst>
+                  <a:ext uri="{FF2B5EF4-FFF2-40B4-BE49-F238E27FC236}">
+                    <a16:creationId xmlns:a16="http://schemas.microsoft.com/office/drawing/2014/main" id="{F389DC4E-5241-134A-85F3-16902EBB620B}"/>
+                  </a:ext>
+                </a:extLst>
+              </p:cNvPr>
+              <p:cNvSpPr txBox="1">
+                <a:spLocks noRot="1" noChangeAspect="1" noMove="1" noResize="1" noEditPoints="1" noAdjustHandles="1" noChangeArrowheads="1" noChangeShapeType="1" noTextEdit="1"/>
+              </p:cNvSpPr>
+              <p:nvPr/>
+            </p:nvSpPr>
+            <p:spPr>
+              <a:xfrm>
+                <a:off x="710213" y="1895485"/>
+                <a:ext cx="1056187" cy="307777"/>
+              </a:xfrm>
+              <a:prstGeom prst="rect">
+                <a:avLst/>
+              </a:prstGeom>
+              <a:blipFill>
+                <a:blip r:embed="rId4"/>
+                <a:stretch>
+                  <a:fillRect l="-3571" t="-8000" r="-5952" b="-36000"/>
+                </a:stretch>
+              </a:blipFill>
+            </p:spPr>
+            <p:txBody>
+              <a:bodyPr/>
+              <a:lstStyle/>
+              <a:p>
+                <a:r>
+                  <a:rPr lang="en-US">
+                    <a:noFill/>
+                  </a:rPr>
+                  <a:t> </a:t>
+                </a:r>
+              </a:p>
+            </p:txBody>
+          </p:sp>
+        </mc:Fallback>
+      </mc:AlternateContent>
+      <mc:AlternateContent xmlns:mc="http://schemas.openxmlformats.org/markup-compatibility/2006">
+        <mc:Choice xmlns:a14="http://schemas.microsoft.com/office/drawing/2010/main" Requires="a14">
+          <p:sp>
+            <p:nvSpPr>
+              <p:cNvPr id="7" name="Rectangle 6">
+                <a:extLst>
+                  <a:ext uri="{FF2B5EF4-FFF2-40B4-BE49-F238E27FC236}">
+                    <a16:creationId xmlns:a16="http://schemas.microsoft.com/office/drawing/2014/main" id="{A08DA9BE-DAE5-894A-AEE6-4E445781E4D6}"/>
+                  </a:ext>
+                </a:extLst>
+              </p:cNvPr>
+              <p:cNvSpPr/>
+              <p:nvPr/>
+            </p:nvSpPr>
+            <p:spPr>
+              <a:xfrm>
+                <a:off x="580780" y="2815069"/>
+                <a:ext cx="6221960" cy="771814"/>
+              </a:xfrm>
+              <a:prstGeom prst="rect">
+                <a:avLst/>
+              </a:prstGeom>
+            </p:spPr>
+            <p:txBody>
+              <a:bodyPr wrap="none">
+                <a:spAutoFit/>
+              </a:bodyPr>
+              <a:lstStyle/>
+              <a:p>
+                <a:pPr/>
+                <a14:m>
+                  <m:oMathPara xmlns:m="http://schemas.openxmlformats.org/officeDocument/2006/math">
+                    <m:oMathParaPr>
+                      <m:jc m:val="centerGroup"/>
+                    </m:oMathParaPr>
+                    <m:oMath xmlns:m="http://schemas.openxmlformats.org/officeDocument/2006/math">
+                      <m:sSub>
+                        <m:sSubPr>
+                          <m:ctrlPr>
+                            <a:rPr lang="en-US" sz="2000" b="0" i="1" smtClean="0">
+                              <a:latin typeface="Cambria Math" panose="02040503050406030204" pitchFamily="18" charset="0"/>
+                            </a:rPr>
+                          </m:ctrlPr>
+                        </m:sSubPr>
+                        <m:e>
+                          <m:r>
+                            <a:rPr lang="en-US" sz="2000" b="0" i="1" smtClean="0">
+                              <a:latin typeface="Cambria Math" panose="02040503050406030204" pitchFamily="18" charset="0"/>
+                            </a:rPr>
+                            <m:t>𝐻</m:t>
+                          </m:r>
+                        </m:e>
+                        <m:sub>
+                          <m:r>
+                            <a:rPr lang="en-US" sz="2000" b="0" i="1" smtClean="0">
+                              <a:latin typeface="Cambria Math" panose="02040503050406030204" pitchFamily="18" charset="0"/>
+                            </a:rPr>
+                            <m:t>𝑅𝑌</m:t>
+                          </m:r>
+                        </m:sub>
+                      </m:sSub>
+                      <m:d>
+                        <m:dPr>
+                          <m:ctrlPr>
+                            <a:rPr lang="en-US" sz="2000" b="0" i="1" smtClean="0">
+                              <a:latin typeface="Cambria Math" panose="02040503050406030204" pitchFamily="18" charset="0"/>
+                            </a:rPr>
+                          </m:ctrlPr>
+                        </m:dPr>
+                        <m:e>
+                          <m:r>
+                            <a:rPr lang="en-US" sz="2000" b="0" i="1" smtClean="0">
+                              <a:latin typeface="Cambria Math" panose="02040503050406030204" pitchFamily="18" charset="0"/>
+                            </a:rPr>
+                            <m:t>0</m:t>
+                          </m:r>
+                        </m:e>
+                      </m:d>
+                      <m:r>
+                        <a:rPr lang="en-US" sz="2000" b="0" i="1" smtClean="0">
+                          <a:latin typeface="Cambria Math" panose="02040503050406030204" pitchFamily="18" charset="0"/>
+                        </a:rPr>
+                        <m:t>=</m:t>
+                      </m:r>
+                      <m:sSup>
+                        <m:sSupPr>
+                          <m:ctrlPr>
+                            <a:rPr lang="en-US" sz="2000" i="1">
+                              <a:latin typeface="Cambria Math" panose="02040503050406030204" pitchFamily="18" charset="0"/>
+                            </a:rPr>
+                          </m:ctrlPr>
+                        </m:sSupPr>
+                        <m:e>
+                          <m:d>
+                            <m:dPr>
+                              <m:begChr m:val="["/>
+                              <m:endChr m:val="]"/>
+                              <m:ctrlPr>
+                                <a:rPr lang="en-US" sz="2000" b="0" i="1" smtClean="0">
+                                  <a:latin typeface="Cambria Math" panose="02040503050406030204" pitchFamily="18" charset="0"/>
+                                </a:rPr>
+                              </m:ctrlPr>
+                            </m:dPr>
+                            <m:e>
+                              <m:r>
+                                <a:rPr lang="en-US" sz="2000" b="0" i="1" smtClean="0">
+                                  <a:latin typeface="Cambria Math" panose="02040503050406030204" pitchFamily="18" charset="0"/>
+                                </a:rPr>
+                                <m:t>0 1</m:t>
+                              </m:r>
+                            </m:e>
+                          </m:d>
+                          <m:d>
+                            <m:dPr>
+                              <m:ctrlPr>
+                                <a:rPr lang="en-US" sz="2000" i="1">
+                                  <a:latin typeface="Cambria Math" panose="02040503050406030204" pitchFamily="18" charset="0"/>
+                                </a:rPr>
+                              </m:ctrlPr>
+                            </m:dPr>
+                            <m:e>
+                              <m:d>
+                                <m:dPr>
+                                  <m:begChr m:val="["/>
+                                  <m:endChr m:val="]"/>
+                                  <m:ctrlPr>
+                                    <a:rPr lang="en-US" sz="2000" i="1">
+                                      <a:latin typeface="Cambria Math" panose="02040503050406030204" pitchFamily="18" charset="0"/>
+                                    </a:rPr>
+                                  </m:ctrlPr>
+                                </m:dPr>
+                                <m:e>
+                                  <m:m>
+                                    <m:mPr>
+                                      <m:mcs>
+                                        <m:mc>
+                                          <m:mcPr>
+                                            <m:count m:val="2"/>
+                                            <m:mcJc m:val="center"/>
+                                          </m:mcPr>
+                                        </m:mc>
+                                      </m:mcs>
+                                      <m:ctrlPr>
+                                        <a:rPr lang="en-US" sz="2000" i="1">
+                                          <a:latin typeface="Cambria Math" panose="02040503050406030204" pitchFamily="18" charset="0"/>
+                                        </a:rPr>
+                                      </m:ctrlPr>
+                                    </m:mPr>
+                                    <m:mr>
+                                      <m:e>
+                                        <m:sSub>
+                                          <m:sSubPr>
+                                            <m:ctrlPr>
+                                              <a:rPr lang="en-US" sz="2000" i="1">
+                                                <a:latin typeface="Cambria Math" panose="02040503050406030204" pitchFamily="18" charset="0"/>
+                                              </a:rPr>
+                                            </m:ctrlPr>
+                                          </m:sSubPr>
+                                          <m:e>
+                                            <m:r>
+                                              <a:rPr lang="en-US" sz="2000" i="1">
+                                                <a:latin typeface="Cambria Math" panose="02040503050406030204" pitchFamily="18" charset="0"/>
+                                              </a:rPr>
+                                              <m:t>𝑘</m:t>
+                                            </m:r>
+                                          </m:e>
+                                          <m:sub>
+                                            <m:r>
+                                              <m:rPr>
+                                                <m:brk m:alnAt="7"/>
+                                              </m:rPr>
+                                              <a:rPr lang="en-US" sz="2000" i="1">
+                                                <a:latin typeface="Cambria Math" panose="02040503050406030204" pitchFamily="18" charset="0"/>
+                                              </a:rPr>
+                                              <m:t>1</m:t>
+                                            </m:r>
+                                          </m:sub>
+                                        </m:sSub>
+                                        <m:r>
+                                          <a:rPr lang="en-US" sz="2000" b="0" i="1" smtClean="0">
+                                            <a:latin typeface="Cambria Math" panose="02040503050406030204" pitchFamily="18" charset="0"/>
+                                          </a:rPr>
+                                          <m:t>+</m:t>
+                                        </m:r>
+                                        <m:sSub>
+                                          <m:sSubPr>
+                                            <m:ctrlPr>
+                                              <a:rPr lang="en-US" sz="2000" i="1">
+                                                <a:latin typeface="Cambria Math" panose="02040503050406030204" pitchFamily="18" charset="0"/>
+                                              </a:rPr>
+                                            </m:ctrlPr>
+                                          </m:sSubPr>
+                                          <m:e>
+                                            <m:r>
+                                              <a:rPr lang="en-US" sz="2000" i="1">
+                                                <a:latin typeface="Cambria Math" panose="02040503050406030204" pitchFamily="18" charset="0"/>
+                                              </a:rPr>
+                                              <m:t>𝑘</m:t>
+                                            </m:r>
+                                          </m:e>
+                                          <m:sub>
+                                            <m:r>
+                                              <a:rPr lang="en-US" sz="2000" i="1">
+                                                <a:latin typeface="Cambria Math" panose="02040503050406030204" pitchFamily="18" charset="0"/>
+                                              </a:rPr>
+                                              <m:t>𝑝</m:t>
+                                            </m:r>
+                                            <m:r>
+                                              <a:rPr lang="en-US" sz="2000" i="1">
+                                                <a:latin typeface="Cambria Math" panose="02040503050406030204" pitchFamily="18" charset="0"/>
+                                              </a:rPr>
+                                              <m:t>1</m:t>
+                                            </m:r>
+                                          </m:sub>
+                                        </m:sSub>
+                                        <m:sSub>
+                                          <m:sSubPr>
+                                            <m:ctrlPr>
+                                              <a:rPr lang="en-US" sz="2000" i="1">
+                                                <a:latin typeface="Cambria Math" panose="02040503050406030204" pitchFamily="18" charset="0"/>
+                                              </a:rPr>
+                                            </m:ctrlPr>
+                                          </m:sSubPr>
+                                          <m:e>
+                                            <m:r>
+                                              <a:rPr lang="en-US" sz="2000" i="1">
+                                                <a:latin typeface="Cambria Math" panose="02040503050406030204" pitchFamily="18" charset="0"/>
+                                              </a:rPr>
+                                              <m:t>𝑘</m:t>
+                                            </m:r>
+                                          </m:e>
+                                          <m:sub>
+                                            <m:r>
+                                              <a:rPr lang="en-US" sz="2000" i="1">
+                                                <a:latin typeface="Cambria Math" panose="02040503050406030204" pitchFamily="18" charset="0"/>
+                                              </a:rPr>
+                                              <m:t>0</m:t>
+                                            </m:r>
+                                          </m:sub>
+                                        </m:sSub>
+                                      </m:e>
+                                      <m:e>
+                                        <m:sSub>
+                                          <m:sSubPr>
+                                            <m:ctrlPr>
+                                              <a:rPr lang="en-US" sz="2000" i="1">
+                                                <a:latin typeface="Cambria Math" panose="02040503050406030204" pitchFamily="18" charset="0"/>
+                                              </a:rPr>
+                                            </m:ctrlPr>
+                                          </m:sSubPr>
+                                          <m:e>
+                                            <m:r>
+                                              <a:rPr lang="en-US" sz="2000" b="0" i="1" smtClean="0">
+                                                <a:latin typeface="Cambria Math" panose="02040503050406030204" pitchFamily="18" charset="0"/>
+                                              </a:rPr>
+                                              <m:t>−</m:t>
+                                            </m:r>
+                                            <m:r>
+                                              <a:rPr lang="en-US" sz="2000" i="1">
+                                                <a:latin typeface="Cambria Math" panose="02040503050406030204" pitchFamily="18" charset="0"/>
+                                              </a:rPr>
+                                              <m:t>𝑘</m:t>
+                                            </m:r>
+                                          </m:e>
+                                          <m:sub>
+                                            <m:r>
+                                              <a:rPr lang="en-US" sz="2000" i="1">
+                                                <a:latin typeface="Cambria Math" panose="02040503050406030204" pitchFamily="18" charset="0"/>
+                                              </a:rPr>
+                                              <m:t>2</m:t>
+                                            </m:r>
+                                          </m:sub>
+                                        </m:sSub>
+                                        <m:r>
+                                          <a:rPr lang="en-US" sz="2000" b="0" i="1" smtClean="0">
+                                            <a:latin typeface="Cambria Math" panose="02040503050406030204" pitchFamily="18" charset="0"/>
+                                          </a:rPr>
+                                          <m:t>+</m:t>
+                                        </m:r>
+                                        <m:sSub>
+                                          <m:sSubPr>
+                                            <m:ctrlPr>
+                                              <a:rPr lang="en-US" sz="2000" i="1">
+                                                <a:latin typeface="Cambria Math" panose="02040503050406030204" pitchFamily="18" charset="0"/>
+                                              </a:rPr>
+                                            </m:ctrlPr>
+                                          </m:sSubPr>
+                                          <m:e>
+                                            <m:r>
+                                              <a:rPr lang="en-US" sz="2000" i="1">
+                                                <a:latin typeface="Cambria Math" panose="02040503050406030204" pitchFamily="18" charset="0"/>
+                                              </a:rPr>
+                                              <m:t>𝑘</m:t>
+                                            </m:r>
+                                          </m:e>
+                                          <m:sub>
+                                            <m:r>
+                                              <a:rPr lang="en-US" sz="2000" i="1">
+                                                <a:latin typeface="Cambria Math" panose="02040503050406030204" pitchFamily="18" charset="0"/>
+                                              </a:rPr>
+                                              <m:t>𝑝</m:t>
+                                            </m:r>
+                                            <m:r>
+                                              <a:rPr lang="en-US" sz="2000" i="1">
+                                                <a:latin typeface="Cambria Math" panose="02040503050406030204" pitchFamily="18" charset="0"/>
+                                              </a:rPr>
+                                              <m:t>2</m:t>
+                                            </m:r>
+                                          </m:sub>
+                                        </m:sSub>
+                                        <m:sSub>
+                                          <m:sSubPr>
+                                            <m:ctrlPr>
+                                              <a:rPr lang="en-US" sz="2000" i="1">
+                                                <a:latin typeface="Cambria Math" panose="02040503050406030204" pitchFamily="18" charset="0"/>
+                                              </a:rPr>
+                                            </m:ctrlPr>
+                                          </m:sSubPr>
+                                          <m:e>
+                                            <m:r>
+                                              <a:rPr lang="en-US" sz="2000" i="1">
+                                                <a:latin typeface="Cambria Math" panose="02040503050406030204" pitchFamily="18" charset="0"/>
+                                              </a:rPr>
+                                              <m:t>𝑘</m:t>
+                                            </m:r>
+                                          </m:e>
+                                          <m:sub>
+                                            <m:r>
+                                              <a:rPr lang="en-US" sz="2000" i="1">
+                                                <a:latin typeface="Cambria Math" panose="02040503050406030204" pitchFamily="18" charset="0"/>
+                                              </a:rPr>
+                                              <m:t>0</m:t>
+                                            </m:r>
+                                          </m:sub>
+                                        </m:sSub>
+                                      </m:e>
+                                    </m:mr>
+                                    <m:mr>
+                                      <m:e>
+                                        <m:r>
+                                          <a:rPr lang="en-US" sz="2000" b="0" i="1" smtClean="0">
+                                            <a:latin typeface="Cambria Math" panose="02040503050406030204" pitchFamily="18" charset="0"/>
+                                          </a:rPr>
+                                          <m:t>−</m:t>
+                                        </m:r>
+                                        <m:sSub>
+                                          <m:sSubPr>
+                                            <m:ctrlPr>
+                                              <a:rPr lang="en-US" sz="2000" i="1">
+                                                <a:latin typeface="Cambria Math" panose="02040503050406030204" pitchFamily="18" charset="0"/>
+                                              </a:rPr>
+                                            </m:ctrlPr>
+                                          </m:sSubPr>
+                                          <m:e>
+                                            <m:r>
+                                              <a:rPr lang="en-US" sz="2000" i="1">
+                                                <a:latin typeface="Cambria Math" panose="02040503050406030204" pitchFamily="18" charset="0"/>
+                                              </a:rPr>
+                                              <m:t>𝑘</m:t>
+                                            </m:r>
+                                          </m:e>
+                                          <m:sub>
+                                            <m:r>
+                                              <a:rPr lang="en-US" sz="2000" i="1">
+                                                <a:latin typeface="Cambria Math" panose="02040503050406030204" pitchFamily="18" charset="0"/>
+                                              </a:rPr>
+                                              <m:t>1</m:t>
+                                            </m:r>
+                                          </m:sub>
+                                        </m:sSub>
+                                      </m:e>
+                                      <m:e>
+                                        <m:sSub>
+                                          <m:sSubPr>
+                                            <m:ctrlPr>
+                                              <a:rPr lang="en-US" sz="2000" i="1">
+                                                <a:latin typeface="Cambria Math" panose="02040503050406030204" pitchFamily="18" charset="0"/>
+                                              </a:rPr>
+                                            </m:ctrlPr>
+                                          </m:sSubPr>
+                                          <m:e>
+                                            <m:r>
+                                              <a:rPr lang="en-US" sz="2000" i="1">
+                                                <a:latin typeface="Cambria Math" panose="02040503050406030204" pitchFamily="18" charset="0"/>
+                                              </a:rPr>
+                                              <m:t>𝑘</m:t>
+                                            </m:r>
+                                          </m:e>
+                                          <m:sub>
+                                            <m:r>
+                                              <a:rPr lang="en-US" sz="2000" i="1">
+                                                <a:latin typeface="Cambria Math" panose="02040503050406030204" pitchFamily="18" charset="0"/>
+                                              </a:rPr>
+                                              <m:t>2</m:t>
+                                            </m:r>
+                                          </m:sub>
+                                        </m:sSub>
+                                        <m:r>
+                                          <a:rPr lang="en-US" sz="2000" b="0" i="1" smtClean="0">
+                                            <a:latin typeface="Cambria Math" panose="02040503050406030204" pitchFamily="18" charset="0"/>
+                                          </a:rPr>
+                                          <m:t>+</m:t>
+                                        </m:r>
+                                        <m:sSub>
+                                          <m:sSubPr>
+                                            <m:ctrlPr>
+                                              <a:rPr lang="en-US" sz="2000" i="1">
+                                                <a:latin typeface="Cambria Math" panose="02040503050406030204" pitchFamily="18" charset="0"/>
+                                              </a:rPr>
+                                            </m:ctrlPr>
+                                          </m:sSubPr>
+                                          <m:e>
+                                            <m:r>
+                                              <a:rPr lang="en-US" sz="2000" i="1">
+                                                <a:latin typeface="Cambria Math" panose="02040503050406030204" pitchFamily="18" charset="0"/>
+                                              </a:rPr>
+                                              <m:t>𝑘</m:t>
+                                            </m:r>
+                                          </m:e>
+                                          <m:sub>
+                                            <m:r>
+                                              <a:rPr lang="en-US" sz="2000" i="1">
+                                                <a:latin typeface="Cambria Math" panose="02040503050406030204" pitchFamily="18" charset="0"/>
+                                              </a:rPr>
+                                              <m:t>3</m:t>
+                                            </m:r>
+                                          </m:sub>
+                                        </m:sSub>
+                                      </m:e>
+                                    </m:mr>
+                                  </m:m>
+                                </m:e>
+                              </m:d>
+                            </m:e>
+                          </m:d>
+                        </m:e>
+                        <m:sup>
+                          <m:r>
+                            <a:rPr lang="en-US" sz="2000" i="1">
+                              <a:latin typeface="Cambria Math" panose="02040503050406030204" pitchFamily="18" charset="0"/>
+                            </a:rPr>
+                            <m:t>−1</m:t>
+                          </m:r>
+                        </m:sup>
+                      </m:sSup>
+                      <m:d>
+                        <m:dPr>
+                          <m:begChr m:val="["/>
+                          <m:endChr m:val="]"/>
+                          <m:ctrlPr>
+                            <a:rPr lang="en-US" sz="2000" i="1">
+                              <a:latin typeface="Cambria Math" panose="02040503050406030204" pitchFamily="18" charset="0"/>
+                            </a:rPr>
+                          </m:ctrlPr>
+                        </m:dPr>
+                        <m:e>
+                          <m:m>
+                            <m:mPr>
+                              <m:mcs>
+                                <m:mc>
+                                  <m:mcPr>
+                                    <m:count m:val="1"/>
+                                    <m:mcJc m:val="center"/>
+                                  </m:mcPr>
+                                </m:mc>
+                              </m:mcs>
+                              <m:ctrlPr>
+                                <a:rPr lang="en-US" sz="2000" i="1">
+                                  <a:latin typeface="Cambria Math" panose="02040503050406030204" pitchFamily="18" charset="0"/>
+                                </a:rPr>
+                              </m:ctrlPr>
+                            </m:mPr>
+                            <m:mr>
+                              <m:e>
+                                <m:sSub>
+                                  <m:sSubPr>
+                                    <m:ctrlPr>
+                                      <a:rPr lang="en-US" sz="2000" i="1">
+                                        <a:latin typeface="Cambria Math" panose="02040503050406030204" pitchFamily="18" charset="0"/>
+                                      </a:rPr>
+                                    </m:ctrlPr>
+                                  </m:sSubPr>
+                                  <m:e>
+                                    <m:r>
+                                      <m:rPr>
+                                        <m:brk m:alnAt="7"/>
+                                      </m:rPr>
+                                      <a:rPr lang="en-US" sz="2000" i="1">
+                                        <a:latin typeface="Cambria Math" panose="02040503050406030204" pitchFamily="18" charset="0"/>
+                                      </a:rPr>
+                                      <m:t>𝑘</m:t>
+                                    </m:r>
+                                  </m:e>
+                                  <m:sub>
+                                    <m:r>
+                                      <m:rPr>
+                                        <m:brk m:alnAt="7"/>
+                                      </m:rPr>
+                                      <a:rPr lang="en-US" sz="2000" i="1">
+                                        <a:latin typeface="Cambria Math" panose="02040503050406030204" pitchFamily="18" charset="0"/>
+                                      </a:rPr>
+                                      <m:t>0</m:t>
+                                    </m:r>
+                                  </m:sub>
+                                </m:sSub>
+                              </m:e>
+                            </m:mr>
+                            <m:mr>
+                              <m:e>
+                                <m:r>
+                                  <a:rPr lang="en-US" sz="2000" i="1">
+                                    <a:latin typeface="Cambria Math" panose="02040503050406030204" pitchFamily="18" charset="0"/>
+                                  </a:rPr>
+                                  <m:t>0</m:t>
+                                </m:r>
+                              </m:e>
+                            </m:mr>
+                          </m:m>
+                        </m:e>
+                      </m:d>
+                      <m:r>
+                        <a:rPr lang="en-US" sz="2000" b="0" i="1" smtClean="0">
+                          <a:latin typeface="Cambria Math" panose="02040503050406030204" pitchFamily="18" charset="0"/>
+                        </a:rPr>
+                        <m:t>𝑟</m:t>
+                      </m:r>
+                    </m:oMath>
+                  </m:oMathPara>
+                </a14:m>
+                <a:endParaRPr lang="en-US" sz="2000" i="1" dirty="0"/>
+              </a:p>
+            </p:txBody>
+          </p:sp>
+        </mc:Choice>
+        <mc:Fallback>
+          <p:sp>
+            <p:nvSpPr>
+              <p:cNvPr id="7" name="Rectangle 6">
+                <a:extLst>
+                  <a:ext uri="{FF2B5EF4-FFF2-40B4-BE49-F238E27FC236}">
+                    <a16:creationId xmlns:a16="http://schemas.microsoft.com/office/drawing/2014/main" id="{A08DA9BE-DAE5-894A-AEE6-4E445781E4D6}"/>
+                  </a:ext>
+                </a:extLst>
+              </p:cNvPr>
+              <p:cNvSpPr>
+                <a:spLocks noRot="1" noChangeAspect="1" noMove="1" noResize="1" noEditPoints="1" noAdjustHandles="1" noChangeArrowheads="1" noChangeShapeType="1" noTextEdit="1"/>
+              </p:cNvSpPr>
+              <p:nvPr/>
+            </p:nvSpPr>
+            <p:spPr>
+              <a:xfrm>
+                <a:off x="580780" y="2815069"/>
+                <a:ext cx="6221960" cy="771814"/>
+              </a:xfrm>
+              <a:prstGeom prst="rect">
+                <a:avLst/>
+              </a:prstGeom>
+              <a:blipFill>
+                <a:blip r:embed="rId5"/>
+                <a:stretch>
+                  <a:fillRect/>
+                </a:stretch>
+              </a:blipFill>
+            </p:spPr>
+            <p:txBody>
+              <a:bodyPr/>
+              <a:lstStyle/>
+              <a:p>
+                <a:r>
+                  <a:rPr lang="en-US">
+                    <a:noFill/>
+                  </a:rPr>
+                  <a:t> </a:t>
+                </a:r>
+              </a:p>
+            </p:txBody>
+          </p:sp>
+        </mc:Fallback>
+      </mc:AlternateContent>
+      <mc:AlternateContent xmlns:mc="http://schemas.openxmlformats.org/markup-compatibility/2006">
+        <mc:Choice xmlns:a14="http://schemas.microsoft.com/office/drawing/2010/main" Requires="a14">
+          <p:sp>
+            <p:nvSpPr>
+              <p:cNvPr id="8" name="Rectangle 7">
+                <a:extLst>
+                  <a:ext uri="{FF2B5EF4-FFF2-40B4-BE49-F238E27FC236}">
+                    <a16:creationId xmlns:a16="http://schemas.microsoft.com/office/drawing/2014/main" id="{E7E6AC1D-E955-7343-B248-3A1D4C213066}"/>
+                  </a:ext>
+                </a:extLst>
+              </p:cNvPr>
+              <p:cNvSpPr/>
+              <p:nvPr/>
+            </p:nvSpPr>
+            <p:spPr>
+              <a:xfrm>
+                <a:off x="643361" y="4394040"/>
+                <a:ext cx="6437723" cy="671915"/>
+              </a:xfrm>
+              <a:prstGeom prst="rect">
+                <a:avLst/>
+              </a:prstGeom>
+            </p:spPr>
+            <p:txBody>
+              <a:bodyPr wrap="none">
+                <a:spAutoFit/>
+              </a:bodyPr>
+              <a:lstStyle/>
+              <a:p>
+                <a:pPr/>
+                <a14:m>
+                  <m:oMathPara xmlns:m="http://schemas.openxmlformats.org/officeDocument/2006/math">
+                    <m:oMathParaPr>
+                      <m:jc m:val="centerGroup"/>
+                    </m:oMathParaPr>
+                    <m:oMath xmlns:m="http://schemas.openxmlformats.org/officeDocument/2006/math">
+                      <m:sSub>
+                        <m:sSubPr>
+                          <m:ctrlPr>
+                            <a:rPr lang="en-US" sz="2000" b="0" i="1" smtClean="0">
+                              <a:latin typeface="Cambria Math" panose="02040503050406030204" pitchFamily="18" charset="0"/>
+                            </a:rPr>
+                          </m:ctrlPr>
+                        </m:sSubPr>
+                        <m:e>
+                          <m:r>
+                            <a:rPr lang="en-US" sz="2000" b="0" i="1" smtClean="0">
+                              <a:latin typeface="Cambria Math" panose="02040503050406030204" pitchFamily="18" charset="0"/>
+                            </a:rPr>
+                            <m:t>𝐻</m:t>
+                          </m:r>
+                        </m:e>
+                        <m:sub>
+                          <m:r>
+                            <a:rPr lang="en-US" sz="2000" b="0" i="1" smtClean="0">
+                              <a:latin typeface="Cambria Math" panose="02040503050406030204" pitchFamily="18" charset="0"/>
+                            </a:rPr>
+                            <m:t>𝑅𝑌</m:t>
+                          </m:r>
+                        </m:sub>
+                      </m:sSub>
+                      <m:d>
+                        <m:dPr>
+                          <m:ctrlPr>
+                            <a:rPr lang="en-US" sz="2000" b="0" i="1" smtClean="0">
+                              <a:latin typeface="Cambria Math" panose="02040503050406030204" pitchFamily="18" charset="0"/>
+                            </a:rPr>
+                          </m:ctrlPr>
+                        </m:dPr>
+                        <m:e>
+                          <m:r>
+                            <a:rPr lang="en-US" sz="2000" b="0" i="1" smtClean="0">
+                              <a:latin typeface="Cambria Math" panose="02040503050406030204" pitchFamily="18" charset="0"/>
+                            </a:rPr>
+                            <m:t>0</m:t>
+                          </m:r>
+                        </m:e>
+                      </m:d>
+                      <m:r>
+                        <a:rPr lang="en-US" sz="2000" b="0" i="1" smtClean="0">
+                          <a:latin typeface="Cambria Math" panose="02040503050406030204" pitchFamily="18" charset="0"/>
+                        </a:rPr>
+                        <m:t>=</m:t>
+                      </m:r>
+                      <m:sSup>
+                        <m:sSupPr>
+                          <m:ctrlPr>
+                            <a:rPr lang="en-US" sz="2000" i="1">
+                              <a:latin typeface="Cambria Math" panose="02040503050406030204" pitchFamily="18" charset="0"/>
+                            </a:rPr>
+                          </m:ctrlPr>
+                        </m:sSupPr>
+                        <m:e>
+                          <m:d>
+                            <m:dPr>
+                              <m:begChr m:val="["/>
+                              <m:endChr m:val="]"/>
+                              <m:ctrlPr>
+                                <a:rPr lang="en-US" sz="2000" b="0" i="1" smtClean="0">
+                                  <a:latin typeface="Cambria Math" panose="02040503050406030204" pitchFamily="18" charset="0"/>
+                                </a:rPr>
+                              </m:ctrlPr>
+                            </m:dPr>
+                            <m:e>
+                              <m:r>
+                                <a:rPr lang="en-US" sz="2000" b="0" i="1" smtClean="0">
+                                  <a:latin typeface="Cambria Math" panose="02040503050406030204" pitchFamily="18" charset="0"/>
+                                </a:rPr>
+                                <m:t>0 1</m:t>
+                              </m:r>
+                            </m:e>
+                          </m:d>
+                          <m:d>
+                            <m:dPr>
+                              <m:ctrlPr>
+                                <a:rPr lang="en-US" sz="2000" i="1">
+                                  <a:latin typeface="Cambria Math" panose="02040503050406030204" pitchFamily="18" charset="0"/>
+                                </a:rPr>
+                              </m:ctrlPr>
+                            </m:dPr>
+                            <m:e>
+                              <m:d>
+                                <m:dPr>
+                                  <m:begChr m:val="["/>
+                                  <m:endChr m:val="]"/>
+                                  <m:ctrlPr>
+                                    <a:rPr lang="en-US" sz="2000" i="1">
+                                      <a:latin typeface="Cambria Math" panose="02040503050406030204" pitchFamily="18" charset="0"/>
+                                    </a:rPr>
+                                  </m:ctrlPr>
+                                </m:dPr>
+                                <m:e>
+                                  <m:m>
+                                    <m:mPr>
+                                      <m:mcs>
+                                        <m:mc>
+                                          <m:mcPr>
+                                            <m:count m:val="2"/>
+                                            <m:mcJc m:val="center"/>
+                                          </m:mcPr>
+                                        </m:mc>
+                                      </m:mcs>
+                                      <m:ctrlPr>
+                                        <a:rPr lang="en-US" sz="2000" i="1">
+                                          <a:latin typeface="Cambria Math" panose="02040503050406030204" pitchFamily="18" charset="0"/>
+                                        </a:rPr>
+                                      </m:ctrlPr>
+                                    </m:mPr>
+                                    <m:mr>
+                                      <m:e>
+                                        <m:r>
+                                          <a:rPr lang="en-US" sz="2000" b="0" i="1" smtClean="0">
+                                            <a:latin typeface="Cambria Math" panose="02040503050406030204" pitchFamily="18" charset="0"/>
+                                          </a:rPr>
+                                          <m:t>1+</m:t>
+                                        </m:r>
+                                        <m:r>
+                                          <a:rPr lang="en-US" sz="2000" i="1" smtClean="0">
+                                            <a:latin typeface="Cambria Math" panose="02040503050406030204" pitchFamily="18" charset="0"/>
+                                          </a:rPr>
+                                          <m:t>2</m:t>
+                                        </m:r>
+                                        <m:r>
+                                          <a:rPr lang="en-US" sz="2000" b="0" i="1" smtClean="0">
+                                            <a:latin typeface="Cambria Math" panose="02040503050406030204" pitchFamily="18" charset="0"/>
+                                          </a:rPr>
+                                          <m:t>8∗0.5</m:t>
+                                        </m:r>
+                                      </m:e>
+                                      <m:e>
+                                        <m:r>
+                                          <a:rPr lang="en-US" sz="2000" i="1" smtClean="0">
+                                            <a:latin typeface="Cambria Math" panose="02040503050406030204" pitchFamily="18" charset="0"/>
+                                          </a:rPr>
+                                          <m:t>−</m:t>
+                                        </m:r>
+                                        <m:r>
+                                          <a:rPr lang="en-US" sz="2000" b="0" i="1" smtClean="0">
+                                            <a:latin typeface="Cambria Math" panose="02040503050406030204" pitchFamily="18" charset="0"/>
+                                          </a:rPr>
+                                          <m:t>2+54∗0.5</m:t>
+                                        </m:r>
+                                      </m:e>
+                                    </m:mr>
+                                    <m:mr>
+                                      <m:e>
+                                        <m:r>
+                                          <a:rPr lang="en-US" sz="2000" b="0" i="1" smtClean="0">
+                                            <a:latin typeface="Cambria Math" panose="02040503050406030204" pitchFamily="18" charset="0"/>
+                                          </a:rPr>
+                                          <m:t>−1</m:t>
+                                        </m:r>
+                                      </m:e>
+                                      <m:e>
+                                        <m:r>
+                                          <a:rPr lang="en-US" sz="2000" i="1" smtClean="0">
+                                            <a:latin typeface="Cambria Math" panose="02040503050406030204" pitchFamily="18" charset="0"/>
+                                          </a:rPr>
+                                          <m:t>5</m:t>
+                                        </m:r>
+                                      </m:e>
+                                    </m:mr>
+                                  </m:m>
+                                </m:e>
+                              </m:d>
+                            </m:e>
+                          </m:d>
+                        </m:e>
+                        <m:sup>
+                          <m:r>
+                            <a:rPr lang="en-US" sz="2000" i="1">
+                              <a:latin typeface="Cambria Math" panose="02040503050406030204" pitchFamily="18" charset="0"/>
+                            </a:rPr>
+                            <m:t>−1</m:t>
+                          </m:r>
+                        </m:sup>
+                      </m:sSup>
+                      <m:d>
+                        <m:dPr>
+                          <m:begChr m:val="["/>
+                          <m:endChr m:val="]"/>
+                          <m:ctrlPr>
+                            <a:rPr lang="en-US" sz="2000" i="1">
+                              <a:latin typeface="Cambria Math" panose="02040503050406030204" pitchFamily="18" charset="0"/>
+                            </a:rPr>
+                          </m:ctrlPr>
+                        </m:dPr>
+                        <m:e>
+                          <m:m>
+                            <m:mPr>
+                              <m:mcs>
+                                <m:mc>
+                                  <m:mcPr>
+                                    <m:count m:val="1"/>
+                                    <m:mcJc m:val="center"/>
+                                  </m:mcPr>
+                                </m:mc>
+                              </m:mcs>
+                              <m:ctrlPr>
+                                <a:rPr lang="en-US" sz="2000" i="1">
+                                  <a:latin typeface="Cambria Math" panose="02040503050406030204" pitchFamily="18" charset="0"/>
+                                </a:rPr>
+                              </m:ctrlPr>
+                            </m:mPr>
+                            <m:mr>
+                              <m:e>
+                                <m:r>
+                                  <a:rPr lang="en-US" sz="2000" b="0" i="1" smtClean="0">
+                                    <a:latin typeface="Cambria Math" panose="02040503050406030204" pitchFamily="18" charset="0"/>
+                                  </a:rPr>
+                                  <m:t>0.5</m:t>
+                                </m:r>
+                              </m:e>
+                            </m:mr>
+                            <m:mr>
+                              <m:e>
+                                <m:r>
+                                  <a:rPr lang="en-US" sz="2000" i="1">
+                                    <a:latin typeface="Cambria Math" panose="02040503050406030204" pitchFamily="18" charset="0"/>
+                                  </a:rPr>
+                                  <m:t>0</m:t>
+                                </m:r>
+                              </m:e>
+                            </m:mr>
+                          </m:m>
+                        </m:e>
+                      </m:d>
+                      <m:r>
+                        <a:rPr lang="en-US" sz="2000" b="0" i="1" smtClean="0">
+                          <a:latin typeface="Cambria Math" panose="02040503050406030204" pitchFamily="18" charset="0"/>
+                        </a:rPr>
+                        <m:t>1</m:t>
+                      </m:r>
+                    </m:oMath>
+                  </m:oMathPara>
+                </a14:m>
+                <a:endParaRPr lang="en-US" sz="2000" i="1" dirty="0"/>
+              </a:p>
+            </p:txBody>
+          </p:sp>
+        </mc:Choice>
+        <mc:Fallback>
+          <p:sp>
+            <p:nvSpPr>
+              <p:cNvPr id="8" name="Rectangle 7">
+                <a:extLst>
+                  <a:ext uri="{FF2B5EF4-FFF2-40B4-BE49-F238E27FC236}">
+                    <a16:creationId xmlns:a16="http://schemas.microsoft.com/office/drawing/2014/main" id="{E7E6AC1D-E955-7343-B248-3A1D4C213066}"/>
+                  </a:ext>
+                </a:extLst>
+              </p:cNvPr>
+              <p:cNvSpPr>
+                <a:spLocks noRot="1" noChangeAspect="1" noMove="1" noResize="1" noEditPoints="1" noAdjustHandles="1" noChangeArrowheads="1" noChangeShapeType="1" noTextEdit="1"/>
+              </p:cNvSpPr>
+              <p:nvPr/>
+            </p:nvSpPr>
+            <p:spPr>
+              <a:xfrm>
+                <a:off x="643361" y="4394040"/>
+                <a:ext cx="6437723" cy="671915"/>
+              </a:xfrm>
+              <a:prstGeom prst="rect">
+                <a:avLst/>
+              </a:prstGeom>
+              <a:blipFill>
+                <a:blip r:embed="rId6"/>
+                <a:stretch>
+                  <a:fillRect b="-5660"/>
+                </a:stretch>
+              </a:blipFill>
+            </p:spPr>
+            <p:txBody>
+              <a:bodyPr/>
+              <a:lstStyle/>
+              <a:p>
+                <a:r>
+                  <a:rPr lang="en-US">
+                    <a:noFill/>
+                  </a:rPr>
+                  <a:t> </a:t>
+                </a:r>
+              </a:p>
+            </p:txBody>
+          </p:sp>
+        </mc:Fallback>
+      </mc:AlternateContent>
+      <p:grpSp>
+        <p:nvGrpSpPr>
+          <p:cNvPr id="9" name="Group 8">
+            <a:extLst>
+              <a:ext uri="{FF2B5EF4-FFF2-40B4-BE49-F238E27FC236}">
+                <a16:creationId xmlns:a16="http://schemas.microsoft.com/office/drawing/2014/main" id="{D70A1E5E-4F19-9A4A-AED1-C9DAD8176DDA}"/>
+              </a:ext>
+            </a:extLst>
+          </p:cNvPr>
+          <p:cNvGrpSpPr/>
+          <p:nvPr/>
+        </p:nvGrpSpPr>
+        <p:grpSpPr>
+          <a:xfrm>
+            <a:off x="7048869" y="915969"/>
+            <a:ext cx="1807397" cy="1184927"/>
+            <a:chOff x="4751572" y="3760960"/>
+            <a:chExt cx="3421113" cy="2286000"/>
+          </a:xfrm>
+        </p:grpSpPr>
+        <p:pic>
+          <p:nvPicPr>
+            <p:cNvPr id="10" name="Picture 9" descr="Chart&#10;&#10;Description automatically generated with medium confidence">
+              <a:extLst>
+                <a:ext uri="{FF2B5EF4-FFF2-40B4-BE49-F238E27FC236}">
+                  <a16:creationId xmlns:a16="http://schemas.microsoft.com/office/drawing/2014/main" id="{71A39F4A-CAFE-EA42-A45B-020F2356D497}"/>
+                </a:ext>
+              </a:extLst>
+            </p:cNvPr>
+            <p:cNvPicPr>
+              <a:picLocks noChangeAspect="1"/>
+            </p:cNvPicPr>
+            <p:nvPr/>
+          </p:nvPicPr>
+          <p:blipFill>
+            <a:blip r:embed="rId7"/>
+            <a:stretch>
+              <a:fillRect/>
+            </a:stretch>
+          </p:blipFill>
+          <p:spPr>
+            <a:xfrm>
+              <a:off x="4751572" y="3760960"/>
+              <a:ext cx="3421113" cy="2286000"/>
+            </a:xfrm>
+            <a:prstGeom prst="rect">
+              <a:avLst/>
+            </a:prstGeom>
+          </p:spPr>
+        </p:pic>
+        <mc:AlternateContent xmlns:mc="http://schemas.openxmlformats.org/markup-compatibility/2006">
+          <mc:Choice xmlns:a14="http://schemas.microsoft.com/office/drawing/2010/main" Requires="a14">
+            <p:sp>
+              <p:nvSpPr>
+                <p:cNvPr id="11" name="TextBox 10">
+                  <a:extLst>
+                    <a:ext uri="{FF2B5EF4-FFF2-40B4-BE49-F238E27FC236}">
+                      <a16:creationId xmlns:a16="http://schemas.microsoft.com/office/drawing/2014/main" id="{B20A17F8-F00F-6A40-BD7F-DB66AAB34CE5}"/>
+                    </a:ext>
+                  </a:extLst>
+                </p:cNvPr>
+                <p:cNvSpPr txBox="1"/>
+                <p:nvPr/>
+              </p:nvSpPr>
+              <p:spPr>
+                <a:xfrm>
+                  <a:off x="5707008" y="4339703"/>
+                  <a:ext cx="2175844" cy="803684"/>
+                </a:xfrm>
+                <a:prstGeom prst="rect">
+                  <a:avLst/>
+                </a:prstGeom>
+                <a:noFill/>
+              </p:spPr>
+              <p:txBody>
+                <a:bodyPr wrap="none" rtlCol="0">
+                  <a:spAutoFit/>
+                </a:bodyPr>
+                <a:lstStyle/>
+                <a:p>
+                  <a:r>
+                    <a:rPr lang="en-US" sz="1100" dirty="0"/>
+                    <a:t>Poles: -10, -10</a:t>
+                  </a:r>
+                </a:p>
+                <a:p>
+                  <a:pPr/>
+                  <a14:m>
+                    <m:oMathPara xmlns:m="http://schemas.openxmlformats.org/officeDocument/2006/math">
+                      <m:oMathParaPr>
+                        <m:jc m:val="centerGroup"/>
+                      </m:oMathParaPr>
+                      <m:oMath xmlns:m="http://schemas.openxmlformats.org/officeDocument/2006/math">
+                        <m:sSub>
+                          <m:sSubPr>
+                            <m:ctrlPr>
+                              <a:rPr lang="en-US" sz="1100" b="1" i="1" smtClean="0">
+                                <a:latin typeface="Cambria Math" panose="02040503050406030204" pitchFamily="18" charset="0"/>
+                              </a:rPr>
+                            </m:ctrlPr>
+                          </m:sSubPr>
+                          <m:e>
+                            <m:r>
+                              <a:rPr lang="en-US" sz="1100" b="1" i="1" smtClean="0">
+                                <a:latin typeface="Cambria Math" panose="02040503050406030204" pitchFamily="18" charset="0"/>
+                              </a:rPr>
+                              <m:t>𝒌</m:t>
+                            </m:r>
+                          </m:e>
+                          <m:sub>
+                            <m:r>
+                              <a:rPr lang="en-US" sz="1100" b="1" i="1" smtClean="0">
+                                <a:latin typeface="Cambria Math" panose="02040503050406030204" pitchFamily="18" charset="0"/>
+                              </a:rPr>
+                              <m:t>𝑷</m:t>
+                            </m:r>
+                          </m:sub>
+                        </m:sSub>
+                        <m:r>
+                          <a:rPr lang="en-US" sz="1100" b="0" i="1" smtClean="0">
+                            <a:latin typeface="Cambria Math" panose="02040503050406030204" pitchFamily="18" charset="0"/>
+                          </a:rPr>
+                          <m:t>=[28, 54]</m:t>
+                        </m:r>
+                      </m:oMath>
+                    </m:oMathPara>
+                  </a14:m>
+                  <a:endParaRPr lang="en-US" sz="1100" dirty="0"/>
+                </a:p>
+              </p:txBody>
+            </p:sp>
+          </mc:Choice>
+          <mc:Fallback>
+            <p:sp>
+              <p:nvSpPr>
+                <p:cNvPr id="11" name="TextBox 10">
+                  <a:extLst>
+                    <a:ext uri="{FF2B5EF4-FFF2-40B4-BE49-F238E27FC236}">
+                      <a16:creationId xmlns:a16="http://schemas.microsoft.com/office/drawing/2014/main" id="{B20A17F8-F00F-6A40-BD7F-DB66AAB34CE5}"/>
+                    </a:ext>
+                  </a:extLst>
+                </p:cNvPr>
+                <p:cNvSpPr txBox="1">
+                  <a:spLocks noRot="1" noChangeAspect="1" noMove="1" noResize="1" noEditPoints="1" noAdjustHandles="1" noChangeArrowheads="1" noChangeShapeType="1" noTextEdit="1"/>
+                </p:cNvSpPr>
+                <p:nvPr/>
+              </p:nvSpPr>
+              <p:spPr>
+                <a:xfrm>
+                  <a:off x="5707008" y="4339703"/>
+                  <a:ext cx="2175844" cy="803684"/>
+                </a:xfrm>
+                <a:prstGeom prst="rect">
+                  <a:avLst/>
+                </a:prstGeom>
+                <a:blipFill>
+                  <a:blip r:embed="rId8"/>
+                  <a:stretch>
+                    <a:fillRect b="-5882"/>
+                  </a:stretch>
+                </a:blipFill>
+              </p:spPr>
+              <p:txBody>
+                <a:bodyPr/>
+                <a:lstStyle/>
+                <a:p>
+                  <a:r>
+                    <a:rPr lang="en-US">
+                      <a:noFill/>
+                    </a:rPr>
+                    <a:t> </a:t>
+                  </a:r>
+                </a:p>
+              </p:txBody>
+            </p:sp>
+          </mc:Fallback>
+        </mc:AlternateContent>
+      </p:grpSp>
+      <mc:AlternateContent xmlns:mc="http://schemas.openxmlformats.org/markup-compatibility/2006">
+        <mc:Choice xmlns:a14="http://schemas.microsoft.com/office/drawing/2010/main" Requires="a14">
+          <p:sp>
+            <p:nvSpPr>
+              <p:cNvPr id="12" name="Rectangle 11">
+                <a:extLst>
+                  <a:ext uri="{FF2B5EF4-FFF2-40B4-BE49-F238E27FC236}">
+                    <a16:creationId xmlns:a16="http://schemas.microsoft.com/office/drawing/2014/main" id="{54CDC2DF-B786-D94D-BE2B-1BEF4648BE0C}"/>
+                  </a:ext>
+                </a:extLst>
+              </p:cNvPr>
+              <p:cNvSpPr/>
+              <p:nvPr/>
+            </p:nvSpPr>
+            <p:spPr>
+              <a:xfrm>
+                <a:off x="710213" y="4024708"/>
+                <a:ext cx="2154051" cy="369332"/>
+              </a:xfrm>
+              <a:prstGeom prst="rect">
+                <a:avLst/>
+              </a:prstGeom>
+            </p:spPr>
+            <p:txBody>
+              <a:bodyPr wrap="none">
+                <a:spAutoFit/>
+              </a:bodyPr>
+              <a:lstStyle/>
+              <a:p>
+                <a14:m>
+                  <m:oMathPara xmlns:m="http://schemas.openxmlformats.org/officeDocument/2006/math">
+                    <m:oMathParaPr>
+                      <m:jc m:val="centerGroup"/>
+                    </m:oMathParaPr>
+                    <m:oMath xmlns:m="http://schemas.openxmlformats.org/officeDocument/2006/math">
+                      <m:r>
+                        <a:rPr lang="en-US" i="1" smtClean="0">
+                          <a:latin typeface="Cambria Math" panose="02040503050406030204" pitchFamily="18" charset="0"/>
+                        </a:rPr>
+                        <m:t>𝑟</m:t>
+                      </m:r>
+                      <m:r>
+                        <a:rPr lang="en-US" b="0" i="1" smtClean="0">
+                          <a:latin typeface="Cambria Math" panose="02040503050406030204" pitchFamily="18" charset="0"/>
+                        </a:rPr>
+                        <m:t>=1, </m:t>
+                      </m:r>
+                      <m:sSub>
+                        <m:sSubPr>
+                          <m:ctrlPr>
+                            <a:rPr lang="en-US" b="1" i="1" smtClean="0">
+                              <a:latin typeface="Cambria Math" panose="02040503050406030204" pitchFamily="18" charset="0"/>
+                            </a:rPr>
+                          </m:ctrlPr>
+                        </m:sSubPr>
+                        <m:e>
+                          <m:r>
+                            <a:rPr lang="en-US" b="1" i="1" smtClean="0">
+                              <a:latin typeface="Cambria Math" panose="02040503050406030204" pitchFamily="18" charset="0"/>
+                            </a:rPr>
+                            <m:t>𝒌</m:t>
+                          </m:r>
+                        </m:e>
+                        <m:sub>
+                          <m:r>
+                            <a:rPr lang="en-US" b="1" i="1" smtClean="0">
+                              <a:latin typeface="Cambria Math" panose="02040503050406030204" pitchFamily="18" charset="0"/>
+                            </a:rPr>
+                            <m:t>𝑷</m:t>
+                          </m:r>
+                        </m:sub>
+                      </m:sSub>
+                      <m:r>
+                        <a:rPr lang="en-US" b="0" i="1" smtClean="0">
+                          <a:latin typeface="Cambria Math" panose="02040503050406030204" pitchFamily="18" charset="0"/>
+                        </a:rPr>
+                        <m:t>=[28 54]</m:t>
+                      </m:r>
+                    </m:oMath>
+                  </m:oMathPara>
+                </a14:m>
+                <a:endParaRPr lang="en-US" dirty="0"/>
+              </a:p>
+            </p:txBody>
+          </p:sp>
+        </mc:Choice>
+        <mc:Fallback>
+          <p:sp>
+            <p:nvSpPr>
+              <p:cNvPr id="12" name="Rectangle 11">
+                <a:extLst>
+                  <a:ext uri="{FF2B5EF4-FFF2-40B4-BE49-F238E27FC236}">
+                    <a16:creationId xmlns:a16="http://schemas.microsoft.com/office/drawing/2014/main" id="{54CDC2DF-B786-D94D-BE2B-1BEF4648BE0C}"/>
+                  </a:ext>
+                </a:extLst>
+              </p:cNvPr>
+              <p:cNvSpPr>
+                <a:spLocks noRot="1" noChangeAspect="1" noMove="1" noResize="1" noEditPoints="1" noAdjustHandles="1" noChangeArrowheads="1" noChangeShapeType="1" noTextEdit="1"/>
+              </p:cNvSpPr>
+              <p:nvPr/>
+            </p:nvSpPr>
+            <p:spPr>
+              <a:xfrm>
+                <a:off x="710213" y="4024708"/>
+                <a:ext cx="2154051" cy="369332"/>
+              </a:xfrm>
+              <a:prstGeom prst="rect">
+                <a:avLst/>
+              </a:prstGeom>
+              <a:blipFill>
+                <a:blip r:embed="rId9"/>
+                <a:stretch>
+                  <a:fillRect b="-16129"/>
+                </a:stretch>
+              </a:blipFill>
+            </p:spPr>
+            <p:txBody>
+              <a:bodyPr/>
+              <a:lstStyle/>
+              <a:p>
+                <a:r>
+                  <a:rPr lang="en-US">
+                    <a:noFill/>
+                  </a:rPr>
+                  <a:t> </a:t>
+                </a:r>
+              </a:p>
+            </p:txBody>
+          </p:sp>
+        </mc:Fallback>
+      </mc:AlternateContent>
+      <mc:AlternateContent xmlns:mc="http://schemas.openxmlformats.org/markup-compatibility/2006">
+        <mc:Choice xmlns:a14="http://schemas.microsoft.com/office/drawing/2010/main" Requires="a14">
+          <p:sp>
+            <p:nvSpPr>
+              <p:cNvPr id="13" name="Rectangle 12">
+                <a:extLst>
+                  <a:ext uri="{FF2B5EF4-FFF2-40B4-BE49-F238E27FC236}">
+                    <a16:creationId xmlns:a16="http://schemas.microsoft.com/office/drawing/2014/main" id="{65CA06E4-5D23-874C-9FF1-B5C570435761}"/>
+                  </a:ext>
+                </a:extLst>
+              </p:cNvPr>
+              <p:cNvSpPr/>
+              <p:nvPr/>
+            </p:nvSpPr>
+            <p:spPr>
+              <a:xfrm>
+                <a:off x="580780" y="5020449"/>
+                <a:ext cx="4260846" cy="671915"/>
+              </a:xfrm>
+              <a:prstGeom prst="rect">
+                <a:avLst/>
+              </a:prstGeom>
+            </p:spPr>
+            <p:txBody>
+              <a:bodyPr wrap="none">
+                <a:spAutoFit/>
+              </a:bodyPr>
+              <a:lstStyle/>
+              <a:p>
+                <a:pPr/>
+                <a14:m>
+                  <m:oMathPara xmlns:m="http://schemas.openxmlformats.org/officeDocument/2006/math">
+                    <m:oMathParaPr>
+                      <m:jc m:val="centerGroup"/>
+                    </m:oMathParaPr>
+                    <m:oMath xmlns:m="http://schemas.openxmlformats.org/officeDocument/2006/math">
+                      <m:sSub>
+                        <m:sSubPr>
+                          <m:ctrlPr>
+                            <a:rPr lang="en-US" sz="2000" b="0" i="1" smtClean="0">
+                              <a:latin typeface="Cambria Math" panose="02040503050406030204" pitchFamily="18" charset="0"/>
+                            </a:rPr>
+                          </m:ctrlPr>
+                        </m:sSubPr>
+                        <m:e>
+                          <m:r>
+                            <a:rPr lang="en-US" sz="2000" b="0" i="1" smtClean="0">
+                              <a:latin typeface="Cambria Math" panose="02040503050406030204" pitchFamily="18" charset="0"/>
+                            </a:rPr>
+                            <m:t>𝐻</m:t>
+                          </m:r>
+                        </m:e>
+                        <m:sub>
+                          <m:r>
+                            <a:rPr lang="en-US" sz="2000" b="0" i="1" smtClean="0">
+                              <a:latin typeface="Cambria Math" panose="02040503050406030204" pitchFamily="18" charset="0"/>
+                            </a:rPr>
+                            <m:t>𝑅𝑌</m:t>
+                          </m:r>
+                        </m:sub>
+                      </m:sSub>
+                      <m:d>
+                        <m:dPr>
+                          <m:ctrlPr>
+                            <a:rPr lang="en-US" sz="2000" b="0" i="1" smtClean="0">
+                              <a:latin typeface="Cambria Math" panose="02040503050406030204" pitchFamily="18" charset="0"/>
+                            </a:rPr>
+                          </m:ctrlPr>
+                        </m:dPr>
+                        <m:e>
+                          <m:r>
+                            <a:rPr lang="en-US" sz="2000" b="0" i="1" smtClean="0">
+                              <a:latin typeface="Cambria Math" panose="02040503050406030204" pitchFamily="18" charset="0"/>
+                            </a:rPr>
+                            <m:t>0</m:t>
+                          </m:r>
+                        </m:e>
+                      </m:d>
+                      <m:r>
+                        <a:rPr lang="en-US" sz="2000" b="0" i="1" smtClean="0">
+                          <a:latin typeface="Cambria Math" panose="02040503050406030204" pitchFamily="18" charset="0"/>
+                        </a:rPr>
+                        <m:t>=</m:t>
+                      </m:r>
+                      <m:sSup>
+                        <m:sSupPr>
+                          <m:ctrlPr>
+                            <a:rPr lang="en-US" sz="2000" i="1">
+                              <a:latin typeface="Cambria Math" panose="02040503050406030204" pitchFamily="18" charset="0"/>
+                            </a:rPr>
+                          </m:ctrlPr>
+                        </m:sSupPr>
+                        <m:e>
+                          <m:d>
+                            <m:dPr>
+                              <m:begChr m:val="["/>
+                              <m:endChr m:val="]"/>
+                              <m:ctrlPr>
+                                <a:rPr lang="en-US" sz="2000" b="0" i="1" smtClean="0">
+                                  <a:latin typeface="Cambria Math" panose="02040503050406030204" pitchFamily="18" charset="0"/>
+                                </a:rPr>
+                              </m:ctrlPr>
+                            </m:dPr>
+                            <m:e>
+                              <m:r>
+                                <a:rPr lang="en-US" sz="2000" b="0" i="1" smtClean="0">
+                                  <a:latin typeface="Cambria Math" panose="02040503050406030204" pitchFamily="18" charset="0"/>
+                                </a:rPr>
+                                <m:t>0 1</m:t>
+                              </m:r>
+                            </m:e>
+                          </m:d>
+                          <m:d>
+                            <m:dPr>
+                              <m:ctrlPr>
+                                <a:rPr lang="en-US" sz="2000" i="1">
+                                  <a:latin typeface="Cambria Math" panose="02040503050406030204" pitchFamily="18" charset="0"/>
+                                </a:rPr>
+                              </m:ctrlPr>
+                            </m:dPr>
+                            <m:e>
+                              <m:d>
+                                <m:dPr>
+                                  <m:begChr m:val="["/>
+                                  <m:endChr m:val="]"/>
+                                  <m:ctrlPr>
+                                    <a:rPr lang="en-US" sz="2000" i="1">
+                                      <a:latin typeface="Cambria Math" panose="02040503050406030204" pitchFamily="18" charset="0"/>
+                                    </a:rPr>
+                                  </m:ctrlPr>
+                                </m:dPr>
+                                <m:e>
+                                  <m:m>
+                                    <m:mPr>
+                                      <m:mcs>
+                                        <m:mc>
+                                          <m:mcPr>
+                                            <m:count m:val="2"/>
+                                            <m:mcJc m:val="center"/>
+                                          </m:mcPr>
+                                        </m:mc>
+                                      </m:mcs>
+                                      <m:ctrlPr>
+                                        <a:rPr lang="en-US" sz="2000" i="1">
+                                          <a:latin typeface="Cambria Math" panose="02040503050406030204" pitchFamily="18" charset="0"/>
+                                        </a:rPr>
+                                      </m:ctrlPr>
+                                    </m:mPr>
+                                    <m:mr>
+                                      <m:e>
+                                        <m:r>
+                                          <a:rPr lang="en-US" sz="2000" b="0" i="1" smtClean="0">
+                                            <a:latin typeface="Cambria Math" panose="02040503050406030204" pitchFamily="18" charset="0"/>
+                                          </a:rPr>
+                                          <m:t>15</m:t>
+                                        </m:r>
+                                      </m:e>
+                                      <m:e>
+                                        <m:r>
+                                          <a:rPr lang="en-US" sz="2000" i="1" smtClean="0">
+                                            <a:latin typeface="Cambria Math" panose="02040503050406030204" pitchFamily="18" charset="0"/>
+                                          </a:rPr>
+                                          <m:t>2</m:t>
+                                        </m:r>
+                                        <m:r>
+                                          <a:rPr lang="en-US" sz="2000" b="0" i="1" smtClean="0">
+                                            <a:latin typeface="Cambria Math" panose="02040503050406030204" pitchFamily="18" charset="0"/>
+                                          </a:rPr>
+                                          <m:t>5</m:t>
+                                        </m:r>
+                                      </m:e>
+                                    </m:mr>
+                                    <m:mr>
+                                      <m:e>
+                                        <m:r>
+                                          <a:rPr lang="en-US" sz="2000" b="0" i="1" smtClean="0">
+                                            <a:latin typeface="Cambria Math" panose="02040503050406030204" pitchFamily="18" charset="0"/>
+                                          </a:rPr>
+                                          <m:t>−1</m:t>
+                                        </m:r>
+                                      </m:e>
+                                      <m:e>
+                                        <m:r>
+                                          <a:rPr lang="en-US" sz="2000" i="1" smtClean="0">
+                                            <a:latin typeface="Cambria Math" panose="02040503050406030204" pitchFamily="18" charset="0"/>
+                                          </a:rPr>
+                                          <m:t>5</m:t>
+                                        </m:r>
+                                      </m:e>
+                                    </m:mr>
+                                  </m:m>
+                                </m:e>
+                              </m:d>
+                            </m:e>
+                          </m:d>
+                        </m:e>
+                        <m:sup>
+                          <m:r>
+                            <a:rPr lang="en-US" sz="2000" i="1">
+                              <a:latin typeface="Cambria Math" panose="02040503050406030204" pitchFamily="18" charset="0"/>
+                            </a:rPr>
+                            <m:t>−1</m:t>
+                          </m:r>
+                        </m:sup>
+                      </m:sSup>
+                      <m:d>
+                        <m:dPr>
+                          <m:begChr m:val="["/>
+                          <m:endChr m:val="]"/>
+                          <m:ctrlPr>
+                            <a:rPr lang="en-US" sz="2000" i="1">
+                              <a:latin typeface="Cambria Math" panose="02040503050406030204" pitchFamily="18" charset="0"/>
+                            </a:rPr>
+                          </m:ctrlPr>
+                        </m:dPr>
+                        <m:e>
+                          <m:m>
+                            <m:mPr>
+                              <m:mcs>
+                                <m:mc>
+                                  <m:mcPr>
+                                    <m:count m:val="1"/>
+                                    <m:mcJc m:val="center"/>
+                                  </m:mcPr>
+                                </m:mc>
+                              </m:mcs>
+                              <m:ctrlPr>
+                                <a:rPr lang="en-US" sz="2000" i="1">
+                                  <a:latin typeface="Cambria Math" panose="02040503050406030204" pitchFamily="18" charset="0"/>
+                                </a:rPr>
+                              </m:ctrlPr>
+                            </m:mPr>
+                            <m:mr>
+                              <m:e>
+                                <m:r>
+                                  <a:rPr lang="en-US" sz="2000" b="0" i="1" smtClean="0">
+                                    <a:latin typeface="Cambria Math" panose="02040503050406030204" pitchFamily="18" charset="0"/>
+                                  </a:rPr>
+                                  <m:t>0.5</m:t>
+                                </m:r>
+                              </m:e>
+                            </m:mr>
+                            <m:mr>
+                              <m:e>
+                                <m:r>
+                                  <a:rPr lang="en-US" sz="2000" i="1">
+                                    <a:latin typeface="Cambria Math" panose="02040503050406030204" pitchFamily="18" charset="0"/>
+                                  </a:rPr>
+                                  <m:t>0</m:t>
+                                </m:r>
+                              </m:e>
+                            </m:mr>
+                          </m:m>
+                        </m:e>
+                      </m:d>
+                      <m:r>
+                        <a:rPr lang="en-US" sz="2000" b="0" i="1" smtClean="0">
+                          <a:latin typeface="Cambria Math" panose="02040503050406030204" pitchFamily="18" charset="0"/>
+                        </a:rPr>
+                        <m:t>1</m:t>
+                      </m:r>
+                    </m:oMath>
+                  </m:oMathPara>
+                </a14:m>
+                <a:endParaRPr lang="en-US" sz="2000" i="1" dirty="0"/>
+              </a:p>
+            </p:txBody>
+          </p:sp>
+        </mc:Choice>
+        <mc:Fallback>
+          <p:sp>
+            <p:nvSpPr>
+              <p:cNvPr id="13" name="Rectangle 12">
+                <a:extLst>
+                  <a:ext uri="{FF2B5EF4-FFF2-40B4-BE49-F238E27FC236}">
+                    <a16:creationId xmlns:a16="http://schemas.microsoft.com/office/drawing/2014/main" id="{65CA06E4-5D23-874C-9FF1-B5C570435761}"/>
+                  </a:ext>
+                </a:extLst>
+              </p:cNvPr>
+              <p:cNvSpPr>
+                <a:spLocks noRot="1" noChangeAspect="1" noMove="1" noResize="1" noEditPoints="1" noAdjustHandles="1" noChangeArrowheads="1" noChangeShapeType="1" noTextEdit="1"/>
+              </p:cNvSpPr>
+              <p:nvPr/>
+            </p:nvSpPr>
+            <p:spPr>
+              <a:xfrm>
+                <a:off x="580780" y="5020449"/>
+                <a:ext cx="4260846" cy="671915"/>
+              </a:xfrm>
+              <a:prstGeom prst="rect">
+                <a:avLst/>
+              </a:prstGeom>
+              <a:blipFill>
+                <a:blip r:embed="rId10"/>
+                <a:stretch>
+                  <a:fillRect b="-5556"/>
+                </a:stretch>
+              </a:blipFill>
+            </p:spPr>
+            <p:txBody>
+              <a:bodyPr/>
+              <a:lstStyle/>
+              <a:p>
+                <a:r>
+                  <a:rPr lang="en-US">
+                    <a:noFill/>
+                  </a:rPr>
+                  <a:t> </a:t>
+                </a:r>
+              </a:p>
+            </p:txBody>
+          </p:sp>
+        </mc:Fallback>
+      </mc:AlternateContent>
+    </p:spTree>
+    <p:extLst>
+      <p:ext uri="{BB962C8B-B14F-4D97-AF65-F5344CB8AC3E}">
+        <p14:creationId xmlns:p14="http://schemas.microsoft.com/office/powerpoint/2010/main" val="207796606"/>
+      </p:ext>
+    </p:extLst>
+  </p:cSld>
+  <p:clrMapOvr>
+    <a:masterClrMapping/>
+  </p:clrMapOvr>
+  <p:timing>
+    <p:tnLst>
+      <p:par>
+        <p:cTn id="1" dur="indefinite" restart="never" nodeType="tmRoot">
+          <p:childTnLst>
+            <p:seq concurrent="1" nextAc="seek">
+              <p:cTn id="2" dur="indefinite" nodeType="mainSeq">
+                <p:childTnLst>
+                  <p:par>
+                    <p:cTn id="3" fill="hold">
+                      <p:stCondLst>
+                        <p:cond delay="indefinite"/>
+                      </p:stCondLst>
+                      <p:childTnLst>
+                        <p:par>
+                          <p:cTn id="4" fill="hold">
+                            <p:stCondLst>
+                              <p:cond delay="0"/>
+                            </p:stCondLst>
+                            <p:childTnLst>
+                              <p:par>
+                                <p:cTn id="5" presetID="1" presetClass="entr" presetSubtype="0" fill="hold" grpId="0" nodeType="clickEffect">
+                                  <p:stCondLst>
+                                    <p:cond delay="0"/>
+                                  </p:stCondLst>
+                                  <p:childTnLst>
+                                    <p:set>
+                                      <p:cBhvr>
+                                        <p:cTn id="6" dur="1" fill="hold">
+                                          <p:stCondLst>
+                                            <p:cond delay="0"/>
+                                          </p:stCondLst>
+                                        </p:cTn>
+                                        <p:tgtEl>
+                                          <p:spTgt spid="4"/>
+                                        </p:tgtEl>
+                                        <p:attrNameLst>
+                                          <p:attrName>style.visibility</p:attrName>
+                                        </p:attrNameLst>
+                                      </p:cBhvr>
+                                      <p:to>
+                                        <p:strVal val="visible"/>
+                                      </p:to>
+                                    </p:set>
+                                  </p:childTnLst>
+                                </p:cTn>
+                              </p:par>
+                              <p:par>
+                                <p:cTn id="7" presetID="1" presetClass="entr" presetSubtype="0" fill="hold" grpId="0" nodeType="withEffect">
+                                  <p:stCondLst>
+                                    <p:cond delay="0"/>
+                                  </p:stCondLst>
+                                  <p:childTnLst>
+                                    <p:set>
+                                      <p:cBhvr>
+                                        <p:cTn id="8" dur="1" fill="hold">
+                                          <p:stCondLst>
+                                            <p:cond delay="0"/>
+                                          </p:stCondLst>
+                                        </p:cTn>
+                                        <p:tgtEl>
+                                          <p:spTgt spid="6"/>
+                                        </p:tgtEl>
+                                        <p:attrNameLst>
+                                          <p:attrName>style.visibility</p:attrName>
+                                        </p:attrNameLst>
+                                      </p:cBhvr>
+                                      <p:to>
+                                        <p:strVal val="visible"/>
+                                      </p:to>
+                                    </p:set>
+                                  </p:childTnLst>
+                                </p:cTn>
+                              </p:par>
+                            </p:childTnLst>
+                          </p:cTn>
+                        </p:par>
+                      </p:childTnLst>
+                    </p:cTn>
+                  </p:par>
+                  <p:par>
+                    <p:cTn id="9" fill="hold">
+                      <p:stCondLst>
+                        <p:cond delay="indefinite"/>
+                      </p:stCondLst>
+                      <p:childTnLst>
+                        <p:par>
+                          <p:cTn id="10" fill="hold">
+                            <p:stCondLst>
+                              <p:cond delay="0"/>
+                            </p:stCondLst>
+                            <p:childTnLst>
+                              <p:par>
+                                <p:cTn id="11" presetID="1" presetClass="entr" presetSubtype="0" fill="hold" grpId="0" nodeType="clickEffect">
+                                  <p:stCondLst>
+                                    <p:cond delay="0"/>
+                                  </p:stCondLst>
+                                  <p:childTnLst>
+                                    <p:set>
+                                      <p:cBhvr>
+                                        <p:cTn id="12" dur="1" fill="hold">
+                                          <p:stCondLst>
+                                            <p:cond delay="0"/>
+                                          </p:stCondLst>
+                                        </p:cTn>
+                                        <p:tgtEl>
+                                          <p:spTgt spid="7"/>
+                                        </p:tgtEl>
+                                        <p:attrNameLst>
+                                          <p:attrName>style.visibility</p:attrName>
+                                        </p:attrNameLst>
+                                      </p:cBhvr>
+                                      <p:to>
+                                        <p:strVal val="visible"/>
+                                      </p:to>
+                                    </p:set>
+                                  </p:childTnLst>
+                                </p:cTn>
+                              </p:par>
+                            </p:childTnLst>
+                          </p:cTn>
+                        </p:par>
+                      </p:childTnLst>
+                    </p:cTn>
+                  </p:par>
+                  <p:par>
+                    <p:cTn id="13" fill="hold">
+                      <p:stCondLst>
+                        <p:cond delay="indefinite"/>
+                      </p:stCondLst>
+                      <p:childTnLst>
+                        <p:par>
+                          <p:cTn id="14" fill="hold">
+                            <p:stCondLst>
+                              <p:cond delay="0"/>
+                            </p:stCondLst>
+                            <p:childTnLst>
+                              <p:par>
+                                <p:cTn id="15" presetID="1" presetClass="entr" presetSubtype="0" fill="hold" grpId="0" nodeType="clickEffect">
+                                  <p:stCondLst>
+                                    <p:cond delay="0"/>
+                                  </p:stCondLst>
+                                  <p:childTnLst>
+                                    <p:set>
+                                      <p:cBhvr>
+                                        <p:cTn id="16" dur="1" fill="hold">
+                                          <p:stCondLst>
+                                            <p:cond delay="0"/>
+                                          </p:stCondLst>
+                                        </p:cTn>
+                                        <p:tgtEl>
+                                          <p:spTgt spid="8"/>
+                                        </p:tgtEl>
+                                        <p:attrNameLst>
+                                          <p:attrName>style.visibility</p:attrName>
+                                        </p:attrNameLst>
+                                      </p:cBhvr>
+                                      <p:to>
+                                        <p:strVal val="visible"/>
+                                      </p:to>
+                                    </p:set>
+                                  </p:childTnLst>
+                                </p:cTn>
+                              </p:par>
+                              <p:par>
+                                <p:cTn id="17" presetID="1" presetClass="entr" presetSubtype="0" fill="hold" grpId="0" nodeType="withEffect">
+                                  <p:stCondLst>
+                                    <p:cond delay="0"/>
+                                  </p:stCondLst>
+                                  <p:childTnLst>
+                                    <p:set>
+                                      <p:cBhvr>
+                                        <p:cTn id="18" dur="1" fill="hold">
+                                          <p:stCondLst>
+                                            <p:cond delay="0"/>
+                                          </p:stCondLst>
+                                        </p:cTn>
+                                        <p:tgtEl>
+                                          <p:spTgt spid="12"/>
+                                        </p:tgtEl>
+                                        <p:attrNameLst>
+                                          <p:attrName>style.visibility</p:attrName>
+                                        </p:attrNameLst>
+                                      </p:cBhvr>
+                                      <p:to>
+                                        <p:strVal val="visible"/>
+                                      </p:to>
+                                    </p:set>
+                                  </p:childTnLst>
+                                </p:cTn>
+                              </p:par>
+                              <p:par>
+                                <p:cTn id="19" presetID="1" presetClass="entr" presetSubtype="0" fill="hold" grpId="0" nodeType="withEffect">
+                                  <p:stCondLst>
+                                    <p:cond delay="0"/>
+                                  </p:stCondLst>
+                                  <p:childTnLst>
+                                    <p:set>
+                                      <p:cBhvr>
+                                        <p:cTn id="20" dur="1" fill="hold">
+                                          <p:stCondLst>
+                                            <p:cond delay="0"/>
+                                          </p:stCondLst>
+                                        </p:cTn>
+                                        <p:tgtEl>
+                                          <p:spTgt spid="13"/>
+                                        </p:tgtEl>
+                                        <p:attrNameLst>
+                                          <p:attrName>style.visibility</p:attrName>
+                                        </p:attrNameLst>
+                                      </p:cBhvr>
+                                      <p:to>
+                                        <p:strVal val="visible"/>
+                                      </p:to>
+                                    </p:set>
+                                  </p:childTnLst>
+                                </p:cTn>
+                              </p:par>
+                            </p:childTnLst>
+                          </p:cTn>
+                        </p:par>
+                      </p:childTnLst>
+                    </p:cTn>
+                  </p:par>
+                </p:childTnLst>
+              </p:cTn>
+              <p:prevCondLst>
+                <p:cond evt="onPrev" delay="0">
+                  <p:tgtEl>
+                    <p:sldTgt/>
+                  </p:tgtEl>
+                </p:cond>
+              </p:prevCondLst>
+              <p:nextCondLst>
+                <p:cond evt="onNext" delay="0">
+                  <p:tgtEl>
+                    <p:sldTgt/>
+                  </p:tgtEl>
+                </p:cond>
+              </p:nextCondLst>
+            </p:seq>
+          </p:childTnLst>
+        </p:cTn>
+      </p:par>
+    </p:tnLst>
+    <p:bldLst>
+      <p:bldP spid="4" grpId="0"/>
+      <p:bldP spid="6" grpId="0"/>
+      <p:bldP spid="7" grpId="0"/>
+      <p:bldP spid="8" grpId="0"/>
+      <p:bldP spid="12" grpId="0"/>
+      <p:bldP spid="13" grpId="0"/>
     </p:bldLst>
   </p:timing>
 </p:sld>
